--- a/000.作業紀錄/人體溫度判斷.pptx
+++ b/000.作業紀錄/人體溫度判斷.pptx
@@ -109,6 +109,11 @@
       </a:defRPr>
     </a:lvl9pPr>
   </p:defaultTextStyle>
+  <p:extLst>
+    <p:ext uri="{EFAFB233-063F-42B5-8137-9DF3F51BA10A}">
+      <p15:sldGuideLst xmlns:p15="http://schemas.microsoft.com/office/powerpoint/2012/main"/>
+    </p:ext>
+  </p:extLst>
 </p:presentation>
 </file>
 
@@ -3312,6 +3317,14 @@
 <file path=ppt/slides/slide1.xml><?xml version="1.0" encoding="utf-8"?>
 <p:sld xmlns:a="http://schemas.openxmlformats.org/drawingml/2006/main" xmlns:r="http://schemas.openxmlformats.org/officeDocument/2006/relationships" xmlns:p="http://schemas.openxmlformats.org/presentationml/2006/main">
   <p:cSld>
+    <p:bg>
+      <p:bgPr>
+        <a:solidFill>
+          <a:schemeClr val="bg1"/>
+        </a:solidFill>
+        <a:effectLst/>
+      </p:bgPr>
+    </p:bg>
     <p:spTree>
       <p:nvGrpSpPr>
         <p:cNvPr id="1" name=""/>
@@ -3328,6 +3341,243 @@
       </p:grpSpPr>
       <p:sp>
         <p:nvSpPr>
+          <p:cNvPr id="8" name="Rectangle 7">
+            <a:extLst>
+              <a:ext uri="{FF2B5EF4-FFF2-40B4-BE49-F238E27FC236}">
+                <a16:creationId xmlns:a16="http://schemas.microsoft.com/office/drawing/2014/main" id="{01C9CC24-B375-4226-BF2B-61FADBBA696A}"/>
+              </a:ext>
+              <a:ext uri="{C183D7F6-B498-43B3-948B-1728B52AA6E4}">
+                <adec:decorative xmlns:adec="http://schemas.microsoft.com/office/drawing/2017/decorative" val="1"/>
+              </a:ext>
+            </a:extLst>
+          </p:cNvPr>
+          <p:cNvSpPr>
+            <a:spLocks noGrp="1" noRot="1" noChangeAspect="1" noMove="1" noResize="1" noEditPoints="1" noAdjustHandles="1" noChangeArrowheads="1" noChangeShapeType="1" noTextEdit="1"/>
+          </p:cNvSpPr>
+          <p:nvPr>
+            <p:extLst>
+              <p:ext uri="{386F3935-93C4-4BCD-93E2-E3B085C9AB24}">
+                <p16:designElem xmlns:p16="http://schemas.microsoft.com/office/powerpoint/2015/main" val="1"/>
+              </p:ext>
+            </p:extLst>
+          </p:nvPr>
+        </p:nvSpPr>
+        <p:spPr>
+          <a:xfrm>
+            <a:off x="0" y="0"/>
+            <a:ext cx="12192000" cy="6858000"/>
+          </a:xfrm>
+          <a:prstGeom prst="rect">
+            <a:avLst/>
+          </a:prstGeom>
+          <a:solidFill>
+            <a:srgbClr val="FFFFFF"/>
+          </a:solidFill>
+          <a:ln>
+            <a:noFill/>
+          </a:ln>
+        </p:spPr>
+        <p:style>
+          <a:lnRef idx="2">
+            <a:schemeClr val="accent1">
+              <a:shade val="50000"/>
+            </a:schemeClr>
+          </a:lnRef>
+          <a:fillRef idx="1">
+            <a:schemeClr val="accent1"/>
+          </a:fillRef>
+          <a:effectRef idx="0">
+            <a:schemeClr val="accent1"/>
+          </a:effectRef>
+          <a:fontRef idx="minor">
+            <a:schemeClr val="lt1"/>
+          </a:fontRef>
+        </p:style>
+        <p:txBody>
+          <a:bodyPr rtlCol="0" anchor="ctr"/>
+          <a:lstStyle/>
+          <a:p>
+            <a:pPr algn="ctr"/>
+            <a:endParaRPr lang="en-US"/>
+          </a:p>
+        </p:txBody>
+      </p:sp>
+      <p:sp>
+        <p:nvSpPr>
+          <p:cNvPr id="10" name="Rectangle 9">
+            <a:extLst>
+              <a:ext uri="{FF2B5EF4-FFF2-40B4-BE49-F238E27FC236}">
+                <a16:creationId xmlns:a16="http://schemas.microsoft.com/office/drawing/2014/main" id="{CD70A28E-4FD8-4474-A206-E15B5EBB303F}"/>
+              </a:ext>
+              <a:ext uri="{C183D7F6-B498-43B3-948B-1728B52AA6E4}">
+                <adec:decorative xmlns:adec="http://schemas.microsoft.com/office/drawing/2017/decorative" val="1"/>
+              </a:ext>
+            </a:extLst>
+          </p:cNvPr>
+          <p:cNvSpPr>
+            <a:spLocks noGrp="1" noRot="1" noChangeAspect="1" noMove="1" noResize="1" noEditPoints="1" noAdjustHandles="1" noChangeArrowheads="1" noChangeShapeType="1" noTextEdit="1"/>
+          </p:cNvSpPr>
+          <p:nvPr>
+            <p:extLst>
+              <p:ext uri="{386F3935-93C4-4BCD-93E2-E3B085C9AB24}">
+                <p16:designElem xmlns:p16="http://schemas.microsoft.com/office/powerpoint/2015/main" val="1"/>
+              </p:ext>
+            </p:extLst>
+          </p:nvPr>
+        </p:nvSpPr>
+        <p:spPr>
+          <a:xfrm>
+            <a:off x="3048" y="1084747"/>
+            <a:ext cx="12188952" cy="3294207"/>
+          </a:xfrm>
+          <a:prstGeom prst="rect">
+            <a:avLst/>
+          </a:prstGeom>
+          <a:gradFill>
+            <a:gsLst>
+              <a:gs pos="0">
+                <a:schemeClr val="accent1">
+                  <a:lumMod val="90000"/>
+                </a:schemeClr>
+              </a:gs>
+              <a:gs pos="25000">
+                <a:schemeClr val="accent1">
+                  <a:lumMod val="90000"/>
+                </a:schemeClr>
+              </a:gs>
+              <a:gs pos="94000">
+                <a:schemeClr val="bg2">
+                  <a:lumMod val="25000"/>
+                </a:schemeClr>
+              </a:gs>
+              <a:gs pos="100000">
+                <a:schemeClr val="bg2">
+                  <a:lumMod val="25000"/>
+                </a:schemeClr>
+              </a:gs>
+            </a:gsLst>
+            <a:lin ang="4200000" scaled="0"/>
+          </a:gradFill>
+          <a:ln>
+            <a:noFill/>
+          </a:ln>
+        </p:spPr>
+        <p:style>
+          <a:lnRef idx="2">
+            <a:schemeClr val="accent1">
+              <a:shade val="50000"/>
+            </a:schemeClr>
+          </a:lnRef>
+          <a:fillRef idx="1">
+            <a:schemeClr val="accent1"/>
+          </a:fillRef>
+          <a:effectRef idx="0">
+            <a:schemeClr val="accent1"/>
+          </a:effectRef>
+          <a:fontRef idx="minor">
+            <a:schemeClr val="lt1"/>
+          </a:fontRef>
+        </p:style>
+        <p:txBody>
+          <a:bodyPr rtlCol="0" anchor="ctr"/>
+          <a:lstStyle/>
+          <a:p>
+            <a:pPr algn="ctr"/>
+            <a:endParaRPr lang="en-US"/>
+          </a:p>
+        </p:txBody>
+      </p:sp>
+      <p:pic>
+        <p:nvPicPr>
+          <p:cNvPr id="12" name="Picture 11">
+            <a:extLst>
+              <a:ext uri="{FF2B5EF4-FFF2-40B4-BE49-F238E27FC236}">
+                <a16:creationId xmlns:a16="http://schemas.microsoft.com/office/drawing/2014/main" id="{39647E21-5366-4638-AC97-D8CD4111EB57}"/>
+              </a:ext>
+              <a:ext uri="{C183D7F6-B498-43B3-948B-1728B52AA6E4}">
+                <adec:decorative xmlns:adec="http://schemas.microsoft.com/office/drawing/2017/decorative" val="1"/>
+              </a:ext>
+            </a:extLst>
+          </p:cNvPr>
+          <p:cNvPicPr>
+            <a:picLocks noGrp="1" noRot="1" noChangeAspect="1" noMove="1" noResize="1" noEditPoints="1" noAdjustHandles="1" noChangeArrowheads="1" noChangeShapeType="1" noCrop="1"/>
+          </p:cNvPicPr>
+          <p:nvPr>
+            <p:extLst>
+              <p:ext uri="{386F3935-93C4-4BCD-93E2-E3B085C9AB24}">
+                <p16:designElem xmlns:p16="http://schemas.microsoft.com/office/powerpoint/2015/main" val="1"/>
+              </p:ext>
+            </p:extLst>
+          </p:nvPr>
+        </p:nvPicPr>
+        <p:blipFill>
+          <a:blip r:embed="rId2">
+            <a:extLst>
+              <a:ext uri="{28A0092B-C50C-407E-A947-70E740481C1C}">
+                <a14:useLocalDpi xmlns:a14="http://schemas.microsoft.com/office/drawing/2010/main" val="0"/>
+              </a:ext>
+            </a:extLst>
+          </a:blip>
+          <a:srcRect l="8235" r="8214" b="45501"/>
+          <a:stretch>
+            <a:fillRect/>
+          </a:stretch>
+        </p:blipFill>
+        <p:spPr>
+          <a:xfrm flipV="1">
+            <a:off x="0" y="0"/>
+            <a:ext cx="12191999" cy="4473360"/>
+          </a:xfrm>
+          <a:custGeom>
+            <a:avLst/>
+            <a:gdLst>
+              <a:gd name="connsiteX0" fmla="*/ 0 w 12191999"/>
+              <a:gd name="connsiteY0" fmla="*/ 4473360 h 4473360"/>
+              <a:gd name="connsiteX1" fmla="*/ 12191999 w 12191999"/>
+              <a:gd name="connsiteY1" fmla="*/ 4473360 h 4473360"/>
+              <a:gd name="connsiteX2" fmla="*/ 12191999 w 12191999"/>
+              <a:gd name="connsiteY2" fmla="*/ 0 h 4473360"/>
+              <a:gd name="connsiteX3" fmla="*/ 0 w 12191999"/>
+              <a:gd name="connsiteY3" fmla="*/ 0 h 4473360"/>
+            </a:gdLst>
+            <a:ahLst/>
+            <a:cxnLst>
+              <a:cxn ang="0">
+                <a:pos x="connsiteX0" y="connsiteY0"/>
+              </a:cxn>
+              <a:cxn ang="0">
+                <a:pos x="connsiteX1" y="connsiteY1"/>
+              </a:cxn>
+              <a:cxn ang="0">
+                <a:pos x="connsiteX2" y="connsiteY2"/>
+              </a:cxn>
+              <a:cxn ang="0">
+                <a:pos x="connsiteX3" y="connsiteY3"/>
+              </a:cxn>
+            </a:cxnLst>
+            <a:rect l="l" t="t" r="r" b="b"/>
+            <a:pathLst>
+              <a:path w="12191999" h="4473360">
+                <a:moveTo>
+                  <a:pt x="0" y="4473360"/>
+                </a:moveTo>
+                <a:lnTo>
+                  <a:pt x="12191999" y="4473360"/>
+                </a:lnTo>
+                <a:lnTo>
+                  <a:pt x="12191999" y="0"/>
+                </a:lnTo>
+                <a:lnTo>
+                  <a:pt x="0" y="0"/>
+                </a:lnTo>
+                <a:close/>
+              </a:path>
+            </a:pathLst>
+          </a:custGeom>
+        </p:spPr>
+      </p:pic>
+      <p:sp>
+        <p:nvSpPr>
           <p:cNvPr id="2" name="標題 1">
             <a:extLst>
               <a:ext uri="{FF2B5EF4-FFF2-40B4-BE49-F238E27FC236}">
@@ -3342,13 +3592,24 @@
             <p:ph type="ctrTitle"/>
           </p:nvPr>
         </p:nvSpPr>
-        <p:spPr/>
-        <p:txBody>
-          <a:bodyPr/>
+        <p:spPr>
+          <a:xfrm>
+            <a:off x="753925" y="2076450"/>
+            <a:ext cx="10684151" cy="1345134"/>
+          </a:xfrm>
+        </p:spPr>
+        <p:txBody>
+          <a:bodyPr anchor="ctr">
+            <a:normAutofit/>
+          </a:bodyPr>
           <a:lstStyle/>
           <a:p>
             <a:r>
-              <a:rPr lang="zh-TW" altLang="en-US" dirty="0"/>
+              <a:rPr lang="zh-TW" altLang="en-US" sz="5600">
+                <a:solidFill>
+                  <a:srgbClr val="FFFFFF"/>
+                </a:solidFill>
+              </a:rPr>
               <a:t>人體溫度偵測</a:t>
             </a:r>
           </a:p>
@@ -3370,48 +3631,91 @@
             <p:ph type="subTitle" idx="1"/>
           </p:nvPr>
         </p:nvSpPr>
-        <p:spPr/>
-        <p:txBody>
-          <a:bodyPr/>
+        <p:spPr>
+          <a:xfrm>
+            <a:off x="1171575" y="4473360"/>
+            <a:ext cx="9469211" cy="865639"/>
+          </a:xfrm>
+        </p:spPr>
+        <p:txBody>
+          <a:bodyPr anchor="ctr">
+            <a:normAutofit/>
+          </a:bodyPr>
           <a:lstStyle/>
           <a:p>
             <a:r>
-              <a:rPr lang="zh-TW" altLang="en-US" dirty="0"/>
+              <a:rPr lang="zh-TW" altLang="en-US" sz="2200">
+                <a:solidFill>
+                  <a:srgbClr val="000000"/>
+                </a:solidFill>
+              </a:rPr>
               <a:t>組長</a:t>
             </a:r>
             <a:r>
-              <a:rPr lang="en-US" altLang="zh-TW" dirty="0"/>
+              <a:rPr lang="en-US" altLang="zh-TW" sz="2200">
+                <a:solidFill>
+                  <a:srgbClr val="000000"/>
+                </a:solidFill>
+              </a:rPr>
               <a:t>:</a:t>
             </a:r>
             <a:r>
-              <a:rPr lang="zh-TW" altLang="en-US" dirty="0"/>
+              <a:rPr lang="zh-TW" altLang="en-US" sz="2200">
+                <a:solidFill>
+                  <a:srgbClr val="000000"/>
+                </a:solidFill>
+              </a:rPr>
               <a:t>許登雄</a:t>
             </a:r>
             <a:r>
-              <a:rPr lang="en-US" altLang="zh-TW" dirty="0"/>
+              <a:rPr lang="en-US" altLang="zh-TW" sz="2200">
+                <a:solidFill>
+                  <a:srgbClr val="000000"/>
+                </a:solidFill>
+              </a:rPr>
               <a:t>0552045</a:t>
             </a:r>
           </a:p>
           <a:p>
             <a:r>
-              <a:rPr lang="zh-TW" altLang="en-US" dirty="0"/>
+              <a:rPr lang="zh-TW" altLang="en-US" sz="2200">
+                <a:solidFill>
+                  <a:srgbClr val="000000"/>
+                </a:solidFill>
+              </a:rPr>
               <a:t>組員</a:t>
             </a:r>
             <a:r>
-              <a:rPr lang="en-US" altLang="zh-TW" dirty="0"/>
+              <a:rPr lang="en-US" altLang="zh-TW" sz="2200">
+                <a:solidFill>
+                  <a:srgbClr val="000000"/>
+                </a:solidFill>
+              </a:rPr>
               <a:t>:</a:t>
             </a:r>
             <a:r>
-              <a:rPr lang="zh-TW" altLang="en-US" dirty="0"/>
+              <a:rPr lang="zh-TW" altLang="en-US" sz="2200">
+                <a:solidFill>
+                  <a:srgbClr val="000000"/>
+                </a:solidFill>
+              </a:rPr>
               <a:t>林居賢</a:t>
             </a:r>
             <a:r>
-              <a:rPr lang="en-US" altLang="zh-TW" dirty="0"/>
+              <a:rPr lang="en-US" altLang="zh-TW" sz="2200">
+                <a:solidFill>
+                  <a:srgbClr val="000000"/>
+                </a:solidFill>
+              </a:rPr>
               <a:t>0552012</a:t>
             </a:r>
           </a:p>
           <a:p>
-            <a:endParaRPr lang="zh-TW" altLang="en-US" dirty="0"/>
+            <a:endParaRPr lang="zh-TW" altLang="en-US" sz="2200">
+              <a:solidFill>
+                <a:srgbClr val="000000"/>
+              </a:solidFill>
+            </a:endParaRPr>
           </a:p>
         </p:txBody>
       </p:sp>
@@ -3431,6 +3735,14 @@
 <file path=ppt/slides/slide2.xml><?xml version="1.0" encoding="utf-8"?>
 <p:sld xmlns:a="http://schemas.openxmlformats.org/drawingml/2006/main" xmlns:r="http://schemas.openxmlformats.org/officeDocument/2006/relationships" xmlns:p="http://schemas.openxmlformats.org/presentationml/2006/main">
   <p:cSld>
+    <p:bg>
+      <p:bgPr>
+        <a:solidFill>
+          <a:schemeClr val="bg1"/>
+        </a:solidFill>
+        <a:effectLst/>
+      </p:bgPr>
+    </p:bg>
     <p:spTree>
       <p:nvGrpSpPr>
         <p:cNvPr id="1" name=""/>
@@ -3445,6 +3757,196 @@
           <a:chExt cx="0" cy="0"/>
         </a:xfrm>
       </p:grpSpPr>
+      <p:sp useBgFill="1">
+        <p:nvSpPr>
+          <p:cNvPr id="13" name="Rectangle 7">
+            <a:extLst>
+              <a:ext uri="{FF2B5EF4-FFF2-40B4-BE49-F238E27FC236}">
+                <a16:creationId xmlns:a16="http://schemas.microsoft.com/office/drawing/2014/main" id="{3B854194-185D-494D-905C-7C7CB2E30F6E}"/>
+              </a:ext>
+              <a:ext uri="{C183D7F6-B498-43B3-948B-1728B52AA6E4}">
+                <adec:decorative xmlns:adec="http://schemas.microsoft.com/office/drawing/2017/decorative" val="1"/>
+              </a:ext>
+            </a:extLst>
+          </p:cNvPr>
+          <p:cNvSpPr>
+            <a:spLocks noGrp="1" noRot="1" noChangeAspect="1" noMove="1" noResize="1" noEditPoints="1" noAdjustHandles="1" noChangeArrowheads="1" noChangeShapeType="1" noTextEdit="1"/>
+          </p:cNvSpPr>
+          <p:nvPr>
+            <p:extLst>
+              <p:ext uri="{386F3935-93C4-4BCD-93E2-E3B085C9AB24}">
+                <p16:designElem xmlns:p16="http://schemas.microsoft.com/office/powerpoint/2015/main" val="1"/>
+              </p:ext>
+            </p:extLst>
+          </p:nvPr>
+        </p:nvSpPr>
+        <p:spPr>
+          <a:xfrm>
+            <a:off x="1" y="0"/>
+            <a:ext cx="6082110" cy="6858000"/>
+          </a:xfrm>
+          <a:prstGeom prst="rect">
+            <a:avLst/>
+          </a:prstGeom>
+          <a:ln>
+            <a:noFill/>
+          </a:ln>
+        </p:spPr>
+        <p:style>
+          <a:lnRef idx="2">
+            <a:schemeClr val="accent1">
+              <a:shade val="50000"/>
+            </a:schemeClr>
+          </a:lnRef>
+          <a:fillRef idx="1">
+            <a:schemeClr val="accent1"/>
+          </a:fillRef>
+          <a:effectRef idx="0">
+            <a:schemeClr val="accent1"/>
+          </a:effectRef>
+          <a:fontRef idx="minor">
+            <a:schemeClr val="lt1"/>
+          </a:fontRef>
+        </p:style>
+        <p:txBody>
+          <a:bodyPr rtlCol="0" anchor="ctr"/>
+          <a:lstStyle/>
+          <a:p>
+            <a:pPr algn="ctr"/>
+            <a:endParaRPr lang="en-US"/>
+          </a:p>
+        </p:txBody>
+      </p:sp>
+      <p:sp>
+        <p:nvSpPr>
+          <p:cNvPr id="14" name="Rectangle 9">
+            <a:extLst>
+              <a:ext uri="{FF2B5EF4-FFF2-40B4-BE49-F238E27FC236}">
+                <a16:creationId xmlns:a16="http://schemas.microsoft.com/office/drawing/2014/main" id="{B4F5FA0D-0104-4987-8241-EFF7C85B88DE}"/>
+              </a:ext>
+              <a:ext uri="{C183D7F6-B498-43B3-948B-1728B52AA6E4}">
+                <adec:decorative xmlns:adec="http://schemas.microsoft.com/office/drawing/2017/decorative" val="1"/>
+              </a:ext>
+            </a:extLst>
+          </p:cNvPr>
+          <p:cNvSpPr>
+            <a:spLocks noGrp="1" noRot="1" noChangeAspect="1" noMove="1" noResize="1" noEditPoints="1" noAdjustHandles="1" noChangeArrowheads="1" noChangeShapeType="1" noTextEdit="1"/>
+          </p:cNvSpPr>
+          <p:nvPr>
+            <p:extLst>
+              <p:ext uri="{386F3935-93C4-4BCD-93E2-E3B085C9AB24}">
+                <p16:designElem xmlns:p16="http://schemas.microsoft.com/office/powerpoint/2015/main" val="1"/>
+              </p:ext>
+            </p:extLst>
+          </p:nvPr>
+        </p:nvSpPr>
+        <p:spPr>
+          <a:xfrm>
+            <a:off x="1" y="0"/>
+            <a:ext cx="12191998" cy="6858000"/>
+          </a:xfrm>
+          <a:prstGeom prst="rect">
+            <a:avLst/>
+          </a:prstGeom>
+          <a:gradFill>
+            <a:gsLst>
+              <a:gs pos="0">
+                <a:schemeClr val="accent1">
+                  <a:lumMod val="90000"/>
+                </a:schemeClr>
+              </a:gs>
+              <a:gs pos="25000">
+                <a:schemeClr val="accent1">
+                  <a:lumMod val="90000"/>
+                </a:schemeClr>
+              </a:gs>
+              <a:gs pos="94000">
+                <a:schemeClr val="bg2">
+                  <a:lumMod val="25000"/>
+                </a:schemeClr>
+              </a:gs>
+              <a:gs pos="100000">
+                <a:schemeClr val="bg2">
+                  <a:lumMod val="25000"/>
+                </a:schemeClr>
+              </a:gs>
+            </a:gsLst>
+            <a:lin ang="4200000" scaled="0"/>
+          </a:gradFill>
+          <a:ln>
+            <a:noFill/>
+          </a:ln>
+        </p:spPr>
+        <p:style>
+          <a:lnRef idx="2">
+            <a:schemeClr val="accent1">
+              <a:shade val="50000"/>
+            </a:schemeClr>
+          </a:lnRef>
+          <a:fillRef idx="1">
+            <a:schemeClr val="accent1"/>
+          </a:fillRef>
+          <a:effectRef idx="0">
+            <a:schemeClr val="accent1"/>
+          </a:effectRef>
+          <a:fontRef idx="minor">
+            <a:schemeClr val="lt1"/>
+          </a:fontRef>
+        </p:style>
+        <p:txBody>
+          <a:bodyPr rtlCol="0" anchor="ctr"/>
+          <a:lstStyle/>
+          <a:p>
+            <a:pPr algn="ctr"/>
+            <a:endParaRPr lang="en-US"/>
+          </a:p>
+        </p:txBody>
+      </p:sp>
+      <p:pic>
+        <p:nvPicPr>
+          <p:cNvPr id="12" name="Picture 11">
+            <a:extLst>
+              <a:ext uri="{FF2B5EF4-FFF2-40B4-BE49-F238E27FC236}">
+                <a16:creationId xmlns:a16="http://schemas.microsoft.com/office/drawing/2014/main" id="{2897127E-6CEF-446C-BE87-93B7C46E49D1}"/>
+              </a:ext>
+              <a:ext uri="{C183D7F6-B498-43B3-948B-1728B52AA6E4}">
+                <adec:decorative xmlns:adec="http://schemas.microsoft.com/office/drawing/2017/decorative" val="1"/>
+              </a:ext>
+            </a:extLst>
+          </p:cNvPr>
+          <p:cNvPicPr>
+            <a:picLocks noGrp="1" noRot="1" noChangeAspect="1" noMove="1" noResize="1" noEditPoints="1" noAdjustHandles="1" noChangeArrowheads="1" noChangeShapeType="1" noCrop="1"/>
+          </p:cNvPicPr>
+          <p:nvPr>
+            <p:extLst>
+              <p:ext uri="{386F3935-93C4-4BCD-93E2-E3B085C9AB24}">
+                <p16:designElem xmlns:p16="http://schemas.microsoft.com/office/powerpoint/2015/main" val="1"/>
+              </p:ext>
+            </p:extLst>
+          </p:nvPr>
+        </p:nvPicPr>
+        <p:blipFill>
+          <a:blip r:embed="rId2">
+            <a:extLst>
+              <a:ext uri="{28A0092B-C50C-407E-A947-70E740481C1C}">
+                <a14:useLocalDpi xmlns:a14="http://schemas.microsoft.com/office/drawing/2010/main" val="0"/>
+              </a:ext>
+            </a:extLst>
+          </a:blip>
+          <a:stretch>
+            <a:fillRect/>
+          </a:stretch>
+        </p:blipFill>
+        <p:spPr>
+          <a:xfrm>
+            <a:off x="0" y="0"/>
+            <a:ext cx="12192000" cy="6858000"/>
+          </a:xfrm>
+          <a:prstGeom prst="rect">
+            <a:avLst/>
+          </a:prstGeom>
+        </p:spPr>
+      </p:pic>
       <p:sp>
         <p:nvSpPr>
           <p:cNvPr id="2" name="標題 1">
@@ -3461,13 +3963,24 @@
             <p:ph type="title"/>
           </p:nvPr>
         </p:nvSpPr>
-        <p:spPr/>
-        <p:txBody>
-          <a:bodyPr/>
+        <p:spPr>
+          <a:xfrm>
+            <a:off x="640079" y="2053641"/>
+            <a:ext cx="3669161" cy="2760098"/>
+          </a:xfrm>
+        </p:spPr>
+        <p:txBody>
+          <a:bodyPr>
+            <a:normAutofit/>
+          </a:bodyPr>
           <a:lstStyle/>
           <a:p>
             <a:r>
-              <a:rPr lang="zh-TW" altLang="en-US" dirty="0"/>
+              <a:rPr lang="zh-TW" altLang="en-US">
+                <a:solidFill>
+                  <a:srgbClr val="FFFFFF"/>
+                </a:solidFill>
+              </a:rPr>
               <a:t>需求</a:t>
             </a:r>
           </a:p>
@@ -3489,21 +4002,40 @@
             <p:ph idx="1"/>
           </p:nvPr>
         </p:nvSpPr>
-        <p:spPr/>
-        <p:txBody>
-          <a:bodyPr/>
+        <p:spPr>
+          <a:xfrm>
+            <a:off x="6090574" y="801866"/>
+            <a:ext cx="5306084" cy="5230634"/>
+          </a:xfrm>
+        </p:spPr>
+        <p:txBody>
+          <a:bodyPr anchor="ctr">
+            <a:normAutofit/>
+          </a:bodyPr>
           <a:lstStyle/>
           <a:p>
             <a:r>
-              <a:rPr lang="zh-TW" altLang="en-US" dirty="0"/>
-              <a:t>透過影像判斷畫面中的人群溫度，並將溫度過高者</a:t>
-            </a:r>
-            <a:r>
-              <a:rPr lang="en-US" altLang="zh-TW" dirty="0"/>
+              <a:rPr lang="zh-TW" altLang="en-US" sz="2400" dirty="0">
+                <a:solidFill>
+                  <a:srgbClr val="000000"/>
+                </a:solidFill>
+              </a:rPr>
+              <a:t>透過攝影機判斷畫面中的人群溫度，並將溫度過高者</a:t>
+            </a:r>
+            <a:r>
+              <a:rPr lang="en-US" altLang="zh-TW" sz="2400" dirty="0">
+                <a:solidFill>
+                  <a:srgbClr val="000000"/>
+                </a:solidFill>
+              </a:rPr>
               <a:t>Tag</a:t>
             </a:r>
             <a:r>
-              <a:rPr lang="zh-TW" altLang="en-US" dirty="0"/>
+              <a:rPr lang="zh-TW" altLang="en-US" sz="2400" dirty="0">
+                <a:solidFill>
+                  <a:srgbClr val="000000"/>
+                </a:solidFill>
+              </a:rPr>
               <a:t>出來。</a:t>
             </a:r>
           </a:p>
@@ -3525,6 +4057,14 @@
 <file path=ppt/slides/slide3.xml><?xml version="1.0" encoding="utf-8"?>
 <p:sld xmlns:a="http://schemas.openxmlformats.org/drawingml/2006/main" xmlns:r="http://schemas.openxmlformats.org/officeDocument/2006/relationships" xmlns:p="http://schemas.openxmlformats.org/presentationml/2006/main">
   <p:cSld>
+    <p:bg>
+      <p:bgPr>
+        <a:solidFill>
+          <a:schemeClr val="bg1"/>
+        </a:solidFill>
+        <a:effectLst/>
+      </p:bgPr>
+    </p:bg>
     <p:spTree>
       <p:nvGrpSpPr>
         <p:cNvPr id="1" name=""/>
@@ -3541,6 +4081,209 @@
       </p:grpSpPr>
       <p:sp>
         <p:nvSpPr>
+          <p:cNvPr id="8" name="Rectangle 7">
+            <a:extLst>
+              <a:ext uri="{FF2B5EF4-FFF2-40B4-BE49-F238E27FC236}">
+                <a16:creationId xmlns:a16="http://schemas.microsoft.com/office/drawing/2014/main" id="{2CB6C291-6CAF-46DF-ACFF-AADF0FD03F58}"/>
+              </a:ext>
+              <a:ext uri="{C183D7F6-B498-43B3-948B-1728B52AA6E4}">
+                <adec:decorative xmlns:adec="http://schemas.microsoft.com/office/drawing/2017/decorative" val="1"/>
+              </a:ext>
+            </a:extLst>
+          </p:cNvPr>
+          <p:cNvSpPr>
+            <a:spLocks noGrp="1" noRot="1" noChangeAspect="1" noMove="1" noResize="1" noEditPoints="1" noAdjustHandles="1" noChangeArrowheads="1" noChangeShapeType="1" noTextEdit="1"/>
+          </p:cNvSpPr>
+          <p:nvPr>
+            <p:extLst>
+              <p:ext uri="{386F3935-93C4-4BCD-93E2-E3B085C9AB24}">
+                <p16:designElem xmlns:p16="http://schemas.microsoft.com/office/powerpoint/2015/main" val="1"/>
+              </p:ext>
+            </p:extLst>
+          </p:nvPr>
+        </p:nvSpPr>
+        <p:spPr>
+          <a:xfrm>
+            <a:off x="0" y="0"/>
+            <a:ext cx="10910292" cy="6858000"/>
+          </a:xfrm>
+          <a:prstGeom prst="rect">
+            <a:avLst/>
+          </a:prstGeom>
+          <a:gradFill>
+            <a:gsLst>
+              <a:gs pos="0">
+                <a:schemeClr val="accent1">
+                  <a:lumMod val="90000"/>
+                </a:schemeClr>
+              </a:gs>
+              <a:gs pos="25000">
+                <a:schemeClr val="accent1">
+                  <a:lumMod val="90000"/>
+                </a:schemeClr>
+              </a:gs>
+              <a:gs pos="94000">
+                <a:schemeClr val="bg2">
+                  <a:lumMod val="25000"/>
+                </a:schemeClr>
+              </a:gs>
+              <a:gs pos="100000">
+                <a:schemeClr val="bg2">
+                  <a:lumMod val="25000"/>
+                </a:schemeClr>
+              </a:gs>
+            </a:gsLst>
+            <a:lin ang="4200000" scaled="0"/>
+          </a:gradFill>
+          <a:ln>
+            <a:noFill/>
+          </a:ln>
+        </p:spPr>
+        <p:style>
+          <a:lnRef idx="2">
+            <a:schemeClr val="accent1">
+              <a:shade val="50000"/>
+            </a:schemeClr>
+          </a:lnRef>
+          <a:fillRef idx="1">
+            <a:schemeClr val="accent1"/>
+          </a:fillRef>
+          <a:effectRef idx="0">
+            <a:schemeClr val="accent1"/>
+          </a:effectRef>
+          <a:fontRef idx="minor">
+            <a:schemeClr val="lt1"/>
+          </a:fontRef>
+        </p:style>
+        <p:txBody>
+          <a:bodyPr rtlCol="0" anchor="ctr"/>
+          <a:lstStyle/>
+          <a:p>
+            <a:pPr marL="0" marR="0" lvl="0" indent="0" algn="ctr" defTabSz="914400" rtl="0" eaLnBrk="1" fontAlgn="auto" latinLnBrk="0" hangingPunct="1">
+              <a:lnSpc>
+                <a:spcPct val="100000"/>
+              </a:lnSpc>
+              <a:spcBef>
+                <a:spcPts val="0"/>
+              </a:spcBef>
+              <a:spcAft>
+                <a:spcPts val="0"/>
+              </a:spcAft>
+              <a:buClrTx/>
+              <a:buSzTx/>
+              <a:buFontTx/>
+              <a:buNone/>
+              <a:tabLst/>
+              <a:defRPr/>
+            </a:pPr>
+            <a:endParaRPr kumimoji="0" lang="en-US" sz="1800" b="0" i="0" u="none" strike="noStrike" kern="1200" cap="none" spc="0" normalizeH="0" baseline="0" noProof="0">
+              <a:ln>
+                <a:noFill/>
+              </a:ln>
+              <a:solidFill>
+                <a:prstClr val="white"/>
+              </a:solidFill>
+              <a:effectLst/>
+              <a:uLnTx/>
+              <a:uFillTx/>
+              <a:latin typeface="Calibri" panose="020F0502020204030204"/>
+              <a:ea typeface="+mn-ea"/>
+              <a:cs typeface="+mn-cs"/>
+            </a:endParaRPr>
+          </a:p>
+        </p:txBody>
+      </p:sp>
+      <p:pic>
+        <p:nvPicPr>
+          <p:cNvPr id="10" name="Picture 9">
+            <a:extLst>
+              <a:ext uri="{FF2B5EF4-FFF2-40B4-BE49-F238E27FC236}">
+                <a16:creationId xmlns:a16="http://schemas.microsoft.com/office/drawing/2014/main" id="{1EBADBCA-DA20-4279-93C6-011DEF18AA71}"/>
+              </a:ext>
+              <a:ext uri="{C183D7F6-B498-43B3-948B-1728B52AA6E4}">
+                <adec:decorative xmlns:adec="http://schemas.microsoft.com/office/drawing/2017/decorative" val="1"/>
+              </a:ext>
+            </a:extLst>
+          </p:cNvPr>
+          <p:cNvPicPr>
+            <a:picLocks noGrp="1" noRot="1" noChangeAspect="1" noMove="1" noResize="1" noEditPoints="1" noAdjustHandles="1" noChangeArrowheads="1" noChangeShapeType="1" noCrop="1"/>
+          </p:cNvPicPr>
+          <p:nvPr>
+            <p:extLst>
+              <p:ext uri="{386F3935-93C4-4BCD-93E2-E3B085C9AB24}">
+                <p16:designElem xmlns:p16="http://schemas.microsoft.com/office/powerpoint/2015/main" val="1"/>
+              </p:ext>
+            </p:extLst>
+          </p:nvPr>
+        </p:nvPicPr>
+        <p:blipFill>
+          <a:blip r:embed="rId2">
+            <a:extLst>
+              <a:ext uri="{28A0092B-C50C-407E-A947-70E740481C1C}">
+                <a14:useLocalDpi xmlns:a14="http://schemas.microsoft.com/office/drawing/2010/main" val="0"/>
+              </a:ext>
+            </a:extLst>
+          </a:blip>
+          <a:srcRect l="42953" t="3964" b="3964"/>
+          <a:stretch>
+            <a:fillRect/>
+          </a:stretch>
+        </p:blipFill>
+        <p:spPr>
+          <a:xfrm>
+            <a:off x="0" y="1"/>
+            <a:ext cx="7554138" cy="6857999"/>
+          </a:xfrm>
+          <a:custGeom>
+            <a:avLst/>
+            <a:gdLst>
+              <a:gd name="connsiteX0" fmla="*/ 0 w 7554138"/>
+              <a:gd name="connsiteY0" fmla="*/ 0 h 6857999"/>
+              <a:gd name="connsiteX1" fmla="*/ 7554138 w 7554138"/>
+              <a:gd name="connsiteY1" fmla="*/ 0 h 6857999"/>
+              <a:gd name="connsiteX2" fmla="*/ 7554138 w 7554138"/>
+              <a:gd name="connsiteY2" fmla="*/ 6857999 h 6857999"/>
+              <a:gd name="connsiteX3" fmla="*/ 0 w 7554138"/>
+              <a:gd name="connsiteY3" fmla="*/ 6857999 h 6857999"/>
+            </a:gdLst>
+            <a:ahLst/>
+            <a:cxnLst>
+              <a:cxn ang="0">
+                <a:pos x="connsiteX0" y="connsiteY0"/>
+              </a:cxn>
+              <a:cxn ang="0">
+                <a:pos x="connsiteX1" y="connsiteY1"/>
+              </a:cxn>
+              <a:cxn ang="0">
+                <a:pos x="connsiteX2" y="connsiteY2"/>
+              </a:cxn>
+              <a:cxn ang="0">
+                <a:pos x="connsiteX3" y="connsiteY3"/>
+              </a:cxn>
+            </a:cxnLst>
+            <a:rect l="l" t="t" r="r" b="b"/>
+            <a:pathLst>
+              <a:path w="7554138" h="6857999">
+                <a:moveTo>
+                  <a:pt x="0" y="0"/>
+                </a:moveTo>
+                <a:lnTo>
+                  <a:pt x="7554138" y="0"/>
+                </a:lnTo>
+                <a:lnTo>
+                  <a:pt x="7554138" y="6857999"/>
+                </a:lnTo>
+                <a:lnTo>
+                  <a:pt x="0" y="6857999"/>
+                </a:lnTo>
+                <a:close/>
+              </a:path>
+            </a:pathLst>
+          </a:custGeom>
+        </p:spPr>
+      </p:pic>
+      <p:sp>
+        <p:nvSpPr>
           <p:cNvPr id="2" name="標題 1">
             <a:extLst>
               <a:ext uri="{FF2B5EF4-FFF2-40B4-BE49-F238E27FC236}">
@@ -3555,47 +4298,134 @@
             <p:ph type="title"/>
           </p:nvPr>
         </p:nvSpPr>
-        <p:spPr/>
-        <p:txBody>
-          <a:bodyPr/>
-          <a:lstStyle/>
-          <a:p>
-            <a:r>
-              <a:rPr lang="zh-TW" altLang="en-US" dirty="0"/>
-              <a:t>分析</a:t>
-            </a:r>
-          </a:p>
-        </p:txBody>
-      </p:sp>
-      <p:sp>
-        <p:nvSpPr>
-          <p:cNvPr id="3" name="內容版面配置區 2">
-            <a:extLst>
-              <a:ext uri="{FF2B5EF4-FFF2-40B4-BE49-F238E27FC236}">
-                <a16:creationId xmlns:a16="http://schemas.microsoft.com/office/drawing/2014/main" id="{DB1E45D9-07AF-4B81-8F0D-79009B62C4B9}"/>
-              </a:ext>
-            </a:extLst>
-          </p:cNvPr>
-          <p:cNvSpPr>
-            <a:spLocks noGrp="1"/>
-          </p:cNvSpPr>
-          <p:nvPr>
-            <p:ph idx="1"/>
-          </p:nvPr>
-        </p:nvSpPr>
-        <p:spPr/>
+        <p:spPr>
+          <a:xfrm>
+            <a:off x="640080" y="1243013"/>
+            <a:ext cx="3855720" cy="4371974"/>
+          </a:xfrm>
+        </p:spPr>
         <p:txBody>
           <a:bodyPr>
-            <a:normAutofit fontScale="85000" lnSpcReduction="20000"/>
+            <a:normAutofit/>
           </a:bodyPr>
           <a:lstStyle/>
           <a:p>
             <a:r>
-              <a:rPr lang="zh-TW" altLang="en-US" dirty="0"/>
+              <a:rPr lang="zh-TW" altLang="en-US">
+                <a:solidFill>
+                  <a:srgbClr val="FFFFFF"/>
+                </a:solidFill>
+              </a:rPr>
+              <a:t>分析</a:t>
+            </a:r>
+          </a:p>
+        </p:txBody>
+      </p:sp>
+      <p:sp>
+        <p:nvSpPr>
+          <p:cNvPr id="12" name="Rectangle 11">
+            <a:extLst>
+              <a:ext uri="{FF2B5EF4-FFF2-40B4-BE49-F238E27FC236}">
+                <a16:creationId xmlns:a16="http://schemas.microsoft.com/office/drawing/2014/main" id="{4735DC46-5663-471D-AADB-81E00E65BCC6}"/>
+              </a:ext>
+              <a:ext uri="{C183D7F6-B498-43B3-948B-1728B52AA6E4}">
+                <adec:decorative xmlns:adec="http://schemas.microsoft.com/office/drawing/2017/decorative" val="1"/>
+              </a:ext>
+            </a:extLst>
+          </p:cNvPr>
+          <p:cNvSpPr>
+            <a:spLocks noGrp="1" noRot="1" noChangeAspect="1" noMove="1" noResize="1" noEditPoints="1" noAdjustHandles="1" noChangeArrowheads="1" noChangeShapeType="1" noTextEdit="1"/>
+          </p:cNvSpPr>
+          <p:nvPr>
+            <p:extLst>
+              <p:ext uri="{386F3935-93C4-4BCD-93E2-E3B085C9AB24}">
+                <p16:designElem xmlns:p16="http://schemas.microsoft.com/office/powerpoint/2015/main" val="1"/>
+              </p:ext>
+            </p:extLst>
+          </p:nvPr>
+        </p:nvSpPr>
+        <p:spPr>
+          <a:xfrm>
+            <a:off x="6800850" y="0"/>
+            <a:ext cx="5391150" cy="6858000"/>
+          </a:xfrm>
+          <a:prstGeom prst="rect">
+            <a:avLst/>
+          </a:prstGeom>
+          <a:solidFill>
+            <a:srgbClr val="FFFFFF"/>
+          </a:solidFill>
+          <a:ln>
+            <a:noFill/>
+          </a:ln>
+        </p:spPr>
+        <p:style>
+          <a:lnRef idx="2">
+            <a:schemeClr val="accent1">
+              <a:shade val="50000"/>
+            </a:schemeClr>
+          </a:lnRef>
+          <a:fillRef idx="1">
+            <a:schemeClr val="accent1"/>
+          </a:fillRef>
+          <a:effectRef idx="0">
+            <a:schemeClr val="accent1"/>
+          </a:effectRef>
+          <a:fontRef idx="minor">
+            <a:schemeClr val="lt1"/>
+          </a:fontRef>
+        </p:style>
+        <p:txBody>
+          <a:bodyPr rtlCol="0" anchor="ctr"/>
+          <a:lstStyle/>
+          <a:p>
+            <a:pPr algn="ctr"/>
+            <a:endParaRPr lang="en-US"/>
+          </a:p>
+        </p:txBody>
+      </p:sp>
+      <p:sp>
+        <p:nvSpPr>
+          <p:cNvPr id="3" name="內容版面配置區 2">
+            <a:extLst>
+              <a:ext uri="{FF2B5EF4-FFF2-40B4-BE49-F238E27FC236}">
+                <a16:creationId xmlns:a16="http://schemas.microsoft.com/office/drawing/2014/main" id="{DB1E45D9-07AF-4B81-8F0D-79009B62C4B9}"/>
+              </a:ext>
+            </a:extLst>
+          </p:cNvPr>
+          <p:cNvSpPr>
+            <a:spLocks noGrp="1"/>
+          </p:cNvSpPr>
+          <p:nvPr>
+            <p:ph idx="1"/>
+          </p:nvPr>
+        </p:nvSpPr>
+        <p:spPr>
+          <a:xfrm>
+            <a:off x="6172200" y="804672"/>
+            <a:ext cx="5221224" cy="5230368"/>
+          </a:xfrm>
+        </p:spPr>
+        <p:txBody>
+          <a:bodyPr anchor="ctr">
+            <a:normAutofit/>
+          </a:bodyPr>
+          <a:lstStyle/>
+          <a:p>
+            <a:r>
+              <a:rPr lang="zh-TW" altLang="en-US" sz="1700" dirty="0">
+                <a:solidFill>
+                  <a:srgbClr val="000000"/>
+                </a:solidFill>
+              </a:rPr>
               <a:t>功能</a:t>
             </a:r>
             <a:r>
-              <a:rPr lang="en-US" altLang="zh-TW" dirty="0"/>
+              <a:rPr lang="en-US" altLang="zh-TW" sz="1700" dirty="0">
+                <a:solidFill>
+                  <a:srgbClr val="000000"/>
+                </a:solidFill>
+              </a:rPr>
               <a:t>:</a:t>
             </a:r>
           </a:p>
@@ -3605,141 +4435,264 @@
               <a:buAutoNum type="arabicPeriod"/>
             </a:pPr>
             <a:r>
-              <a:rPr lang="zh-TW" altLang="en-US" dirty="0"/>
+              <a:rPr lang="zh-TW" altLang="en-US" sz="1700" dirty="0">
+                <a:solidFill>
+                  <a:srgbClr val="000000"/>
+                </a:solidFill>
+              </a:rPr>
               <a:t>取得畫面中的溫度</a:t>
             </a:r>
-            <a:endParaRPr lang="en-US" altLang="zh-TW" dirty="0"/>
+            <a:endParaRPr lang="en-US" altLang="zh-TW" sz="1700" dirty="0">
+              <a:solidFill>
+                <a:srgbClr val="000000"/>
+              </a:solidFill>
+            </a:endParaRPr>
+          </a:p>
+          <a:p>
+            <a:pPr lvl="2"/>
+            <a:r>
+              <a:rPr lang="zh-TW" altLang="en-US" sz="1700" dirty="0">
+                <a:solidFill>
+                  <a:srgbClr val="000000"/>
+                </a:solidFill>
+              </a:rPr>
+              <a:t>可透過熱感攝影機取得各點絕對溫度</a:t>
+            </a:r>
+            <a:endParaRPr lang="en-US" altLang="zh-TW" sz="1700" dirty="0">
+              <a:solidFill>
+                <a:srgbClr val="000000"/>
+              </a:solidFill>
+            </a:endParaRPr>
+          </a:p>
+          <a:p>
+            <a:pPr marL="914400" lvl="1" indent="-457200">
+              <a:buFont typeface="+mj-lt"/>
+              <a:buAutoNum type="arabicPeriod"/>
+            </a:pPr>
+            <a:r>
+              <a:rPr lang="zh-TW" altLang="en-US" sz="1700" dirty="0">
+                <a:solidFill>
+                  <a:srgbClr val="000000"/>
+                </a:solidFill>
+              </a:rPr>
+              <a:t>判斷人物</a:t>
+            </a:r>
+            <a:endParaRPr lang="en-US" altLang="zh-TW" sz="1700" dirty="0">
+              <a:solidFill>
+                <a:srgbClr val="000000"/>
+              </a:solidFill>
+            </a:endParaRPr>
+          </a:p>
+          <a:p>
+            <a:pPr lvl="2"/>
+            <a:r>
+              <a:rPr lang="zh-TW" altLang="en-US" sz="1700" dirty="0">
+                <a:solidFill>
+                  <a:srgbClr val="000000"/>
+                </a:solidFill>
+              </a:rPr>
+              <a:t>透過演算法框出每個人</a:t>
+            </a:r>
+            <a:r>
+              <a:rPr lang="en-US" altLang="zh-TW" sz="1700" dirty="0">
+                <a:solidFill>
+                  <a:srgbClr val="000000"/>
+                </a:solidFill>
+              </a:rPr>
+              <a:t>(</a:t>
+            </a:r>
+            <a:r>
+              <a:rPr lang="zh-TW" altLang="en-US" sz="1700" dirty="0">
+                <a:solidFill>
+                  <a:srgbClr val="000000"/>
+                </a:solidFill>
+              </a:rPr>
+              <a:t>此部分採用一般可見光攝影機</a:t>
+            </a:r>
+            <a:r>
+              <a:rPr lang="en-US" altLang="zh-TW" sz="1700" dirty="0">
+                <a:solidFill>
+                  <a:srgbClr val="000000"/>
+                </a:solidFill>
+              </a:rPr>
+              <a:t>)</a:t>
+            </a:r>
+          </a:p>
+          <a:p>
+            <a:pPr marL="914400" lvl="1" indent="-457200">
+              <a:buFont typeface="+mj-lt"/>
+              <a:buAutoNum type="arabicPeriod"/>
+            </a:pPr>
+            <a:r>
+              <a:rPr lang="zh-TW" altLang="en-US" sz="1700" dirty="0">
+                <a:solidFill>
+                  <a:srgbClr val="000000"/>
+                </a:solidFill>
+              </a:rPr>
+              <a:t>偵測</a:t>
+            </a:r>
+            <a:r>
+              <a:rPr lang="en-US" altLang="zh-TW" sz="1700" dirty="0">
+                <a:solidFill>
+                  <a:srgbClr val="000000"/>
+                </a:solidFill>
+              </a:rPr>
+              <a:t>/</a:t>
+            </a:r>
+            <a:r>
+              <a:rPr lang="zh-TW" altLang="en-US" sz="1700" dirty="0">
+                <a:solidFill>
+                  <a:srgbClr val="000000"/>
+                </a:solidFill>
+              </a:rPr>
+              <a:t>判斷</a:t>
+            </a:r>
+            <a:endParaRPr lang="en-US" altLang="zh-TW" sz="1700" dirty="0">
+              <a:solidFill>
+                <a:srgbClr val="000000"/>
+              </a:solidFill>
+            </a:endParaRPr>
+          </a:p>
+          <a:p>
+            <a:pPr lvl="2"/>
+            <a:r>
+              <a:rPr lang="zh-TW" altLang="en-US" sz="1700" dirty="0">
+                <a:solidFill>
+                  <a:srgbClr val="000000"/>
+                </a:solidFill>
+              </a:rPr>
+              <a:t>將每個人物與熱感影像的資料做疊合，並判斷每個人的溫度是否超標</a:t>
+            </a:r>
+            <a:endParaRPr lang="en-US" altLang="zh-TW" sz="1700" dirty="0">
+              <a:solidFill>
+                <a:srgbClr val="000000"/>
+              </a:solidFill>
+            </a:endParaRPr>
           </a:p>
           <a:p>
             <a:pPr marL="1371600" lvl="2" indent="-457200">
               <a:buFont typeface="+mj-lt"/>
               <a:buAutoNum type="arabicPeriod"/>
             </a:pPr>
-            <a:r>
-              <a:rPr lang="zh-TW" altLang="en-US" dirty="0"/>
-              <a:t>可透過熱感攝影機取得各點絕對溫度</a:t>
-            </a:r>
-            <a:endParaRPr lang="en-US" altLang="zh-TW" dirty="0"/>
-          </a:p>
-          <a:p>
-            <a:pPr marL="914400" lvl="1" indent="-457200">
-              <a:buFont typeface="+mj-lt"/>
-              <a:buAutoNum type="arabicPeriod"/>
-            </a:pPr>
-            <a:r>
-              <a:rPr lang="zh-TW" altLang="en-US" dirty="0"/>
-              <a:t>判斷人物</a:t>
-            </a:r>
-            <a:endParaRPr lang="en-US" altLang="zh-TW" dirty="0"/>
-          </a:p>
-          <a:p>
-            <a:pPr marL="1371600" lvl="2" indent="-457200">
-              <a:buFont typeface="+mj-lt"/>
-              <a:buAutoNum type="arabicPeriod"/>
-            </a:pPr>
-            <a:r>
-              <a:rPr lang="zh-TW" altLang="en-US" dirty="0"/>
-              <a:t>透過演算法框出每個人</a:t>
-            </a:r>
-            <a:r>
-              <a:rPr lang="en-US" altLang="zh-TW" dirty="0"/>
-              <a:t>(</a:t>
-            </a:r>
-            <a:r>
-              <a:rPr lang="zh-TW" altLang="en-US" dirty="0"/>
-              <a:t>此部分採用一般可見光攝影機</a:t>
-            </a:r>
-            <a:r>
-              <a:rPr lang="en-US" altLang="zh-TW" dirty="0"/>
-              <a:t>)</a:t>
-            </a:r>
-          </a:p>
-          <a:p>
-            <a:pPr marL="914400" lvl="1" indent="-457200">
-              <a:buFont typeface="+mj-lt"/>
-              <a:buAutoNum type="arabicPeriod"/>
-            </a:pPr>
-            <a:r>
-              <a:rPr lang="zh-TW" altLang="en-US" dirty="0"/>
-              <a:t>偵測</a:t>
-            </a:r>
-            <a:endParaRPr lang="en-US" altLang="zh-TW" dirty="0"/>
-          </a:p>
-          <a:p>
-            <a:pPr marL="1371600" lvl="2" indent="-457200">
-              <a:buFont typeface="+mj-lt"/>
-              <a:buAutoNum type="arabicPeriod"/>
-            </a:pPr>
-            <a:r>
-              <a:rPr lang="zh-TW" altLang="en-US" dirty="0"/>
-              <a:t>將每個人物與熱感影像的資料做疊合，並判斷每個人的溫度是否超標</a:t>
-            </a:r>
-            <a:endParaRPr lang="en-US" altLang="zh-TW" dirty="0"/>
-          </a:p>
-          <a:p>
-            <a:pPr marL="1371600" lvl="2" indent="-457200">
-              <a:buFont typeface="+mj-lt"/>
-              <a:buAutoNum type="arabicPeriod"/>
-            </a:pPr>
-            <a:endParaRPr lang="en-US" altLang="zh-TW" dirty="0"/>
-          </a:p>
-          <a:p>
-            <a:r>
-              <a:rPr lang="zh-TW" altLang="en-US" dirty="0"/>
+            <a:endParaRPr lang="en-US" altLang="zh-TW" sz="1700" dirty="0">
+              <a:solidFill>
+                <a:srgbClr val="000000"/>
+              </a:solidFill>
+            </a:endParaRPr>
+          </a:p>
+          <a:p>
+            <a:r>
+              <a:rPr lang="zh-TW" altLang="en-US" sz="1700" dirty="0">
+                <a:solidFill>
+                  <a:srgbClr val="000000"/>
+                </a:solidFill>
+              </a:rPr>
               <a:t>硬體</a:t>
             </a:r>
-            <a:endParaRPr lang="en-US" altLang="zh-TW" dirty="0"/>
+            <a:endParaRPr lang="en-US" altLang="zh-TW" sz="1700" dirty="0">
+              <a:solidFill>
+                <a:srgbClr val="000000"/>
+              </a:solidFill>
+            </a:endParaRPr>
           </a:p>
           <a:p>
             <a:pPr lvl="1"/>
             <a:r>
-              <a:rPr lang="zh-TW" altLang="en-US" dirty="0"/>
+              <a:rPr lang="zh-TW" altLang="en-US" sz="1700" dirty="0">
+                <a:solidFill>
+                  <a:srgbClr val="000000"/>
+                </a:solidFill>
+              </a:rPr>
               <a:t>熱感攝影機</a:t>
             </a:r>
-            <a:endParaRPr lang="en-US" altLang="zh-TW" dirty="0"/>
+            <a:endParaRPr lang="en-US" altLang="zh-TW" sz="1700" dirty="0">
+              <a:solidFill>
+                <a:srgbClr val="000000"/>
+              </a:solidFill>
+            </a:endParaRPr>
           </a:p>
           <a:p>
             <a:pPr lvl="1"/>
             <a:r>
-              <a:rPr lang="zh-TW" altLang="en-US" dirty="0"/>
+              <a:rPr lang="zh-TW" altLang="en-US" sz="1700" dirty="0">
+                <a:solidFill>
+                  <a:srgbClr val="000000"/>
+                </a:solidFill>
+              </a:rPr>
               <a:t>一般可見光攝影機</a:t>
             </a:r>
-            <a:endParaRPr lang="en-US" altLang="zh-TW" dirty="0"/>
+            <a:endParaRPr lang="en-US" altLang="zh-TW" sz="1700" dirty="0">
+              <a:solidFill>
+                <a:srgbClr val="000000"/>
+              </a:solidFill>
+            </a:endParaRPr>
           </a:p>
           <a:p>
             <a:pPr lvl="1"/>
             <a:r>
-              <a:rPr lang="zh-TW" altLang="en-US" dirty="0"/>
+              <a:rPr lang="zh-TW" altLang="en-US" sz="1700" dirty="0">
+                <a:solidFill>
+                  <a:srgbClr val="000000"/>
+                </a:solidFill>
+              </a:rPr>
               <a:t>樹梅派</a:t>
             </a:r>
             <a:r>
-              <a:rPr lang="en-US" altLang="zh-TW" dirty="0"/>
+              <a:rPr lang="en-US" altLang="zh-TW" sz="1700" dirty="0">
+                <a:solidFill>
+                  <a:srgbClr val="000000"/>
+                </a:solidFill>
+              </a:rPr>
               <a:t>/</a:t>
             </a:r>
             <a:r>
-              <a:rPr lang="zh-TW" altLang="en-US" dirty="0"/>
+              <a:rPr lang="zh-TW" altLang="en-US" sz="1700" dirty="0">
+                <a:solidFill>
+                  <a:srgbClr val="000000"/>
+                </a:solidFill>
+              </a:rPr>
               <a:t>其他設備</a:t>
             </a:r>
             <a:r>
-              <a:rPr lang="en-US" altLang="zh-TW" dirty="0"/>
+              <a:rPr lang="en-US" altLang="zh-TW" sz="1700" dirty="0">
+                <a:solidFill>
+                  <a:srgbClr val="000000"/>
+                </a:solidFill>
+              </a:rPr>
               <a:t>EX:IPC</a:t>
             </a:r>
           </a:p>
           <a:p>
             <a:pPr lvl="1"/>
-            <a:endParaRPr lang="en-US" altLang="zh-TW" dirty="0"/>
-          </a:p>
-          <a:p>
-            <a:r>
-              <a:rPr lang="zh-TW" altLang="en-US" dirty="0"/>
+            <a:endParaRPr lang="en-US" altLang="zh-TW" sz="1700" dirty="0">
+              <a:solidFill>
+                <a:srgbClr val="000000"/>
+              </a:solidFill>
+            </a:endParaRPr>
+          </a:p>
+          <a:p>
+            <a:r>
+              <a:rPr lang="zh-TW" altLang="en-US" sz="1700" dirty="0">
+                <a:solidFill>
+                  <a:srgbClr val="000000"/>
+                </a:solidFill>
+              </a:rPr>
               <a:t>系統</a:t>
             </a:r>
-            <a:endParaRPr lang="en-US" altLang="zh-TW" dirty="0"/>
+            <a:endParaRPr lang="en-US" altLang="zh-TW" sz="1700" dirty="0">
+              <a:solidFill>
+                <a:srgbClr val="000000"/>
+              </a:solidFill>
+            </a:endParaRPr>
           </a:p>
           <a:p>
             <a:pPr lvl="1"/>
             <a:r>
-              <a:rPr lang="en-US" altLang="zh-TW" dirty="0"/>
+              <a:rPr lang="en-US" altLang="zh-TW" sz="1700" dirty="0">
+                <a:solidFill>
+                  <a:srgbClr val="000000"/>
+                </a:solidFill>
+              </a:rPr>
               <a:t>Ubuntu</a:t>
             </a:r>
           </a:p>
@@ -3753,7 +4706,7 @@
     </p:extLst>
   </p:cSld>
   <p:clrMapOvr>
-    <a:masterClrMapping/>
+    <a:overrideClrMapping bg1="dk1" tx1="lt1" bg2="dk2" tx2="lt2" accent1="accent1" accent2="accent2" accent3="accent3" accent4="accent4" accent5="accent5" accent6="accent6" hlink="hlink" folHlink="folHlink"/>
   </p:clrMapOvr>
 </p:sld>
 </file>

--- a/000.作業紀錄/人體溫度判斷.pptx
+++ b/000.作業紀錄/人體溫度判斷.pptx
@@ -9,8 +9,9 @@
     <p:sldId id="257" r:id="rId3"/>
     <p:sldId id="259" r:id="rId4"/>
     <p:sldId id="260" r:id="rId5"/>
-    <p:sldId id="258" r:id="rId6"/>
-    <p:sldId id="261" r:id="rId7"/>
+    <p:sldId id="262" r:id="rId6"/>
+    <p:sldId id="258" r:id="rId7"/>
+    <p:sldId id="261" r:id="rId8"/>
   </p:sldIdLst>
   <p:sldSz cx="12192000" cy="6858000"/>
   <p:notesSz cx="6858000" cy="9144000"/>
@@ -5710,6 +5711,2149 @@
 </file>
 
 <file path=ppt/slides/slide5.xml><?xml version="1.0" encoding="utf-8"?>
+<p:sld xmlns:a="http://schemas.openxmlformats.org/drawingml/2006/main" xmlns:r="http://schemas.openxmlformats.org/officeDocument/2006/relationships" xmlns:p="http://schemas.openxmlformats.org/presentationml/2006/main">
+  <p:cSld>
+    <p:spTree>
+      <p:nvGrpSpPr>
+        <p:cNvPr id="1" name=""/>
+        <p:cNvGrpSpPr/>
+        <p:nvPr/>
+      </p:nvGrpSpPr>
+      <p:grpSpPr>
+        <a:xfrm>
+          <a:off x="0" y="0"/>
+          <a:ext cx="0" cy="0"/>
+          <a:chOff x="0" y="0"/>
+          <a:chExt cx="0" cy="0"/>
+        </a:xfrm>
+      </p:grpSpPr>
+      <p:sp>
+        <p:nvSpPr>
+          <p:cNvPr id="46" name="矩形 45">
+            <a:extLst>
+              <a:ext uri="{FF2B5EF4-FFF2-40B4-BE49-F238E27FC236}">
+                <a16:creationId xmlns:a16="http://schemas.microsoft.com/office/drawing/2014/main" id="{6605EFBF-E474-4E04-871B-21D6234CCC25}"/>
+              </a:ext>
+            </a:extLst>
+          </p:cNvPr>
+          <p:cNvSpPr/>
+          <p:nvPr/>
+        </p:nvSpPr>
+        <p:spPr>
+          <a:xfrm>
+            <a:off x="838198" y="4707546"/>
+            <a:ext cx="6913882" cy="914400"/>
+          </a:xfrm>
+          <a:prstGeom prst="rect">
+            <a:avLst/>
+          </a:prstGeom>
+          <a:solidFill>
+            <a:schemeClr val="accent6">
+              <a:lumMod val="40000"/>
+              <a:lumOff val="60000"/>
+            </a:schemeClr>
+          </a:solidFill>
+          <a:ln>
+            <a:solidFill>
+              <a:schemeClr val="accent4">
+                <a:lumMod val="40000"/>
+                <a:lumOff val="60000"/>
+              </a:schemeClr>
+            </a:solidFill>
+          </a:ln>
+        </p:spPr>
+        <p:style>
+          <a:lnRef idx="2">
+            <a:schemeClr val="accent1">
+              <a:shade val="50000"/>
+            </a:schemeClr>
+          </a:lnRef>
+          <a:fillRef idx="1">
+            <a:schemeClr val="accent1"/>
+          </a:fillRef>
+          <a:effectRef idx="0">
+            <a:schemeClr val="accent1"/>
+          </a:effectRef>
+          <a:fontRef idx="minor">
+            <a:schemeClr val="lt1"/>
+          </a:fontRef>
+        </p:style>
+        <p:txBody>
+          <a:bodyPr rtlCol="0" anchor="ctr"/>
+          <a:lstStyle/>
+          <a:p>
+            <a:pPr algn="ctr"/>
+            <a:endParaRPr lang="zh-TW" altLang="en-US" dirty="0">
+              <a:solidFill>
+                <a:schemeClr val="tx1">
+                  <a:lumMod val="85000"/>
+                  <a:lumOff val="15000"/>
+                </a:schemeClr>
+              </a:solidFill>
+            </a:endParaRPr>
+          </a:p>
+        </p:txBody>
+      </p:sp>
+      <p:sp>
+        <p:nvSpPr>
+          <p:cNvPr id="42" name="矩形 41">
+            <a:extLst>
+              <a:ext uri="{FF2B5EF4-FFF2-40B4-BE49-F238E27FC236}">
+                <a16:creationId xmlns:a16="http://schemas.microsoft.com/office/drawing/2014/main" id="{6857296B-299E-4E16-B2C8-8F322534694E}"/>
+              </a:ext>
+            </a:extLst>
+          </p:cNvPr>
+          <p:cNvSpPr/>
+          <p:nvPr/>
+        </p:nvSpPr>
+        <p:spPr>
+          <a:xfrm>
+            <a:off x="838198" y="3600913"/>
+            <a:ext cx="6913882" cy="914400"/>
+          </a:xfrm>
+          <a:prstGeom prst="rect">
+            <a:avLst/>
+          </a:prstGeom>
+          <a:solidFill>
+            <a:schemeClr val="accent6">
+              <a:lumMod val="40000"/>
+              <a:lumOff val="60000"/>
+            </a:schemeClr>
+          </a:solidFill>
+          <a:ln>
+            <a:solidFill>
+              <a:schemeClr val="accent4">
+                <a:lumMod val="40000"/>
+                <a:lumOff val="60000"/>
+              </a:schemeClr>
+            </a:solidFill>
+          </a:ln>
+        </p:spPr>
+        <p:style>
+          <a:lnRef idx="2">
+            <a:schemeClr val="accent1">
+              <a:shade val="50000"/>
+            </a:schemeClr>
+          </a:lnRef>
+          <a:fillRef idx="1">
+            <a:schemeClr val="accent1"/>
+          </a:fillRef>
+          <a:effectRef idx="0">
+            <a:schemeClr val="accent1"/>
+          </a:effectRef>
+          <a:fontRef idx="minor">
+            <a:schemeClr val="lt1"/>
+          </a:fontRef>
+        </p:style>
+        <p:txBody>
+          <a:bodyPr rtlCol="0" anchor="ctr"/>
+          <a:lstStyle/>
+          <a:p>
+            <a:pPr algn="ctr"/>
+            <a:endParaRPr lang="zh-TW" altLang="en-US" dirty="0">
+              <a:solidFill>
+                <a:schemeClr val="tx1">
+                  <a:lumMod val="85000"/>
+                  <a:lumOff val="15000"/>
+                </a:schemeClr>
+              </a:solidFill>
+            </a:endParaRPr>
+          </a:p>
+        </p:txBody>
+      </p:sp>
+      <p:sp>
+        <p:nvSpPr>
+          <p:cNvPr id="34" name="矩形 33">
+            <a:extLst>
+              <a:ext uri="{FF2B5EF4-FFF2-40B4-BE49-F238E27FC236}">
+                <a16:creationId xmlns:a16="http://schemas.microsoft.com/office/drawing/2014/main" id="{304285F5-479C-46A6-B8C4-82B4EC97F0BB}"/>
+              </a:ext>
+            </a:extLst>
+          </p:cNvPr>
+          <p:cNvSpPr/>
+          <p:nvPr/>
+        </p:nvSpPr>
+        <p:spPr>
+          <a:xfrm>
+            <a:off x="838198" y="2514600"/>
+            <a:ext cx="6913882" cy="914400"/>
+          </a:xfrm>
+          <a:prstGeom prst="rect">
+            <a:avLst/>
+          </a:prstGeom>
+          <a:solidFill>
+            <a:schemeClr val="accent6">
+              <a:lumMod val="40000"/>
+              <a:lumOff val="60000"/>
+            </a:schemeClr>
+          </a:solidFill>
+          <a:ln>
+            <a:solidFill>
+              <a:schemeClr val="accent4">
+                <a:lumMod val="40000"/>
+                <a:lumOff val="60000"/>
+              </a:schemeClr>
+            </a:solidFill>
+          </a:ln>
+        </p:spPr>
+        <p:style>
+          <a:lnRef idx="2">
+            <a:schemeClr val="accent1">
+              <a:shade val="50000"/>
+            </a:schemeClr>
+          </a:lnRef>
+          <a:fillRef idx="1">
+            <a:schemeClr val="accent1"/>
+          </a:fillRef>
+          <a:effectRef idx="0">
+            <a:schemeClr val="accent1"/>
+          </a:effectRef>
+          <a:fontRef idx="minor">
+            <a:schemeClr val="lt1"/>
+          </a:fontRef>
+        </p:style>
+        <p:txBody>
+          <a:bodyPr rtlCol="0" anchor="ctr"/>
+          <a:lstStyle/>
+          <a:p>
+            <a:pPr algn="ctr"/>
+            <a:endParaRPr lang="zh-TW" altLang="en-US" dirty="0">
+              <a:solidFill>
+                <a:schemeClr val="tx1">
+                  <a:lumMod val="85000"/>
+                  <a:lumOff val="15000"/>
+                </a:schemeClr>
+              </a:solidFill>
+            </a:endParaRPr>
+          </a:p>
+        </p:txBody>
+      </p:sp>
+      <p:sp>
+        <p:nvSpPr>
+          <p:cNvPr id="33" name="矩形 32">
+            <a:extLst>
+              <a:ext uri="{FF2B5EF4-FFF2-40B4-BE49-F238E27FC236}">
+                <a16:creationId xmlns:a16="http://schemas.microsoft.com/office/drawing/2014/main" id="{6730B55F-0A27-45EB-A431-59937D6EFBE7}"/>
+              </a:ext>
+            </a:extLst>
+          </p:cNvPr>
+          <p:cNvSpPr/>
+          <p:nvPr/>
+        </p:nvSpPr>
+        <p:spPr>
+          <a:xfrm>
+            <a:off x="838198" y="1479824"/>
+            <a:ext cx="6913882" cy="914400"/>
+          </a:xfrm>
+          <a:prstGeom prst="rect">
+            <a:avLst/>
+          </a:prstGeom>
+          <a:solidFill>
+            <a:schemeClr val="accent6">
+              <a:lumMod val="40000"/>
+              <a:lumOff val="60000"/>
+            </a:schemeClr>
+          </a:solidFill>
+          <a:ln>
+            <a:solidFill>
+              <a:schemeClr val="accent4">
+                <a:lumMod val="40000"/>
+                <a:lumOff val="60000"/>
+              </a:schemeClr>
+            </a:solidFill>
+          </a:ln>
+        </p:spPr>
+        <p:style>
+          <a:lnRef idx="2">
+            <a:schemeClr val="accent1">
+              <a:shade val="50000"/>
+            </a:schemeClr>
+          </a:lnRef>
+          <a:fillRef idx="1">
+            <a:schemeClr val="accent1"/>
+          </a:fillRef>
+          <a:effectRef idx="0">
+            <a:schemeClr val="accent1"/>
+          </a:effectRef>
+          <a:fontRef idx="minor">
+            <a:schemeClr val="lt1"/>
+          </a:fontRef>
+        </p:style>
+        <p:txBody>
+          <a:bodyPr rtlCol="0" anchor="ctr"/>
+          <a:lstStyle/>
+          <a:p>
+            <a:pPr algn="ctr"/>
+            <a:endParaRPr lang="zh-TW" altLang="en-US" dirty="0">
+              <a:solidFill>
+                <a:schemeClr val="tx1">
+                  <a:lumMod val="85000"/>
+                  <a:lumOff val="15000"/>
+                </a:schemeClr>
+              </a:solidFill>
+            </a:endParaRPr>
+          </a:p>
+        </p:txBody>
+      </p:sp>
+      <p:sp>
+        <p:nvSpPr>
+          <p:cNvPr id="2" name="標題 1">
+            <a:extLst>
+              <a:ext uri="{FF2B5EF4-FFF2-40B4-BE49-F238E27FC236}">
+                <a16:creationId xmlns:a16="http://schemas.microsoft.com/office/drawing/2014/main" id="{79AAFD92-0311-48AC-8A7B-B6A02B27C07A}"/>
+              </a:ext>
+            </a:extLst>
+          </p:cNvPr>
+          <p:cNvSpPr>
+            <a:spLocks noGrp="1"/>
+          </p:cNvSpPr>
+          <p:nvPr>
+            <p:ph type="title"/>
+          </p:nvPr>
+        </p:nvSpPr>
+        <p:spPr/>
+        <p:txBody>
+          <a:bodyPr/>
+          <a:lstStyle/>
+          <a:p>
+            <a:r>
+              <a:rPr lang="zh-TW" altLang="en-US"/>
+              <a:t>分析</a:t>
+            </a:r>
+            <a:endParaRPr lang="zh-TW" altLang="en-US" dirty="0"/>
+          </a:p>
+        </p:txBody>
+      </p:sp>
+      <p:sp>
+        <p:nvSpPr>
+          <p:cNvPr id="16" name="矩形 15">
+            <a:extLst>
+              <a:ext uri="{FF2B5EF4-FFF2-40B4-BE49-F238E27FC236}">
+                <a16:creationId xmlns:a16="http://schemas.microsoft.com/office/drawing/2014/main" id="{3A0A5AFE-A75A-4296-9F68-D1A4BF684B85}"/>
+              </a:ext>
+            </a:extLst>
+          </p:cNvPr>
+          <p:cNvSpPr/>
+          <p:nvPr/>
+        </p:nvSpPr>
+        <p:spPr>
+          <a:xfrm>
+            <a:off x="838199" y="3611073"/>
+            <a:ext cx="1921933" cy="914400"/>
+          </a:xfrm>
+          <a:prstGeom prst="rect">
+            <a:avLst/>
+          </a:prstGeom>
+          <a:solidFill>
+            <a:schemeClr val="accent4">
+              <a:lumMod val="40000"/>
+              <a:lumOff val="60000"/>
+            </a:schemeClr>
+          </a:solidFill>
+          <a:ln>
+            <a:solidFill>
+              <a:schemeClr val="accent4">
+                <a:lumMod val="40000"/>
+                <a:lumOff val="60000"/>
+              </a:schemeClr>
+            </a:solidFill>
+          </a:ln>
+        </p:spPr>
+        <p:style>
+          <a:lnRef idx="2">
+            <a:schemeClr val="accent1">
+              <a:shade val="50000"/>
+            </a:schemeClr>
+          </a:lnRef>
+          <a:fillRef idx="1">
+            <a:schemeClr val="accent1"/>
+          </a:fillRef>
+          <a:effectRef idx="0">
+            <a:schemeClr val="accent1"/>
+          </a:effectRef>
+          <a:fontRef idx="minor">
+            <a:schemeClr val="lt1"/>
+          </a:fontRef>
+        </p:style>
+        <p:txBody>
+          <a:bodyPr rtlCol="0" anchor="ctr"/>
+          <a:lstStyle/>
+          <a:p>
+            <a:pPr algn="ctr"/>
+            <a:r>
+              <a:rPr lang="en-US" altLang="zh-TW">
+                <a:solidFill>
+                  <a:schemeClr val="tx1">
+                    <a:lumMod val="85000"/>
+                    <a:lumOff val="15000"/>
+                  </a:schemeClr>
+                </a:solidFill>
+              </a:rPr>
+              <a:t>RCNN/</a:t>
+            </a:r>
+            <a:r>
+              <a:rPr lang="zh-TW" altLang="en-US">
+                <a:solidFill>
+                  <a:schemeClr val="tx1">
+                    <a:lumMod val="85000"/>
+                    <a:lumOff val="15000"/>
+                  </a:schemeClr>
+                </a:solidFill>
+              </a:rPr>
+              <a:t>其他演算法分割人群</a:t>
+            </a:r>
+            <a:endParaRPr lang="zh-TW" altLang="en-US" dirty="0">
+              <a:solidFill>
+                <a:schemeClr val="tx1">
+                  <a:lumMod val="85000"/>
+                  <a:lumOff val="15000"/>
+                </a:schemeClr>
+              </a:solidFill>
+            </a:endParaRPr>
+          </a:p>
+        </p:txBody>
+      </p:sp>
+      <p:sp>
+        <p:nvSpPr>
+          <p:cNvPr id="17" name="矩形 16">
+            <a:extLst>
+              <a:ext uri="{FF2B5EF4-FFF2-40B4-BE49-F238E27FC236}">
+                <a16:creationId xmlns:a16="http://schemas.microsoft.com/office/drawing/2014/main" id="{7CE14EB1-44FA-46AF-ABE4-F1911195C0A1}"/>
+              </a:ext>
+            </a:extLst>
+          </p:cNvPr>
+          <p:cNvSpPr/>
+          <p:nvPr/>
+        </p:nvSpPr>
+        <p:spPr>
+          <a:xfrm>
+            <a:off x="838200" y="1479824"/>
+            <a:ext cx="1921933" cy="914400"/>
+          </a:xfrm>
+          <a:prstGeom prst="rect">
+            <a:avLst/>
+          </a:prstGeom>
+          <a:solidFill>
+            <a:schemeClr val="accent4">
+              <a:lumMod val="40000"/>
+              <a:lumOff val="60000"/>
+            </a:schemeClr>
+          </a:solidFill>
+          <a:ln>
+            <a:solidFill>
+              <a:schemeClr val="accent4">
+                <a:lumMod val="40000"/>
+                <a:lumOff val="60000"/>
+              </a:schemeClr>
+            </a:solidFill>
+          </a:ln>
+        </p:spPr>
+        <p:style>
+          <a:lnRef idx="2">
+            <a:schemeClr val="accent1">
+              <a:shade val="50000"/>
+            </a:schemeClr>
+          </a:lnRef>
+          <a:fillRef idx="1">
+            <a:schemeClr val="accent1"/>
+          </a:fillRef>
+          <a:effectRef idx="0">
+            <a:schemeClr val="accent1"/>
+          </a:effectRef>
+          <a:fontRef idx="minor">
+            <a:schemeClr val="lt1"/>
+          </a:fontRef>
+        </p:style>
+        <p:txBody>
+          <a:bodyPr rtlCol="0" anchor="ctr"/>
+          <a:lstStyle/>
+          <a:p>
+            <a:pPr algn="ctr"/>
+            <a:r>
+              <a:rPr lang="zh-TW" altLang="en-US">
+                <a:solidFill>
+                  <a:schemeClr val="tx1">
+                    <a:lumMod val="85000"/>
+                    <a:lumOff val="15000"/>
+                  </a:schemeClr>
+                </a:solidFill>
+              </a:rPr>
+              <a:t>溫度計算</a:t>
+            </a:r>
+            <a:endParaRPr lang="zh-TW" altLang="en-US" dirty="0">
+              <a:solidFill>
+                <a:schemeClr val="tx1">
+                  <a:lumMod val="85000"/>
+                  <a:lumOff val="15000"/>
+                </a:schemeClr>
+              </a:solidFill>
+            </a:endParaRPr>
+          </a:p>
+        </p:txBody>
+      </p:sp>
+      <p:sp>
+        <p:nvSpPr>
+          <p:cNvPr id="20" name="矩形 19">
+            <a:extLst>
+              <a:ext uri="{FF2B5EF4-FFF2-40B4-BE49-F238E27FC236}">
+                <a16:creationId xmlns:a16="http://schemas.microsoft.com/office/drawing/2014/main" id="{C0DEBEEE-6089-47A9-86EF-07B5F6D1F880}"/>
+              </a:ext>
+            </a:extLst>
+          </p:cNvPr>
+          <p:cNvSpPr/>
+          <p:nvPr/>
+        </p:nvSpPr>
+        <p:spPr>
+          <a:xfrm>
+            <a:off x="838199" y="2514600"/>
+            <a:ext cx="1921933" cy="914400"/>
+          </a:xfrm>
+          <a:prstGeom prst="rect">
+            <a:avLst/>
+          </a:prstGeom>
+          <a:solidFill>
+            <a:schemeClr val="accent4">
+              <a:lumMod val="40000"/>
+              <a:lumOff val="60000"/>
+            </a:schemeClr>
+          </a:solidFill>
+          <a:ln>
+            <a:solidFill>
+              <a:schemeClr val="accent4">
+                <a:lumMod val="40000"/>
+                <a:lumOff val="60000"/>
+              </a:schemeClr>
+            </a:solidFill>
+          </a:ln>
+        </p:spPr>
+        <p:style>
+          <a:lnRef idx="2">
+            <a:schemeClr val="accent1">
+              <a:shade val="50000"/>
+            </a:schemeClr>
+          </a:lnRef>
+          <a:fillRef idx="1">
+            <a:schemeClr val="accent1"/>
+          </a:fillRef>
+          <a:effectRef idx="0">
+            <a:schemeClr val="accent1"/>
+          </a:effectRef>
+          <a:fontRef idx="minor">
+            <a:schemeClr val="lt1"/>
+          </a:fontRef>
+        </p:style>
+        <p:txBody>
+          <a:bodyPr rtlCol="0" anchor="ctr"/>
+          <a:lstStyle/>
+          <a:p>
+            <a:pPr algn="ctr"/>
+            <a:r>
+              <a:rPr lang="zh-TW" altLang="en-US">
+                <a:solidFill>
+                  <a:schemeClr val="tx1">
+                    <a:lumMod val="85000"/>
+                    <a:lumOff val="15000"/>
+                  </a:schemeClr>
+                </a:solidFill>
+              </a:rPr>
+              <a:t>轉換熱感影像</a:t>
+            </a:r>
+            <a:endParaRPr lang="en-US" altLang="zh-TW">
+              <a:solidFill>
+                <a:schemeClr val="tx1">
+                  <a:lumMod val="85000"/>
+                  <a:lumOff val="15000"/>
+                </a:schemeClr>
+              </a:solidFill>
+            </a:endParaRPr>
+          </a:p>
+          <a:p>
+            <a:pPr algn="ctr"/>
+            <a:r>
+              <a:rPr lang="zh-TW" altLang="en-US">
+                <a:solidFill>
+                  <a:schemeClr val="tx1">
+                    <a:lumMod val="85000"/>
+                    <a:lumOff val="15000"/>
+                  </a:schemeClr>
+                </a:solidFill>
+              </a:rPr>
+              <a:t>視角</a:t>
+            </a:r>
+            <a:endParaRPr lang="zh-TW" altLang="en-US" dirty="0">
+              <a:solidFill>
+                <a:schemeClr val="tx1">
+                  <a:lumMod val="85000"/>
+                  <a:lumOff val="15000"/>
+                </a:schemeClr>
+              </a:solidFill>
+            </a:endParaRPr>
+          </a:p>
+        </p:txBody>
+      </p:sp>
+      <p:sp>
+        <p:nvSpPr>
+          <p:cNvPr id="30" name="矩形 29">
+            <a:extLst>
+              <a:ext uri="{FF2B5EF4-FFF2-40B4-BE49-F238E27FC236}">
+                <a16:creationId xmlns:a16="http://schemas.microsoft.com/office/drawing/2014/main" id="{63E5C0C0-88CA-4122-9ABB-5F3F700AC239}"/>
+              </a:ext>
+            </a:extLst>
+          </p:cNvPr>
+          <p:cNvSpPr/>
+          <p:nvPr/>
+        </p:nvSpPr>
+        <p:spPr>
+          <a:xfrm>
+            <a:off x="838199" y="4707546"/>
+            <a:ext cx="1921933" cy="914400"/>
+          </a:xfrm>
+          <a:prstGeom prst="rect">
+            <a:avLst/>
+          </a:prstGeom>
+          <a:solidFill>
+            <a:schemeClr val="accent4">
+              <a:lumMod val="40000"/>
+              <a:lumOff val="60000"/>
+            </a:schemeClr>
+          </a:solidFill>
+          <a:ln>
+            <a:solidFill>
+              <a:schemeClr val="accent4">
+                <a:lumMod val="40000"/>
+                <a:lumOff val="60000"/>
+              </a:schemeClr>
+            </a:solidFill>
+          </a:ln>
+        </p:spPr>
+        <p:style>
+          <a:lnRef idx="2">
+            <a:schemeClr val="accent1">
+              <a:shade val="50000"/>
+            </a:schemeClr>
+          </a:lnRef>
+          <a:fillRef idx="1">
+            <a:schemeClr val="accent1"/>
+          </a:fillRef>
+          <a:effectRef idx="0">
+            <a:schemeClr val="accent1"/>
+          </a:effectRef>
+          <a:fontRef idx="minor">
+            <a:schemeClr val="lt1"/>
+          </a:fontRef>
+        </p:style>
+        <p:txBody>
+          <a:bodyPr rtlCol="0" anchor="ctr"/>
+          <a:lstStyle/>
+          <a:p>
+            <a:pPr algn="ctr"/>
+            <a:r>
+              <a:rPr lang="zh-TW" altLang="en-US">
+                <a:solidFill>
+                  <a:schemeClr val="tx1">
+                    <a:lumMod val="85000"/>
+                    <a:lumOff val="15000"/>
+                  </a:schemeClr>
+                </a:solidFill>
+              </a:rPr>
+              <a:t>判斷</a:t>
+            </a:r>
+            <a:endParaRPr lang="en-US" altLang="zh-TW">
+              <a:solidFill>
+                <a:schemeClr val="tx1">
+                  <a:lumMod val="85000"/>
+                  <a:lumOff val="15000"/>
+                </a:schemeClr>
+              </a:solidFill>
+            </a:endParaRPr>
+          </a:p>
+          <a:p>
+            <a:pPr algn="ctr"/>
+            <a:r>
+              <a:rPr lang="en-US" altLang="zh-TW">
+                <a:solidFill>
+                  <a:schemeClr val="tx1">
+                    <a:lumMod val="85000"/>
+                    <a:lumOff val="15000"/>
+                  </a:schemeClr>
+                </a:solidFill>
+              </a:rPr>
+              <a:t>&lt;</a:t>
+            </a:r>
+            <a:r>
+              <a:rPr lang="zh-TW" altLang="en-US">
+                <a:solidFill>
+                  <a:schemeClr val="tx1">
+                    <a:lumMod val="85000"/>
+                    <a:lumOff val="15000"/>
+                  </a:schemeClr>
+                </a:solidFill>
+              </a:rPr>
+              <a:t>將溫度資訊與人群位置整合</a:t>
+            </a:r>
+            <a:r>
+              <a:rPr lang="en-US" altLang="zh-TW">
+                <a:solidFill>
+                  <a:schemeClr val="tx1">
+                    <a:lumMod val="85000"/>
+                    <a:lumOff val="15000"/>
+                  </a:schemeClr>
+                </a:solidFill>
+              </a:rPr>
+              <a:t>&gt;</a:t>
+            </a:r>
+            <a:endParaRPr lang="zh-TW" altLang="en-US" dirty="0">
+              <a:solidFill>
+                <a:schemeClr val="tx1">
+                  <a:lumMod val="85000"/>
+                  <a:lumOff val="15000"/>
+                </a:schemeClr>
+              </a:solidFill>
+            </a:endParaRPr>
+          </a:p>
+        </p:txBody>
+      </p:sp>
+      <p:sp>
+        <p:nvSpPr>
+          <p:cNvPr id="8" name="矩形 7">
+            <a:extLst>
+              <a:ext uri="{FF2B5EF4-FFF2-40B4-BE49-F238E27FC236}">
+                <a16:creationId xmlns:a16="http://schemas.microsoft.com/office/drawing/2014/main" id="{12DD6679-7BBD-4404-8CBE-64A1CC991FDC}"/>
+              </a:ext>
+            </a:extLst>
+          </p:cNvPr>
+          <p:cNvSpPr/>
+          <p:nvPr/>
+        </p:nvSpPr>
+        <p:spPr>
+          <a:xfrm>
+            <a:off x="2760133" y="1513356"/>
+            <a:ext cx="3238642" cy="923330"/>
+          </a:xfrm>
+          <a:prstGeom prst="rect">
+            <a:avLst/>
+          </a:prstGeom>
+        </p:spPr>
+        <p:txBody>
+          <a:bodyPr wrap="none">
+            <a:spAutoFit/>
+          </a:bodyPr>
+          <a:lstStyle/>
+          <a:p>
+            <a:pPr algn="ctr"/>
+            <a:r>
+              <a:rPr lang="en-US" altLang="zh-TW" dirty="0">
+                <a:solidFill>
+                  <a:schemeClr val="tx1">
+                    <a:lumMod val="85000"/>
+                    <a:lumOff val="15000"/>
+                  </a:schemeClr>
+                </a:solidFill>
+              </a:rPr>
+              <a:t>1.</a:t>
+            </a:r>
+            <a:r>
+              <a:rPr lang="zh-TW" altLang="en-US" dirty="0">
+                <a:solidFill>
+                  <a:schemeClr val="tx1">
+                    <a:lumMod val="85000"/>
+                    <a:lumOff val="15000"/>
+                  </a:schemeClr>
+                </a:solidFill>
+              </a:rPr>
+              <a:t>接收方式</a:t>
+            </a:r>
+            <a:r>
+              <a:rPr lang="en-US" altLang="zh-TW" dirty="0">
+                <a:solidFill>
+                  <a:schemeClr val="tx1">
+                    <a:lumMod val="85000"/>
+                    <a:lumOff val="15000"/>
+                  </a:schemeClr>
+                </a:solidFill>
+              </a:rPr>
+              <a:t>:</a:t>
+            </a:r>
+            <a:r>
+              <a:rPr lang="zh-TW" altLang="en-US" dirty="0">
+                <a:solidFill>
+                  <a:schemeClr val="tx1">
+                    <a:lumMod val="85000"/>
+                    <a:lumOff val="15000"/>
+                  </a:schemeClr>
+                </a:solidFill>
+              </a:rPr>
+              <a:t>攝影機的</a:t>
+            </a:r>
+            <a:r>
+              <a:rPr lang="en-US" altLang="zh-TW" dirty="0" err="1">
+                <a:solidFill>
+                  <a:schemeClr val="tx1">
+                    <a:lumMod val="85000"/>
+                    <a:lumOff val="15000"/>
+                  </a:schemeClr>
+                </a:solidFill>
+              </a:rPr>
+              <a:t>DataSheet</a:t>
+            </a:r>
+            <a:endParaRPr lang="en-US" altLang="zh-TW" dirty="0">
+              <a:solidFill>
+                <a:schemeClr val="tx1">
+                  <a:lumMod val="85000"/>
+                  <a:lumOff val="15000"/>
+                </a:schemeClr>
+              </a:solidFill>
+            </a:endParaRPr>
+          </a:p>
+          <a:p>
+            <a:r>
+              <a:rPr lang="en-US" altLang="zh-TW" dirty="0">
+                <a:solidFill>
+                  <a:schemeClr val="tx1">
+                    <a:lumMod val="85000"/>
+                    <a:lumOff val="15000"/>
+                  </a:schemeClr>
+                </a:solidFill>
+              </a:rPr>
+              <a:t>2.Github</a:t>
+            </a:r>
+            <a:r>
+              <a:rPr lang="zh-TW" altLang="en-US" dirty="0">
+                <a:solidFill>
+                  <a:schemeClr val="tx1">
+                    <a:lumMod val="85000"/>
+                    <a:lumOff val="15000"/>
+                  </a:schemeClr>
+                </a:solidFill>
+              </a:rPr>
+              <a:t>參考資料</a:t>
+            </a:r>
+            <a:endParaRPr lang="en-US" altLang="zh-TW" dirty="0">
+              <a:solidFill>
+                <a:schemeClr val="tx1">
+                  <a:lumMod val="85000"/>
+                  <a:lumOff val="15000"/>
+                </a:schemeClr>
+              </a:solidFill>
+            </a:endParaRPr>
+          </a:p>
+          <a:p>
+            <a:pPr algn="ctr"/>
+            <a:endParaRPr lang="zh-TW" altLang="en-US" dirty="0">
+              <a:solidFill>
+                <a:schemeClr val="tx1">
+                  <a:lumMod val="85000"/>
+                  <a:lumOff val="15000"/>
+                </a:schemeClr>
+              </a:solidFill>
+            </a:endParaRPr>
+          </a:p>
+        </p:txBody>
+      </p:sp>
+      <p:sp>
+        <p:nvSpPr>
+          <p:cNvPr id="48" name="矩形 47">
+            <a:extLst>
+              <a:ext uri="{FF2B5EF4-FFF2-40B4-BE49-F238E27FC236}">
+                <a16:creationId xmlns:a16="http://schemas.microsoft.com/office/drawing/2014/main" id="{2E849CC8-C1CB-4CFC-98AC-23A72DCCE29D}"/>
+              </a:ext>
+            </a:extLst>
+          </p:cNvPr>
+          <p:cNvSpPr/>
+          <p:nvPr/>
+        </p:nvSpPr>
+        <p:spPr>
+          <a:xfrm>
+            <a:off x="2756704" y="2514600"/>
+            <a:ext cx="3647152" cy="923330"/>
+          </a:xfrm>
+          <a:prstGeom prst="rect">
+            <a:avLst/>
+          </a:prstGeom>
+        </p:spPr>
+        <p:txBody>
+          <a:bodyPr wrap="none">
+            <a:spAutoFit/>
+          </a:bodyPr>
+          <a:lstStyle/>
+          <a:p>
+            <a:r>
+              <a:rPr lang="en-US" altLang="zh-TW" dirty="0">
+                <a:solidFill>
+                  <a:schemeClr val="tx1">
+                    <a:lumMod val="85000"/>
+                    <a:lumOff val="15000"/>
+                  </a:schemeClr>
+                </a:solidFill>
+              </a:rPr>
+              <a:t>1.</a:t>
+            </a:r>
+            <a:r>
+              <a:rPr lang="zh-TW" altLang="en-US" dirty="0">
+                <a:solidFill>
+                  <a:schemeClr val="tx1">
+                    <a:lumMod val="85000"/>
+                    <a:lumOff val="15000"/>
+                  </a:schemeClr>
+                </a:solidFill>
+              </a:rPr>
+              <a:t>實現</a:t>
+            </a:r>
+            <a:r>
+              <a:rPr lang="en-US" altLang="zh-TW" dirty="0">
+                <a:solidFill>
+                  <a:schemeClr val="tx1">
+                    <a:lumMod val="85000"/>
+                    <a:lumOff val="15000"/>
+                  </a:schemeClr>
+                </a:solidFill>
+              </a:rPr>
+              <a:t>:</a:t>
+            </a:r>
+            <a:r>
+              <a:rPr lang="zh-TW" altLang="en-US" dirty="0">
+                <a:solidFill>
+                  <a:schemeClr val="tx1">
+                    <a:lumMod val="85000"/>
+                    <a:lumOff val="15000"/>
+                  </a:schemeClr>
+                </a:solidFill>
+              </a:rPr>
+              <a:t>視角轉換演算法</a:t>
+            </a:r>
+            <a:endParaRPr lang="en-US" altLang="zh-TW" dirty="0">
+              <a:solidFill>
+                <a:schemeClr val="tx1">
+                  <a:lumMod val="85000"/>
+                  <a:lumOff val="15000"/>
+                </a:schemeClr>
+              </a:solidFill>
+            </a:endParaRPr>
+          </a:p>
+          <a:p>
+            <a:r>
+              <a:rPr lang="zh-TW" altLang="en-US" dirty="0">
+                <a:solidFill>
+                  <a:schemeClr val="tx1">
+                    <a:lumMod val="85000"/>
+                    <a:lumOff val="15000"/>
+                  </a:schemeClr>
+                </a:solidFill>
+              </a:rPr>
+              <a:t>可見光攝影機角度需大於熱感影像</a:t>
+            </a:r>
+            <a:endParaRPr lang="en-US" altLang="zh-TW" dirty="0">
+              <a:solidFill>
+                <a:schemeClr val="tx1">
+                  <a:lumMod val="85000"/>
+                  <a:lumOff val="15000"/>
+                </a:schemeClr>
+              </a:solidFill>
+            </a:endParaRPr>
+          </a:p>
+          <a:p>
+            <a:endParaRPr lang="zh-TW" altLang="en-US" dirty="0">
+              <a:solidFill>
+                <a:schemeClr val="tx1">
+                  <a:lumMod val="85000"/>
+                  <a:lumOff val="15000"/>
+                </a:schemeClr>
+              </a:solidFill>
+            </a:endParaRPr>
+          </a:p>
+        </p:txBody>
+      </p:sp>
+      <p:sp>
+        <p:nvSpPr>
+          <p:cNvPr id="50" name="矩形 49">
+            <a:extLst>
+              <a:ext uri="{FF2B5EF4-FFF2-40B4-BE49-F238E27FC236}">
+                <a16:creationId xmlns:a16="http://schemas.microsoft.com/office/drawing/2014/main" id="{740218C1-6536-4558-B320-D5713F8D8E04}"/>
+              </a:ext>
+            </a:extLst>
+          </p:cNvPr>
+          <p:cNvSpPr/>
+          <p:nvPr/>
+        </p:nvSpPr>
+        <p:spPr>
+          <a:xfrm>
+            <a:off x="2763561" y="3591983"/>
+            <a:ext cx="4801314" cy="1200329"/>
+          </a:xfrm>
+          <a:prstGeom prst="rect">
+            <a:avLst/>
+          </a:prstGeom>
+        </p:spPr>
+        <p:txBody>
+          <a:bodyPr wrap="none">
+            <a:spAutoFit/>
+          </a:bodyPr>
+          <a:lstStyle/>
+          <a:p>
+            <a:r>
+              <a:rPr lang="en-US" altLang="zh-TW" dirty="0">
+                <a:solidFill>
+                  <a:schemeClr val="tx1">
+                    <a:lumMod val="85000"/>
+                    <a:lumOff val="15000"/>
+                  </a:schemeClr>
+                </a:solidFill>
+              </a:rPr>
+              <a:t>1.</a:t>
+            </a:r>
+            <a:r>
+              <a:rPr lang="zh-TW" altLang="en-US" dirty="0">
+                <a:solidFill>
+                  <a:schemeClr val="tx1">
+                    <a:lumMod val="85000"/>
+                    <a:lumOff val="15000"/>
+                  </a:schemeClr>
+                </a:solidFill>
+              </a:rPr>
+              <a:t>實現</a:t>
+            </a:r>
+            <a:r>
+              <a:rPr lang="en-US" altLang="zh-TW" dirty="0">
+                <a:solidFill>
+                  <a:schemeClr val="tx1">
+                    <a:lumMod val="85000"/>
+                    <a:lumOff val="15000"/>
+                  </a:schemeClr>
+                </a:solidFill>
+              </a:rPr>
+              <a:t>:RCNN</a:t>
+            </a:r>
+            <a:r>
+              <a:rPr lang="zh-TW" altLang="en-US" dirty="0">
+                <a:solidFill>
+                  <a:schemeClr val="tx1">
+                    <a:lumMod val="85000"/>
+                    <a:lumOff val="15000"/>
+                  </a:schemeClr>
+                </a:solidFill>
+              </a:rPr>
+              <a:t>演算法</a:t>
+            </a:r>
+            <a:endParaRPr lang="en-US" altLang="zh-TW" dirty="0">
+              <a:solidFill>
+                <a:schemeClr val="tx1">
+                  <a:lumMod val="85000"/>
+                  <a:lumOff val="15000"/>
+                </a:schemeClr>
+              </a:solidFill>
+            </a:endParaRPr>
+          </a:p>
+          <a:p>
+            <a:r>
+              <a:rPr lang="zh-TW" altLang="en-US" dirty="0">
+                <a:solidFill>
+                  <a:schemeClr val="tx1">
+                    <a:lumMod val="85000"/>
+                    <a:lumOff val="15000"/>
+                  </a:schemeClr>
+                </a:solidFill>
+              </a:rPr>
+              <a:t>範圍中可能包含非人的高溫物品，可能誤判。</a:t>
+            </a:r>
+            <a:br>
+              <a:rPr lang="en-US" altLang="zh-TW" dirty="0">
+                <a:solidFill>
+                  <a:schemeClr val="tx1">
+                    <a:lumMod val="85000"/>
+                    <a:lumOff val="15000"/>
+                  </a:schemeClr>
+                </a:solidFill>
+              </a:rPr>
+            </a:br>
+            <a:r>
+              <a:rPr lang="zh-TW" altLang="en-US" dirty="0">
+                <a:solidFill>
+                  <a:schemeClr val="tx1">
+                    <a:lumMod val="85000"/>
+                    <a:lumOff val="15000"/>
+                  </a:schemeClr>
+                </a:solidFill>
+              </a:rPr>
+              <a:t>可以嘗試其他辨識演算法</a:t>
+            </a:r>
+            <a:endParaRPr lang="en-US" altLang="zh-TW" dirty="0">
+              <a:solidFill>
+                <a:schemeClr val="tx1">
+                  <a:lumMod val="85000"/>
+                  <a:lumOff val="15000"/>
+                </a:schemeClr>
+              </a:solidFill>
+            </a:endParaRPr>
+          </a:p>
+          <a:p>
+            <a:endParaRPr lang="zh-TW" altLang="en-US" dirty="0">
+              <a:solidFill>
+                <a:schemeClr val="tx1">
+                  <a:lumMod val="85000"/>
+                  <a:lumOff val="15000"/>
+                </a:schemeClr>
+              </a:solidFill>
+            </a:endParaRPr>
+          </a:p>
+        </p:txBody>
+      </p:sp>
+      <p:sp>
+        <p:nvSpPr>
+          <p:cNvPr id="52" name="矩形 51">
+            <a:extLst>
+              <a:ext uri="{FF2B5EF4-FFF2-40B4-BE49-F238E27FC236}">
+                <a16:creationId xmlns:a16="http://schemas.microsoft.com/office/drawing/2014/main" id="{1898990F-8FEC-4E80-849B-C0CDF0A806B5}"/>
+              </a:ext>
+            </a:extLst>
+          </p:cNvPr>
+          <p:cNvSpPr/>
+          <p:nvPr/>
+        </p:nvSpPr>
+        <p:spPr>
+          <a:xfrm>
+            <a:off x="2756704" y="4677550"/>
+            <a:ext cx="4487126" cy="646331"/>
+          </a:xfrm>
+          <a:prstGeom prst="rect">
+            <a:avLst/>
+          </a:prstGeom>
+        </p:spPr>
+        <p:txBody>
+          <a:bodyPr wrap="none">
+            <a:spAutoFit/>
+          </a:bodyPr>
+          <a:lstStyle/>
+          <a:p>
+            <a:pPr algn="ctr"/>
+            <a:r>
+              <a:rPr lang="en-US" altLang="zh-TW" dirty="0">
+                <a:solidFill>
+                  <a:schemeClr val="tx1">
+                    <a:lumMod val="85000"/>
+                    <a:lumOff val="15000"/>
+                  </a:schemeClr>
+                </a:solidFill>
+              </a:rPr>
+              <a:t>1.</a:t>
+            </a:r>
+            <a:r>
+              <a:rPr lang="zh-TW" altLang="en-US" dirty="0">
+                <a:solidFill>
+                  <a:schemeClr val="tx1">
+                    <a:lumMod val="85000"/>
+                    <a:lumOff val="15000"/>
+                  </a:schemeClr>
+                </a:solidFill>
+              </a:rPr>
+              <a:t>實現</a:t>
+            </a:r>
+            <a:r>
+              <a:rPr lang="en-US" altLang="zh-TW" dirty="0">
+                <a:solidFill>
+                  <a:schemeClr val="tx1">
+                    <a:lumMod val="85000"/>
+                    <a:lumOff val="15000"/>
+                  </a:schemeClr>
+                </a:solidFill>
+              </a:rPr>
+              <a:t>:</a:t>
+            </a:r>
+            <a:r>
+              <a:rPr lang="zh-TW" altLang="en-US" dirty="0">
+                <a:solidFill>
+                  <a:schemeClr val="tx1">
+                    <a:lumMod val="85000"/>
+                    <a:lumOff val="15000"/>
+                  </a:schemeClr>
+                </a:solidFill>
+              </a:rPr>
+              <a:t>溫度與人疊合後判斷最大值</a:t>
+            </a:r>
+            <a:r>
+              <a:rPr lang="en-US" altLang="zh-TW" dirty="0">
+                <a:solidFill>
+                  <a:schemeClr val="tx1">
+                    <a:lumMod val="85000"/>
+                    <a:lumOff val="15000"/>
+                  </a:schemeClr>
+                </a:solidFill>
+              </a:rPr>
+              <a:t>(</a:t>
+            </a:r>
+            <a:r>
+              <a:rPr lang="zh-TW" altLang="en-US" dirty="0">
+                <a:solidFill>
+                  <a:schemeClr val="tx1">
+                    <a:lumMod val="85000"/>
+                    <a:lumOff val="15000"/>
+                  </a:schemeClr>
+                </a:solidFill>
+              </a:rPr>
+              <a:t>最高溫</a:t>
+            </a:r>
+            <a:r>
+              <a:rPr lang="en-US" altLang="zh-TW" dirty="0">
+                <a:solidFill>
+                  <a:schemeClr val="tx1">
+                    <a:lumMod val="85000"/>
+                    <a:lumOff val="15000"/>
+                  </a:schemeClr>
+                </a:solidFill>
+              </a:rPr>
+              <a:t>)</a:t>
+            </a:r>
+          </a:p>
+          <a:p>
+            <a:pPr algn="ctr"/>
+            <a:endParaRPr lang="zh-TW" altLang="en-US" dirty="0">
+              <a:solidFill>
+                <a:schemeClr val="tx1">
+                  <a:lumMod val="85000"/>
+                  <a:lumOff val="15000"/>
+                </a:schemeClr>
+              </a:solidFill>
+            </a:endParaRPr>
+          </a:p>
+        </p:txBody>
+      </p:sp>
+      <p:sp>
+        <p:nvSpPr>
+          <p:cNvPr id="53" name="矩形 52">
+            <a:extLst>
+              <a:ext uri="{FF2B5EF4-FFF2-40B4-BE49-F238E27FC236}">
+                <a16:creationId xmlns:a16="http://schemas.microsoft.com/office/drawing/2014/main" id="{F7279DBA-BAF4-46BE-B513-F7F01FD393DB}"/>
+              </a:ext>
+            </a:extLst>
+          </p:cNvPr>
+          <p:cNvSpPr/>
+          <p:nvPr/>
+        </p:nvSpPr>
+        <p:spPr>
+          <a:xfrm>
+            <a:off x="7746936" y="1479824"/>
+            <a:ext cx="3389067" cy="914400"/>
+          </a:xfrm>
+          <a:prstGeom prst="rect">
+            <a:avLst/>
+          </a:prstGeom>
+          <a:solidFill>
+            <a:schemeClr val="accent5">
+              <a:lumMod val="40000"/>
+              <a:lumOff val="60000"/>
+            </a:schemeClr>
+          </a:solidFill>
+          <a:ln>
+            <a:solidFill>
+              <a:schemeClr val="accent4">
+                <a:lumMod val="40000"/>
+                <a:lumOff val="60000"/>
+              </a:schemeClr>
+            </a:solidFill>
+          </a:ln>
+        </p:spPr>
+        <p:style>
+          <a:lnRef idx="2">
+            <a:schemeClr val="accent1">
+              <a:shade val="50000"/>
+            </a:schemeClr>
+          </a:lnRef>
+          <a:fillRef idx="1">
+            <a:schemeClr val="accent1"/>
+          </a:fillRef>
+          <a:effectRef idx="0">
+            <a:schemeClr val="accent1"/>
+          </a:effectRef>
+          <a:fontRef idx="minor">
+            <a:schemeClr val="lt1"/>
+          </a:fontRef>
+        </p:style>
+        <p:txBody>
+          <a:bodyPr rtlCol="0" anchor="ctr"/>
+          <a:lstStyle/>
+          <a:p>
+            <a:pPr algn="ctr"/>
+            <a:endParaRPr lang="zh-TW" altLang="en-US" dirty="0">
+              <a:solidFill>
+                <a:schemeClr val="tx1">
+                  <a:lumMod val="85000"/>
+                  <a:lumOff val="15000"/>
+                </a:schemeClr>
+              </a:solidFill>
+            </a:endParaRPr>
+          </a:p>
+        </p:txBody>
+      </p:sp>
+      <p:sp>
+        <p:nvSpPr>
+          <p:cNvPr id="54" name="矩形 53">
+            <a:extLst>
+              <a:ext uri="{FF2B5EF4-FFF2-40B4-BE49-F238E27FC236}">
+                <a16:creationId xmlns:a16="http://schemas.microsoft.com/office/drawing/2014/main" id="{46C7A5A5-425C-46FD-9A5A-232854148D19}"/>
+              </a:ext>
+            </a:extLst>
+          </p:cNvPr>
+          <p:cNvSpPr/>
+          <p:nvPr/>
+        </p:nvSpPr>
+        <p:spPr>
+          <a:xfrm>
+            <a:off x="7748651" y="1492125"/>
+            <a:ext cx="1431802" cy="923330"/>
+          </a:xfrm>
+          <a:prstGeom prst="rect">
+            <a:avLst/>
+          </a:prstGeom>
+        </p:spPr>
+        <p:txBody>
+          <a:bodyPr wrap="none">
+            <a:spAutoFit/>
+          </a:bodyPr>
+          <a:lstStyle/>
+          <a:p>
+            <a:r>
+              <a:rPr lang="zh-TW" altLang="en-US" dirty="0">
+                <a:solidFill>
+                  <a:schemeClr val="tx1">
+                    <a:lumMod val="85000"/>
+                    <a:lumOff val="15000"/>
+                  </a:schemeClr>
+                </a:solidFill>
+              </a:rPr>
+              <a:t>輸入</a:t>
+            </a:r>
+            <a:r>
+              <a:rPr lang="en-US" altLang="zh-TW" dirty="0">
+                <a:solidFill>
+                  <a:schemeClr val="tx1">
+                    <a:lumMod val="85000"/>
+                    <a:lumOff val="15000"/>
+                  </a:schemeClr>
+                </a:solidFill>
+              </a:rPr>
+              <a:t>:</a:t>
+            </a:r>
+            <a:r>
+              <a:rPr lang="zh-TW" altLang="en-US" dirty="0">
+                <a:solidFill>
+                  <a:schemeClr val="tx1">
+                    <a:lumMod val="85000"/>
+                    <a:lumOff val="15000"/>
+                  </a:schemeClr>
+                </a:solidFill>
+              </a:rPr>
+              <a:t>溫度</a:t>
+            </a:r>
+            <a:r>
+              <a:rPr lang="en-US" altLang="zh-TW" dirty="0">
+                <a:solidFill>
+                  <a:schemeClr val="tx1">
+                    <a:lumMod val="85000"/>
+                    <a:lumOff val="15000"/>
+                  </a:schemeClr>
+                </a:solidFill>
+              </a:rPr>
+              <a:t>(K)</a:t>
+            </a:r>
+          </a:p>
+          <a:p>
+            <a:r>
+              <a:rPr lang="zh-TW" altLang="en-US" dirty="0">
+                <a:solidFill>
+                  <a:schemeClr val="tx1">
+                    <a:lumMod val="85000"/>
+                    <a:lumOff val="15000"/>
+                  </a:schemeClr>
+                </a:solidFill>
+              </a:rPr>
+              <a:t>輸出</a:t>
+            </a:r>
+            <a:r>
+              <a:rPr lang="en-US" altLang="zh-TW" dirty="0">
+                <a:solidFill>
+                  <a:schemeClr val="tx1">
+                    <a:lumMod val="85000"/>
+                    <a:lumOff val="15000"/>
+                  </a:schemeClr>
+                </a:solidFill>
+              </a:rPr>
+              <a:t>:</a:t>
+            </a:r>
+            <a:r>
+              <a:rPr lang="zh-TW" altLang="en-US" dirty="0">
+                <a:solidFill>
+                  <a:schemeClr val="tx1">
+                    <a:lumMod val="85000"/>
+                    <a:lumOff val="15000"/>
+                  </a:schemeClr>
+                </a:solidFill>
+              </a:rPr>
+              <a:t>溫度</a:t>
+            </a:r>
+            <a:r>
+              <a:rPr lang="en-US" altLang="zh-TW" dirty="0">
+                <a:solidFill>
+                  <a:schemeClr val="tx1">
+                    <a:lumMod val="85000"/>
+                    <a:lumOff val="15000"/>
+                  </a:schemeClr>
+                </a:solidFill>
+              </a:rPr>
+              <a:t>(C)</a:t>
+            </a:r>
+          </a:p>
+          <a:p>
+            <a:endParaRPr lang="zh-TW" altLang="en-US" dirty="0">
+              <a:solidFill>
+                <a:schemeClr val="tx1">
+                  <a:lumMod val="85000"/>
+                  <a:lumOff val="15000"/>
+                </a:schemeClr>
+              </a:solidFill>
+            </a:endParaRPr>
+          </a:p>
+        </p:txBody>
+      </p:sp>
+      <p:sp>
+        <p:nvSpPr>
+          <p:cNvPr id="55" name="矩形 54">
+            <a:extLst>
+              <a:ext uri="{FF2B5EF4-FFF2-40B4-BE49-F238E27FC236}">
+                <a16:creationId xmlns:a16="http://schemas.microsoft.com/office/drawing/2014/main" id="{A3CD8CCB-9565-49C3-B3AB-BDF91D254DE7}"/>
+              </a:ext>
+            </a:extLst>
+          </p:cNvPr>
+          <p:cNvSpPr/>
+          <p:nvPr/>
+        </p:nvSpPr>
+        <p:spPr>
+          <a:xfrm>
+            <a:off x="7748652" y="2514600"/>
+            <a:ext cx="3389068" cy="914400"/>
+          </a:xfrm>
+          <a:prstGeom prst="rect">
+            <a:avLst/>
+          </a:prstGeom>
+          <a:solidFill>
+            <a:schemeClr val="accent5">
+              <a:lumMod val="40000"/>
+              <a:lumOff val="60000"/>
+            </a:schemeClr>
+          </a:solidFill>
+          <a:ln>
+            <a:solidFill>
+              <a:schemeClr val="accent4">
+                <a:lumMod val="40000"/>
+                <a:lumOff val="60000"/>
+              </a:schemeClr>
+            </a:solidFill>
+          </a:ln>
+        </p:spPr>
+        <p:style>
+          <a:lnRef idx="2">
+            <a:schemeClr val="accent1">
+              <a:shade val="50000"/>
+            </a:schemeClr>
+          </a:lnRef>
+          <a:fillRef idx="1">
+            <a:schemeClr val="accent1"/>
+          </a:fillRef>
+          <a:effectRef idx="0">
+            <a:schemeClr val="accent1"/>
+          </a:effectRef>
+          <a:fontRef idx="minor">
+            <a:schemeClr val="lt1"/>
+          </a:fontRef>
+        </p:style>
+        <p:txBody>
+          <a:bodyPr rtlCol="0" anchor="ctr"/>
+          <a:lstStyle/>
+          <a:p>
+            <a:pPr algn="ctr"/>
+            <a:endParaRPr lang="zh-TW" altLang="en-US" dirty="0">
+              <a:solidFill>
+                <a:schemeClr val="tx1">
+                  <a:lumMod val="85000"/>
+                  <a:lumOff val="15000"/>
+                </a:schemeClr>
+              </a:solidFill>
+            </a:endParaRPr>
+          </a:p>
+        </p:txBody>
+      </p:sp>
+      <p:sp>
+        <p:nvSpPr>
+          <p:cNvPr id="56" name="矩形 55">
+            <a:extLst>
+              <a:ext uri="{FF2B5EF4-FFF2-40B4-BE49-F238E27FC236}">
+                <a16:creationId xmlns:a16="http://schemas.microsoft.com/office/drawing/2014/main" id="{8D10D60C-0A92-4111-BD4B-356957B84B23}"/>
+              </a:ext>
+            </a:extLst>
+          </p:cNvPr>
+          <p:cNvSpPr/>
+          <p:nvPr/>
+        </p:nvSpPr>
+        <p:spPr>
+          <a:xfrm>
+            <a:off x="7750366" y="2526901"/>
+            <a:ext cx="3389069" cy="1200329"/>
+          </a:xfrm>
+          <a:prstGeom prst="rect">
+            <a:avLst/>
+          </a:prstGeom>
+        </p:spPr>
+        <p:txBody>
+          <a:bodyPr wrap="none">
+            <a:spAutoFit/>
+          </a:bodyPr>
+          <a:lstStyle/>
+          <a:p>
+            <a:r>
+              <a:rPr lang="zh-TW" altLang="en-US" dirty="0">
+                <a:solidFill>
+                  <a:schemeClr val="tx1">
+                    <a:lumMod val="85000"/>
+                    <a:lumOff val="15000"/>
+                  </a:schemeClr>
+                </a:solidFill>
+              </a:rPr>
+              <a:t>輸入</a:t>
+            </a:r>
+            <a:r>
+              <a:rPr lang="en-US" altLang="zh-TW" dirty="0">
+                <a:solidFill>
+                  <a:schemeClr val="tx1">
+                    <a:lumMod val="85000"/>
+                    <a:lumOff val="15000"/>
+                  </a:schemeClr>
+                </a:solidFill>
+              </a:rPr>
+              <a:t>:</a:t>
+            </a:r>
+            <a:r>
+              <a:rPr lang="zh-TW" altLang="en-US" dirty="0">
+                <a:solidFill>
+                  <a:schemeClr val="tx1">
+                    <a:lumMod val="85000"/>
+                    <a:lumOff val="15000"/>
+                  </a:schemeClr>
+                </a:solidFill>
+              </a:rPr>
+              <a:t>影像</a:t>
+            </a:r>
+            <a:r>
+              <a:rPr lang="en-US" altLang="zh-TW" dirty="0">
+                <a:solidFill>
+                  <a:schemeClr val="tx1">
+                    <a:lumMod val="85000"/>
+                    <a:lumOff val="15000"/>
+                  </a:schemeClr>
+                </a:solidFill>
+              </a:rPr>
+              <a:t>(</a:t>
+            </a:r>
+            <a:r>
+              <a:rPr lang="zh-TW" altLang="en-US" dirty="0">
+                <a:solidFill>
+                  <a:schemeClr val="tx1">
+                    <a:lumMod val="85000"/>
+                    <a:lumOff val="15000"/>
+                  </a:schemeClr>
+                </a:solidFill>
+              </a:rPr>
+              <a:t>上面的像素代表溫度</a:t>
+            </a:r>
+            <a:r>
+              <a:rPr lang="en-US" altLang="zh-TW" dirty="0">
+                <a:solidFill>
+                  <a:schemeClr val="tx1">
+                    <a:lumMod val="85000"/>
+                    <a:lumOff val="15000"/>
+                  </a:schemeClr>
+                </a:solidFill>
+              </a:rPr>
+              <a:t>)</a:t>
+            </a:r>
+          </a:p>
+          <a:p>
+            <a:r>
+              <a:rPr lang="zh-TW" altLang="en-US" dirty="0">
+                <a:solidFill>
+                  <a:schemeClr val="tx1">
+                    <a:lumMod val="85000"/>
+                    <a:lumOff val="15000"/>
+                  </a:schemeClr>
+                </a:solidFill>
+              </a:rPr>
+              <a:t>輸出</a:t>
+            </a:r>
+            <a:r>
+              <a:rPr lang="en-US" altLang="zh-TW" dirty="0">
+                <a:solidFill>
+                  <a:schemeClr val="tx1">
+                    <a:lumMod val="85000"/>
+                    <a:lumOff val="15000"/>
+                  </a:schemeClr>
+                </a:solidFill>
+              </a:rPr>
+              <a:t>:</a:t>
+            </a:r>
+            <a:r>
+              <a:rPr lang="zh-TW" altLang="en-US" dirty="0">
+                <a:solidFill>
+                  <a:schemeClr val="tx1">
+                    <a:lumMod val="85000"/>
+                    <a:lumOff val="15000"/>
+                  </a:schemeClr>
+                </a:solidFill>
+              </a:rPr>
+              <a:t>影像</a:t>
+            </a:r>
+            <a:r>
+              <a:rPr lang="en-US" altLang="zh-TW" dirty="0">
+                <a:solidFill>
+                  <a:schemeClr val="tx1">
+                    <a:lumMod val="85000"/>
+                    <a:lumOff val="15000"/>
+                  </a:schemeClr>
+                </a:solidFill>
+              </a:rPr>
+              <a:t>(</a:t>
+            </a:r>
+            <a:r>
+              <a:rPr lang="zh-TW" altLang="en-US" dirty="0">
+                <a:solidFill>
+                  <a:schemeClr val="tx1">
+                    <a:lumMod val="85000"/>
+                    <a:lumOff val="15000"/>
+                  </a:schemeClr>
+                </a:solidFill>
+              </a:rPr>
+              <a:t>上面的像素代表溫度</a:t>
+            </a:r>
+            <a:r>
+              <a:rPr lang="en-US" altLang="zh-TW" dirty="0">
+                <a:solidFill>
+                  <a:schemeClr val="tx1">
+                    <a:lumMod val="85000"/>
+                    <a:lumOff val="15000"/>
+                  </a:schemeClr>
+                </a:solidFill>
+              </a:rPr>
+              <a:t>)</a:t>
+            </a:r>
+          </a:p>
+          <a:p>
+            <a:endParaRPr lang="en-US" altLang="zh-TW" dirty="0">
+              <a:solidFill>
+                <a:schemeClr val="tx1">
+                  <a:lumMod val="85000"/>
+                  <a:lumOff val="15000"/>
+                </a:schemeClr>
+              </a:solidFill>
+            </a:endParaRPr>
+          </a:p>
+          <a:p>
+            <a:endParaRPr lang="zh-TW" altLang="en-US" dirty="0">
+              <a:solidFill>
+                <a:schemeClr val="tx1">
+                  <a:lumMod val="85000"/>
+                  <a:lumOff val="15000"/>
+                </a:schemeClr>
+              </a:solidFill>
+            </a:endParaRPr>
+          </a:p>
+        </p:txBody>
+      </p:sp>
+      <p:sp>
+        <p:nvSpPr>
+          <p:cNvPr id="57" name="矩形 56">
+            <a:extLst>
+              <a:ext uri="{FF2B5EF4-FFF2-40B4-BE49-F238E27FC236}">
+                <a16:creationId xmlns:a16="http://schemas.microsoft.com/office/drawing/2014/main" id="{8AB926CF-6612-4F75-A134-92441D45FD97}"/>
+              </a:ext>
+            </a:extLst>
+          </p:cNvPr>
+          <p:cNvSpPr/>
+          <p:nvPr/>
+        </p:nvSpPr>
+        <p:spPr>
+          <a:xfrm>
+            <a:off x="7746937" y="3589842"/>
+            <a:ext cx="3389066" cy="914400"/>
+          </a:xfrm>
+          <a:prstGeom prst="rect">
+            <a:avLst/>
+          </a:prstGeom>
+          <a:solidFill>
+            <a:schemeClr val="accent5">
+              <a:lumMod val="40000"/>
+              <a:lumOff val="60000"/>
+            </a:schemeClr>
+          </a:solidFill>
+          <a:ln>
+            <a:solidFill>
+              <a:schemeClr val="accent4">
+                <a:lumMod val="40000"/>
+                <a:lumOff val="60000"/>
+              </a:schemeClr>
+            </a:solidFill>
+          </a:ln>
+        </p:spPr>
+        <p:style>
+          <a:lnRef idx="2">
+            <a:schemeClr val="accent1">
+              <a:shade val="50000"/>
+            </a:schemeClr>
+          </a:lnRef>
+          <a:fillRef idx="1">
+            <a:schemeClr val="accent1"/>
+          </a:fillRef>
+          <a:effectRef idx="0">
+            <a:schemeClr val="accent1"/>
+          </a:effectRef>
+          <a:fontRef idx="minor">
+            <a:schemeClr val="lt1"/>
+          </a:fontRef>
+        </p:style>
+        <p:txBody>
+          <a:bodyPr rtlCol="0" anchor="ctr"/>
+          <a:lstStyle/>
+          <a:p>
+            <a:pPr algn="ctr"/>
+            <a:endParaRPr lang="zh-TW" altLang="en-US" dirty="0">
+              <a:solidFill>
+                <a:schemeClr val="tx1">
+                  <a:lumMod val="85000"/>
+                  <a:lumOff val="15000"/>
+                </a:schemeClr>
+              </a:solidFill>
+            </a:endParaRPr>
+          </a:p>
+        </p:txBody>
+      </p:sp>
+      <p:sp>
+        <p:nvSpPr>
+          <p:cNvPr id="58" name="矩形 57">
+            <a:extLst>
+              <a:ext uri="{FF2B5EF4-FFF2-40B4-BE49-F238E27FC236}">
+                <a16:creationId xmlns:a16="http://schemas.microsoft.com/office/drawing/2014/main" id="{5375C145-1781-4FB7-81D8-43D19D73571A}"/>
+              </a:ext>
+            </a:extLst>
+          </p:cNvPr>
+          <p:cNvSpPr/>
+          <p:nvPr/>
+        </p:nvSpPr>
+        <p:spPr>
+          <a:xfrm>
+            <a:off x="7748651" y="3602143"/>
+            <a:ext cx="1721946" cy="923330"/>
+          </a:xfrm>
+          <a:prstGeom prst="rect">
+            <a:avLst/>
+          </a:prstGeom>
+        </p:spPr>
+        <p:txBody>
+          <a:bodyPr wrap="none">
+            <a:spAutoFit/>
+          </a:bodyPr>
+          <a:lstStyle/>
+          <a:p>
+            <a:r>
+              <a:rPr lang="zh-TW" altLang="en-US" dirty="0">
+                <a:solidFill>
+                  <a:schemeClr val="tx1">
+                    <a:lumMod val="85000"/>
+                    <a:lumOff val="15000"/>
+                  </a:schemeClr>
+                </a:solidFill>
+              </a:rPr>
+              <a:t>輸入</a:t>
+            </a:r>
+            <a:r>
+              <a:rPr lang="en-US" altLang="zh-TW" dirty="0">
+                <a:solidFill>
+                  <a:schemeClr val="tx1">
+                    <a:lumMod val="85000"/>
+                    <a:lumOff val="15000"/>
+                  </a:schemeClr>
+                </a:solidFill>
+              </a:rPr>
+              <a:t>:</a:t>
+            </a:r>
+            <a:r>
+              <a:rPr lang="zh-TW" altLang="en-US" dirty="0">
+                <a:solidFill>
+                  <a:schemeClr val="tx1">
+                    <a:lumMod val="85000"/>
+                    <a:lumOff val="15000"/>
+                  </a:schemeClr>
+                </a:solidFill>
+              </a:rPr>
+              <a:t>影像</a:t>
+            </a:r>
+            <a:endParaRPr lang="en-US" altLang="zh-TW" dirty="0">
+              <a:solidFill>
+                <a:schemeClr val="tx1">
+                  <a:lumMod val="85000"/>
+                  <a:lumOff val="15000"/>
+                </a:schemeClr>
+              </a:solidFill>
+            </a:endParaRPr>
+          </a:p>
+          <a:p>
+            <a:r>
+              <a:rPr lang="zh-TW" altLang="en-US" dirty="0">
+                <a:solidFill>
+                  <a:schemeClr val="tx1">
+                    <a:lumMod val="85000"/>
+                    <a:lumOff val="15000"/>
+                  </a:schemeClr>
+                </a:solidFill>
+              </a:rPr>
+              <a:t>輸出</a:t>
+            </a:r>
+            <a:r>
+              <a:rPr lang="en-US" altLang="zh-TW" dirty="0">
+                <a:solidFill>
+                  <a:schemeClr val="tx1">
+                    <a:lumMod val="85000"/>
+                    <a:lumOff val="15000"/>
+                  </a:schemeClr>
+                </a:solidFill>
+              </a:rPr>
+              <a:t>:</a:t>
+            </a:r>
+            <a:r>
+              <a:rPr lang="zh-TW" altLang="en-US" dirty="0">
+                <a:solidFill>
+                  <a:schemeClr val="tx1">
+                    <a:lumMod val="85000"/>
+                    <a:lumOff val="15000"/>
+                  </a:schemeClr>
+                </a:solidFill>
+              </a:rPr>
+              <a:t>座標</a:t>
+            </a:r>
+            <a:r>
+              <a:rPr lang="en-US" altLang="zh-TW" dirty="0">
+                <a:solidFill>
+                  <a:schemeClr val="tx1">
+                    <a:lumMod val="85000"/>
+                    <a:lumOff val="15000"/>
+                  </a:schemeClr>
+                </a:solidFill>
+              </a:rPr>
+              <a:t>/</a:t>
+            </a:r>
+            <a:r>
+              <a:rPr lang="zh-TW" altLang="en-US" dirty="0">
+                <a:solidFill>
+                  <a:schemeClr val="tx1">
+                    <a:lumMod val="85000"/>
+                    <a:lumOff val="15000"/>
+                  </a:schemeClr>
+                </a:solidFill>
+              </a:rPr>
+              <a:t>範圍</a:t>
+            </a:r>
+            <a:endParaRPr lang="en-US" altLang="zh-TW" dirty="0">
+              <a:solidFill>
+                <a:schemeClr val="tx1">
+                  <a:lumMod val="85000"/>
+                  <a:lumOff val="15000"/>
+                </a:schemeClr>
+              </a:solidFill>
+            </a:endParaRPr>
+          </a:p>
+          <a:p>
+            <a:endParaRPr lang="zh-TW" altLang="en-US" dirty="0">
+              <a:solidFill>
+                <a:schemeClr val="tx1">
+                  <a:lumMod val="85000"/>
+                  <a:lumOff val="15000"/>
+                </a:schemeClr>
+              </a:solidFill>
+            </a:endParaRPr>
+          </a:p>
+        </p:txBody>
+      </p:sp>
+      <p:sp>
+        <p:nvSpPr>
+          <p:cNvPr id="59" name="矩形 58">
+            <a:extLst>
+              <a:ext uri="{FF2B5EF4-FFF2-40B4-BE49-F238E27FC236}">
+                <a16:creationId xmlns:a16="http://schemas.microsoft.com/office/drawing/2014/main" id="{776F248C-F8A6-4A42-8347-50D6F14DD38A}"/>
+              </a:ext>
+            </a:extLst>
+          </p:cNvPr>
+          <p:cNvSpPr/>
+          <p:nvPr/>
+        </p:nvSpPr>
+        <p:spPr>
+          <a:xfrm>
+            <a:off x="7748652" y="4695713"/>
+            <a:ext cx="3385636" cy="914400"/>
+          </a:xfrm>
+          <a:prstGeom prst="rect">
+            <a:avLst/>
+          </a:prstGeom>
+          <a:solidFill>
+            <a:schemeClr val="accent5">
+              <a:lumMod val="40000"/>
+              <a:lumOff val="60000"/>
+            </a:schemeClr>
+          </a:solidFill>
+          <a:ln>
+            <a:solidFill>
+              <a:schemeClr val="accent4">
+                <a:lumMod val="40000"/>
+                <a:lumOff val="60000"/>
+              </a:schemeClr>
+            </a:solidFill>
+          </a:ln>
+        </p:spPr>
+        <p:style>
+          <a:lnRef idx="2">
+            <a:schemeClr val="accent1">
+              <a:shade val="50000"/>
+            </a:schemeClr>
+          </a:lnRef>
+          <a:fillRef idx="1">
+            <a:schemeClr val="accent1"/>
+          </a:fillRef>
+          <a:effectRef idx="0">
+            <a:schemeClr val="accent1"/>
+          </a:effectRef>
+          <a:fontRef idx="minor">
+            <a:schemeClr val="lt1"/>
+          </a:fontRef>
+        </p:style>
+        <p:txBody>
+          <a:bodyPr rtlCol="0" anchor="ctr"/>
+          <a:lstStyle/>
+          <a:p>
+            <a:pPr algn="ctr"/>
+            <a:endParaRPr lang="zh-TW" altLang="en-US" dirty="0">
+              <a:solidFill>
+                <a:schemeClr val="tx1">
+                  <a:lumMod val="85000"/>
+                  <a:lumOff val="15000"/>
+                </a:schemeClr>
+              </a:solidFill>
+            </a:endParaRPr>
+          </a:p>
+        </p:txBody>
+      </p:sp>
+      <p:sp>
+        <p:nvSpPr>
+          <p:cNvPr id="60" name="矩形 59">
+            <a:extLst>
+              <a:ext uri="{FF2B5EF4-FFF2-40B4-BE49-F238E27FC236}">
+                <a16:creationId xmlns:a16="http://schemas.microsoft.com/office/drawing/2014/main" id="{5DBF9F10-8D50-4CD4-829F-DB639C75B4AB}"/>
+              </a:ext>
+            </a:extLst>
+          </p:cNvPr>
+          <p:cNvSpPr/>
+          <p:nvPr/>
+        </p:nvSpPr>
+        <p:spPr>
+          <a:xfrm>
+            <a:off x="7750366" y="4708014"/>
+            <a:ext cx="3385637" cy="923330"/>
+          </a:xfrm>
+          <a:prstGeom prst="rect">
+            <a:avLst/>
+          </a:prstGeom>
+        </p:spPr>
+        <p:txBody>
+          <a:bodyPr wrap="square">
+            <a:spAutoFit/>
+          </a:bodyPr>
+          <a:lstStyle/>
+          <a:p>
+            <a:r>
+              <a:rPr lang="zh-TW" altLang="en-US" dirty="0">
+                <a:solidFill>
+                  <a:schemeClr val="tx1">
+                    <a:lumMod val="85000"/>
+                    <a:lumOff val="15000"/>
+                  </a:schemeClr>
+                </a:solidFill>
+              </a:rPr>
+              <a:t>輸入</a:t>
+            </a:r>
+            <a:r>
+              <a:rPr lang="en-US" altLang="zh-TW" dirty="0">
+                <a:solidFill>
+                  <a:schemeClr val="tx1">
+                    <a:lumMod val="85000"/>
+                    <a:lumOff val="15000"/>
+                  </a:schemeClr>
+                </a:solidFill>
+              </a:rPr>
+              <a:t>:</a:t>
+            </a:r>
+            <a:r>
+              <a:rPr lang="zh-TW" altLang="en-US" dirty="0">
+                <a:solidFill>
+                  <a:schemeClr val="tx1">
+                    <a:lumMod val="85000"/>
+                    <a:lumOff val="15000"/>
+                  </a:schemeClr>
+                </a:solidFill>
+              </a:rPr>
+              <a:t>影像</a:t>
+            </a:r>
+            <a:r>
+              <a:rPr lang="en-US" altLang="zh-TW" dirty="0">
+                <a:solidFill>
+                  <a:schemeClr val="tx1">
+                    <a:lumMod val="85000"/>
+                    <a:lumOff val="15000"/>
+                  </a:schemeClr>
+                </a:solidFill>
+              </a:rPr>
+              <a:t>(</a:t>
+            </a:r>
+            <a:r>
+              <a:rPr lang="zh-TW" altLang="en-US" dirty="0">
+                <a:solidFill>
+                  <a:schemeClr val="tx1">
+                    <a:lumMod val="85000"/>
+                    <a:lumOff val="15000"/>
+                  </a:schemeClr>
+                </a:solidFill>
+              </a:rPr>
+              <a:t>熱感</a:t>
+            </a:r>
+            <a:r>
+              <a:rPr lang="en-US" altLang="zh-TW" dirty="0">
+                <a:solidFill>
+                  <a:schemeClr val="tx1">
+                    <a:lumMod val="85000"/>
+                    <a:lumOff val="15000"/>
+                  </a:schemeClr>
+                </a:solidFill>
+              </a:rPr>
+              <a:t>/</a:t>
+            </a:r>
+            <a:r>
+              <a:rPr lang="zh-TW" altLang="en-US" dirty="0">
+                <a:solidFill>
+                  <a:schemeClr val="tx1">
+                    <a:lumMod val="85000"/>
+                    <a:lumOff val="15000"/>
+                  </a:schemeClr>
+                </a:solidFill>
+              </a:rPr>
+              <a:t>一般</a:t>
+            </a:r>
+            <a:r>
+              <a:rPr lang="en-US" altLang="zh-TW" dirty="0">
+                <a:solidFill>
+                  <a:schemeClr val="tx1">
+                    <a:lumMod val="85000"/>
+                    <a:lumOff val="15000"/>
+                  </a:schemeClr>
+                </a:solidFill>
+              </a:rPr>
+              <a:t>)</a:t>
+            </a:r>
+          </a:p>
+          <a:p>
+            <a:r>
+              <a:rPr lang="zh-TW" altLang="en-US" dirty="0">
+                <a:solidFill>
+                  <a:schemeClr val="tx1">
+                    <a:lumMod val="85000"/>
+                    <a:lumOff val="15000"/>
+                  </a:schemeClr>
+                </a:solidFill>
+              </a:rPr>
+              <a:t>輸出</a:t>
+            </a:r>
+            <a:r>
+              <a:rPr lang="en-US" altLang="zh-TW" dirty="0">
+                <a:solidFill>
+                  <a:schemeClr val="tx1">
+                    <a:lumMod val="85000"/>
+                    <a:lumOff val="15000"/>
+                  </a:schemeClr>
+                </a:solidFill>
+              </a:rPr>
+              <a:t>:Tag</a:t>
+            </a:r>
+            <a:r>
+              <a:rPr lang="zh-TW" altLang="en-US" dirty="0">
+                <a:solidFill>
+                  <a:schemeClr val="tx1">
+                    <a:lumMod val="85000"/>
+                    <a:lumOff val="15000"/>
+                  </a:schemeClr>
+                </a:solidFill>
+              </a:rPr>
+              <a:t>人物</a:t>
+            </a:r>
+            <a:r>
+              <a:rPr lang="en-US" altLang="zh-TW" dirty="0">
+                <a:solidFill>
+                  <a:schemeClr val="tx1">
+                    <a:lumMod val="85000"/>
+                    <a:lumOff val="15000"/>
+                  </a:schemeClr>
+                </a:solidFill>
+              </a:rPr>
+              <a:t>(</a:t>
+            </a:r>
+            <a:r>
+              <a:rPr lang="zh-TW" altLang="en-US" dirty="0">
+                <a:solidFill>
+                  <a:schemeClr val="tx1">
+                    <a:lumMod val="85000"/>
+                    <a:lumOff val="15000"/>
+                  </a:schemeClr>
+                </a:solidFill>
+              </a:rPr>
+              <a:t>是否觸發</a:t>
+            </a:r>
+            <a:r>
+              <a:rPr lang="en-US" altLang="zh-TW" dirty="0">
+                <a:solidFill>
+                  <a:schemeClr val="tx1">
+                    <a:lumMod val="85000"/>
+                    <a:lumOff val="15000"/>
+                  </a:schemeClr>
+                </a:solidFill>
+              </a:rPr>
+              <a:t>)</a:t>
+            </a:r>
+          </a:p>
+          <a:p>
+            <a:endParaRPr lang="zh-TW" altLang="en-US" dirty="0">
+              <a:solidFill>
+                <a:schemeClr val="tx1">
+                  <a:lumMod val="85000"/>
+                  <a:lumOff val="15000"/>
+                </a:schemeClr>
+              </a:solidFill>
+            </a:endParaRPr>
+          </a:p>
+        </p:txBody>
+      </p:sp>
+    </p:spTree>
+    <p:extLst>
+      <p:ext uri="{BB962C8B-B14F-4D97-AF65-F5344CB8AC3E}">
+        <p14:creationId xmlns:p14="http://schemas.microsoft.com/office/powerpoint/2010/main" val="1618636303"/>
+      </p:ext>
+    </p:extLst>
+  </p:cSld>
+  <p:clrMapOvr>
+    <a:masterClrMapping/>
+  </p:clrMapOvr>
+</p:sld>
+</file>
+
+<file path=ppt/slides/slide6.xml><?xml version="1.0" encoding="utf-8"?>
 <p:sld xmlns:a="http://schemas.openxmlformats.org/drawingml/2006/main" xmlns:r="http://schemas.openxmlformats.org/officeDocument/2006/relationships" xmlns:p="http://schemas.openxmlformats.org/presentationml/2006/main">
   <p:cSld>
     <p:spTree>
@@ -7063,7 +9207,7 @@
         <p:spPr>
           <a:xfrm>
             <a:off x="7856102" y="2452597"/>
-            <a:ext cx="1422404" cy="369332"/>
+            <a:ext cx="1422404" cy="646331"/>
           </a:xfrm>
           <a:prstGeom prst="rect">
             <a:avLst/>
@@ -7078,8 +9222,24 @@
           <a:p>
             <a:r>
               <a:rPr lang="zh-TW" altLang="en-US" dirty="0"/>
+              <a:t>影像</a:t>
+            </a:r>
+            <a:br>
+              <a:rPr lang="en-US" altLang="zh-TW" dirty="0"/>
+            </a:br>
+            <a:r>
+              <a:rPr lang="en-US" altLang="zh-TW" dirty="0"/>
+              <a:t>(</a:t>
+            </a:r>
+            <a:r>
+              <a:rPr lang="zh-TW" altLang="en-US" dirty="0"/>
               <a:t>溫度</a:t>
             </a:r>
+            <a:r>
+              <a:rPr lang="en-US" altLang="zh-TW" dirty="0"/>
+              <a:t>)</a:t>
+            </a:r>
+            <a:endParaRPr lang="zh-TW" altLang="en-US" dirty="0"/>
           </a:p>
         </p:txBody>
       </p:sp>
@@ -7096,7 +9256,7 @@
 </p:sld>
 </file>
 
-<file path=ppt/slides/slide6.xml><?xml version="1.0" encoding="utf-8"?>
+<file path=ppt/slides/slide7.xml><?xml version="1.0" encoding="utf-8"?>
 <p:sld xmlns:a="http://schemas.openxmlformats.org/drawingml/2006/main" xmlns:r="http://schemas.openxmlformats.org/officeDocument/2006/relationships" xmlns:p="http://schemas.openxmlformats.org/presentationml/2006/main">
   <p:cSld>
     <p:spTree>

--- a/000.作業紀錄/人體溫度判斷.pptx
+++ b/000.作業紀錄/人體溫度判斷.pptx
@@ -4312,12 +4312,12 @@
           <a:lstStyle/>
           <a:p>
             <a:r>
-              <a:rPr lang="zh-TW" altLang="en-US">
+              <a:rPr lang="zh-TW" altLang="en-US" dirty="0">
                 <a:solidFill>
                   <a:srgbClr val="FFFFFF"/>
                 </a:solidFill>
               </a:rPr>
-              <a:t>分析</a:t>
+              <a:t>需求</a:t>
             </a:r>
           </a:p>
         </p:txBody>

--- a/000.作業紀錄/人體溫度判斷.pptx
+++ b/000.作業紀錄/人體溫度判斷.pptx
@@ -4,6 +4,9 @@
   <p:sldMasterIdLst>
     <p:sldMasterId id="2147483648" r:id="rId1"/>
   </p:sldMasterIdLst>
+  <p:notesMasterIdLst>
+    <p:notesMasterId r:id="rId12"/>
+  </p:notesMasterIdLst>
   <p:sldIdLst>
     <p:sldId id="256" r:id="rId2"/>
     <p:sldId id="257" r:id="rId3"/>
@@ -11,7 +14,10 @@
     <p:sldId id="260" r:id="rId5"/>
     <p:sldId id="262" r:id="rId6"/>
     <p:sldId id="258" r:id="rId7"/>
-    <p:sldId id="261" r:id="rId8"/>
+    <p:sldId id="263" r:id="rId8"/>
+    <p:sldId id="264" r:id="rId9"/>
+    <p:sldId id="265" r:id="rId10"/>
+    <p:sldId id="261" r:id="rId11"/>
   </p:sldIdLst>
   <p:sldSz cx="12192000" cy="6858000"/>
   <p:notesSz cx="6858000" cy="9144000"/>
@@ -118,6 +124,607 @@
 </p:presentation>
 </file>
 
+<file path=ppt/notesMasters/notesMaster1.xml><?xml version="1.0" encoding="utf-8"?>
+<p:notesMaster xmlns:a="http://schemas.openxmlformats.org/drawingml/2006/main" xmlns:r="http://schemas.openxmlformats.org/officeDocument/2006/relationships" xmlns:p="http://schemas.openxmlformats.org/presentationml/2006/main">
+  <p:cSld>
+    <p:bg>
+      <p:bgRef idx="1001">
+        <a:schemeClr val="bg1"/>
+      </p:bgRef>
+    </p:bg>
+    <p:spTree>
+      <p:nvGrpSpPr>
+        <p:cNvPr id="1" name=""/>
+        <p:cNvGrpSpPr/>
+        <p:nvPr/>
+      </p:nvGrpSpPr>
+      <p:grpSpPr>
+        <a:xfrm>
+          <a:off x="0" y="0"/>
+          <a:ext cx="0" cy="0"/>
+          <a:chOff x="0" y="0"/>
+          <a:chExt cx="0" cy="0"/>
+        </a:xfrm>
+      </p:grpSpPr>
+      <p:sp>
+        <p:nvSpPr>
+          <p:cNvPr id="2" name="頁首版面配置區 1"/>
+          <p:cNvSpPr>
+            <a:spLocks noGrp="1"/>
+          </p:cNvSpPr>
+          <p:nvPr>
+            <p:ph type="hdr" sz="quarter"/>
+          </p:nvPr>
+        </p:nvSpPr>
+        <p:spPr>
+          <a:xfrm>
+            <a:off x="0" y="0"/>
+            <a:ext cx="2971800" cy="458788"/>
+          </a:xfrm>
+          <a:prstGeom prst="rect">
+            <a:avLst/>
+          </a:prstGeom>
+        </p:spPr>
+        <p:txBody>
+          <a:bodyPr vert="horz" lIns="91440" tIns="45720" rIns="91440" bIns="45720" rtlCol="0"/>
+          <a:lstStyle>
+            <a:lvl1pPr algn="l">
+              <a:defRPr sz="1200"/>
+            </a:lvl1pPr>
+          </a:lstStyle>
+          <a:p>
+            <a:endParaRPr lang="zh-TW" altLang="en-US"/>
+          </a:p>
+        </p:txBody>
+      </p:sp>
+      <p:sp>
+        <p:nvSpPr>
+          <p:cNvPr id="3" name="日期版面配置區 2"/>
+          <p:cNvSpPr>
+            <a:spLocks noGrp="1"/>
+          </p:cNvSpPr>
+          <p:nvPr>
+            <p:ph type="dt" idx="1"/>
+          </p:nvPr>
+        </p:nvSpPr>
+        <p:spPr>
+          <a:xfrm>
+            <a:off x="3884613" y="0"/>
+            <a:ext cx="2971800" cy="458788"/>
+          </a:xfrm>
+          <a:prstGeom prst="rect">
+            <a:avLst/>
+          </a:prstGeom>
+        </p:spPr>
+        <p:txBody>
+          <a:bodyPr vert="horz" lIns="91440" tIns="45720" rIns="91440" bIns="45720" rtlCol="0"/>
+          <a:lstStyle>
+            <a:lvl1pPr algn="r">
+              <a:defRPr sz="1200"/>
+            </a:lvl1pPr>
+          </a:lstStyle>
+          <a:p>
+            <a:fld id="{895B490D-D212-4C9D-8544-2092496485FE}" type="datetimeFigureOut">
+              <a:rPr lang="zh-TW" altLang="en-US" smtClean="0"/>
+              <a:t>2020/6/3</a:t>
+            </a:fld>
+            <a:endParaRPr lang="zh-TW" altLang="en-US"/>
+          </a:p>
+        </p:txBody>
+      </p:sp>
+      <p:sp>
+        <p:nvSpPr>
+          <p:cNvPr id="4" name="投影片影像版面配置區 3"/>
+          <p:cNvSpPr>
+            <a:spLocks noGrp="1" noRot="1" noChangeAspect="1"/>
+          </p:cNvSpPr>
+          <p:nvPr>
+            <p:ph type="sldImg" idx="2"/>
+          </p:nvPr>
+        </p:nvSpPr>
+        <p:spPr>
+          <a:xfrm>
+            <a:off x="685800" y="1143000"/>
+            <a:ext cx="5486400" cy="3086100"/>
+          </a:xfrm>
+          <a:prstGeom prst="rect">
+            <a:avLst/>
+          </a:prstGeom>
+          <a:noFill/>
+          <a:ln w="12700">
+            <a:solidFill>
+              <a:prstClr val="black"/>
+            </a:solidFill>
+          </a:ln>
+        </p:spPr>
+        <p:txBody>
+          <a:bodyPr vert="horz" lIns="91440" tIns="45720" rIns="91440" bIns="45720" rtlCol="0" anchor="ctr"/>
+          <a:lstStyle/>
+          <a:p>
+            <a:endParaRPr lang="zh-TW" altLang="en-US"/>
+          </a:p>
+        </p:txBody>
+      </p:sp>
+      <p:sp>
+        <p:nvSpPr>
+          <p:cNvPr id="5" name="備忘稿版面配置區 4"/>
+          <p:cNvSpPr>
+            <a:spLocks noGrp="1"/>
+          </p:cNvSpPr>
+          <p:nvPr>
+            <p:ph type="body" sz="quarter" idx="3"/>
+          </p:nvPr>
+        </p:nvSpPr>
+        <p:spPr>
+          <a:xfrm>
+            <a:off x="685800" y="4400550"/>
+            <a:ext cx="5486400" cy="3600450"/>
+          </a:xfrm>
+          <a:prstGeom prst="rect">
+            <a:avLst/>
+          </a:prstGeom>
+        </p:spPr>
+        <p:txBody>
+          <a:bodyPr vert="horz" lIns="91440" tIns="45720" rIns="91440" bIns="45720" rtlCol="0"/>
+          <a:lstStyle/>
+          <a:p>
+            <a:pPr lvl="0"/>
+            <a:r>
+              <a:rPr lang="zh-TW" altLang="en-US"/>
+              <a:t>按一下以編輯母片文字樣式</a:t>
+            </a:r>
+          </a:p>
+          <a:p>
+            <a:pPr lvl="1"/>
+            <a:r>
+              <a:rPr lang="zh-TW" altLang="en-US"/>
+              <a:t>第二層</a:t>
+            </a:r>
+          </a:p>
+          <a:p>
+            <a:pPr lvl="2"/>
+            <a:r>
+              <a:rPr lang="zh-TW" altLang="en-US"/>
+              <a:t>第三層</a:t>
+            </a:r>
+          </a:p>
+          <a:p>
+            <a:pPr lvl="3"/>
+            <a:r>
+              <a:rPr lang="zh-TW" altLang="en-US"/>
+              <a:t>第四層</a:t>
+            </a:r>
+          </a:p>
+          <a:p>
+            <a:pPr lvl="4"/>
+            <a:r>
+              <a:rPr lang="zh-TW" altLang="en-US"/>
+              <a:t>第五層</a:t>
+            </a:r>
+          </a:p>
+        </p:txBody>
+      </p:sp>
+      <p:sp>
+        <p:nvSpPr>
+          <p:cNvPr id="6" name="頁尾版面配置區 5"/>
+          <p:cNvSpPr>
+            <a:spLocks noGrp="1"/>
+          </p:cNvSpPr>
+          <p:nvPr>
+            <p:ph type="ftr" sz="quarter" idx="4"/>
+          </p:nvPr>
+        </p:nvSpPr>
+        <p:spPr>
+          <a:xfrm>
+            <a:off x="0" y="8685213"/>
+            <a:ext cx="2971800" cy="458787"/>
+          </a:xfrm>
+          <a:prstGeom prst="rect">
+            <a:avLst/>
+          </a:prstGeom>
+        </p:spPr>
+        <p:txBody>
+          <a:bodyPr vert="horz" lIns="91440" tIns="45720" rIns="91440" bIns="45720" rtlCol="0" anchor="b"/>
+          <a:lstStyle>
+            <a:lvl1pPr algn="l">
+              <a:defRPr sz="1200"/>
+            </a:lvl1pPr>
+          </a:lstStyle>
+          <a:p>
+            <a:endParaRPr lang="zh-TW" altLang="en-US"/>
+          </a:p>
+        </p:txBody>
+      </p:sp>
+      <p:sp>
+        <p:nvSpPr>
+          <p:cNvPr id="7" name="投影片編號版面配置區 6"/>
+          <p:cNvSpPr>
+            <a:spLocks noGrp="1"/>
+          </p:cNvSpPr>
+          <p:nvPr>
+            <p:ph type="sldNum" sz="quarter" idx="5"/>
+          </p:nvPr>
+        </p:nvSpPr>
+        <p:spPr>
+          <a:xfrm>
+            <a:off x="3884613" y="8685213"/>
+            <a:ext cx="2971800" cy="458787"/>
+          </a:xfrm>
+          <a:prstGeom prst="rect">
+            <a:avLst/>
+          </a:prstGeom>
+        </p:spPr>
+        <p:txBody>
+          <a:bodyPr vert="horz" lIns="91440" tIns="45720" rIns="91440" bIns="45720" rtlCol="0" anchor="b"/>
+          <a:lstStyle>
+            <a:lvl1pPr algn="r">
+              <a:defRPr sz="1200"/>
+            </a:lvl1pPr>
+          </a:lstStyle>
+          <a:p>
+            <a:fld id="{F960D863-0840-4A60-98AE-D4C28C7ABD83}" type="slidenum">
+              <a:rPr lang="zh-TW" altLang="en-US" smtClean="0"/>
+              <a:t>‹#›</a:t>
+            </a:fld>
+            <a:endParaRPr lang="zh-TW" altLang="en-US"/>
+          </a:p>
+        </p:txBody>
+      </p:sp>
+    </p:spTree>
+    <p:extLst>
+      <p:ext uri="{BB962C8B-B14F-4D97-AF65-F5344CB8AC3E}">
+        <p14:creationId xmlns:p14="http://schemas.microsoft.com/office/powerpoint/2010/main" val="1664706982"/>
+      </p:ext>
+    </p:extLst>
+  </p:cSld>
+  <p:clrMap bg1="lt1" tx1="dk1" bg2="lt2" tx2="dk2" accent1="accent1" accent2="accent2" accent3="accent3" accent4="accent4" accent5="accent5" accent6="accent6" hlink="hlink" folHlink="folHlink"/>
+  <p:notesStyle>
+    <a:lvl1pPr marL="0" algn="l" defTabSz="914400" rtl="0" eaLnBrk="1" latinLnBrk="0" hangingPunct="1">
+      <a:defRPr sz="1200" kern="1200">
+        <a:solidFill>
+          <a:schemeClr val="tx1"/>
+        </a:solidFill>
+        <a:latin typeface="+mn-lt"/>
+        <a:ea typeface="+mn-ea"/>
+        <a:cs typeface="+mn-cs"/>
+      </a:defRPr>
+    </a:lvl1pPr>
+    <a:lvl2pPr marL="457200" algn="l" defTabSz="914400" rtl="0" eaLnBrk="1" latinLnBrk="0" hangingPunct="1">
+      <a:defRPr sz="1200" kern="1200">
+        <a:solidFill>
+          <a:schemeClr val="tx1"/>
+        </a:solidFill>
+        <a:latin typeface="+mn-lt"/>
+        <a:ea typeface="+mn-ea"/>
+        <a:cs typeface="+mn-cs"/>
+      </a:defRPr>
+    </a:lvl2pPr>
+    <a:lvl3pPr marL="914400" algn="l" defTabSz="914400" rtl="0" eaLnBrk="1" latinLnBrk="0" hangingPunct="1">
+      <a:defRPr sz="1200" kern="1200">
+        <a:solidFill>
+          <a:schemeClr val="tx1"/>
+        </a:solidFill>
+        <a:latin typeface="+mn-lt"/>
+        <a:ea typeface="+mn-ea"/>
+        <a:cs typeface="+mn-cs"/>
+      </a:defRPr>
+    </a:lvl3pPr>
+    <a:lvl4pPr marL="1371600" algn="l" defTabSz="914400" rtl="0" eaLnBrk="1" latinLnBrk="0" hangingPunct="1">
+      <a:defRPr sz="1200" kern="1200">
+        <a:solidFill>
+          <a:schemeClr val="tx1"/>
+        </a:solidFill>
+        <a:latin typeface="+mn-lt"/>
+        <a:ea typeface="+mn-ea"/>
+        <a:cs typeface="+mn-cs"/>
+      </a:defRPr>
+    </a:lvl4pPr>
+    <a:lvl5pPr marL="1828800" algn="l" defTabSz="914400" rtl="0" eaLnBrk="1" latinLnBrk="0" hangingPunct="1">
+      <a:defRPr sz="1200" kern="1200">
+        <a:solidFill>
+          <a:schemeClr val="tx1"/>
+        </a:solidFill>
+        <a:latin typeface="+mn-lt"/>
+        <a:ea typeface="+mn-ea"/>
+        <a:cs typeface="+mn-cs"/>
+      </a:defRPr>
+    </a:lvl5pPr>
+    <a:lvl6pPr marL="2286000" algn="l" defTabSz="914400" rtl="0" eaLnBrk="1" latinLnBrk="0" hangingPunct="1">
+      <a:defRPr sz="1200" kern="1200">
+        <a:solidFill>
+          <a:schemeClr val="tx1"/>
+        </a:solidFill>
+        <a:latin typeface="+mn-lt"/>
+        <a:ea typeface="+mn-ea"/>
+        <a:cs typeface="+mn-cs"/>
+      </a:defRPr>
+    </a:lvl6pPr>
+    <a:lvl7pPr marL="2743200" algn="l" defTabSz="914400" rtl="0" eaLnBrk="1" latinLnBrk="0" hangingPunct="1">
+      <a:defRPr sz="1200" kern="1200">
+        <a:solidFill>
+          <a:schemeClr val="tx1"/>
+        </a:solidFill>
+        <a:latin typeface="+mn-lt"/>
+        <a:ea typeface="+mn-ea"/>
+        <a:cs typeface="+mn-cs"/>
+      </a:defRPr>
+    </a:lvl7pPr>
+    <a:lvl8pPr marL="3200400" algn="l" defTabSz="914400" rtl="0" eaLnBrk="1" latinLnBrk="0" hangingPunct="1">
+      <a:defRPr sz="1200" kern="1200">
+        <a:solidFill>
+          <a:schemeClr val="tx1"/>
+        </a:solidFill>
+        <a:latin typeface="+mn-lt"/>
+        <a:ea typeface="+mn-ea"/>
+        <a:cs typeface="+mn-cs"/>
+      </a:defRPr>
+    </a:lvl8pPr>
+    <a:lvl9pPr marL="3657600" algn="l" defTabSz="914400" rtl="0" eaLnBrk="1" latinLnBrk="0" hangingPunct="1">
+      <a:defRPr sz="1200" kern="1200">
+        <a:solidFill>
+          <a:schemeClr val="tx1"/>
+        </a:solidFill>
+        <a:latin typeface="+mn-lt"/>
+        <a:ea typeface="+mn-ea"/>
+        <a:cs typeface="+mn-cs"/>
+      </a:defRPr>
+    </a:lvl9pPr>
+  </p:notesStyle>
+</p:notesMaster>
+</file>
+
+<file path=ppt/notesSlides/notesSlide1.xml><?xml version="1.0" encoding="utf-8"?>
+<p:notes xmlns:a="http://schemas.openxmlformats.org/drawingml/2006/main" xmlns:r="http://schemas.openxmlformats.org/officeDocument/2006/relationships" xmlns:p="http://schemas.openxmlformats.org/presentationml/2006/main">
+  <p:cSld>
+    <p:spTree>
+      <p:nvGrpSpPr>
+        <p:cNvPr id="1" name=""/>
+        <p:cNvGrpSpPr/>
+        <p:nvPr/>
+      </p:nvGrpSpPr>
+      <p:grpSpPr>
+        <a:xfrm>
+          <a:off x="0" y="0"/>
+          <a:ext cx="0" cy="0"/>
+          <a:chOff x="0" y="0"/>
+          <a:chExt cx="0" cy="0"/>
+        </a:xfrm>
+      </p:grpSpPr>
+      <p:sp>
+        <p:nvSpPr>
+          <p:cNvPr id="2" name="投影片影像版面配置區 1"/>
+          <p:cNvSpPr>
+            <a:spLocks noGrp="1" noRot="1" noChangeAspect="1"/>
+          </p:cNvSpPr>
+          <p:nvPr>
+            <p:ph type="sldImg"/>
+          </p:nvPr>
+        </p:nvSpPr>
+        <p:spPr/>
+      </p:sp>
+      <p:sp>
+        <p:nvSpPr>
+          <p:cNvPr id="3" name="備忘稿版面配置區 2"/>
+          <p:cNvSpPr>
+            <a:spLocks noGrp="1"/>
+          </p:cNvSpPr>
+          <p:nvPr>
+            <p:ph type="body" idx="1"/>
+          </p:nvPr>
+        </p:nvSpPr>
+        <p:spPr/>
+        <p:txBody>
+          <a:bodyPr/>
+          <a:lstStyle/>
+          <a:p>
+            <a:endParaRPr lang="zh-TW" altLang="en-US" dirty="0"/>
+          </a:p>
+        </p:txBody>
+      </p:sp>
+      <p:sp>
+        <p:nvSpPr>
+          <p:cNvPr id="4" name="投影片編號版面配置區 3"/>
+          <p:cNvSpPr>
+            <a:spLocks noGrp="1"/>
+          </p:cNvSpPr>
+          <p:nvPr>
+            <p:ph type="sldNum" sz="quarter" idx="5"/>
+          </p:nvPr>
+        </p:nvSpPr>
+        <p:spPr/>
+        <p:txBody>
+          <a:bodyPr/>
+          <a:lstStyle/>
+          <a:p>
+            <a:fld id="{F960D863-0840-4A60-98AE-D4C28C7ABD83}" type="slidenum">
+              <a:rPr lang="zh-TW" altLang="en-US" smtClean="0"/>
+              <a:t>7</a:t>
+            </a:fld>
+            <a:endParaRPr lang="zh-TW" altLang="en-US"/>
+          </a:p>
+        </p:txBody>
+      </p:sp>
+    </p:spTree>
+    <p:extLst>
+      <p:ext uri="{BB962C8B-B14F-4D97-AF65-F5344CB8AC3E}">
+        <p14:creationId xmlns:p14="http://schemas.microsoft.com/office/powerpoint/2010/main" val="3509676629"/>
+      </p:ext>
+    </p:extLst>
+  </p:cSld>
+  <p:clrMapOvr>
+    <a:masterClrMapping/>
+  </p:clrMapOvr>
+</p:notes>
+</file>
+
+<file path=ppt/notesSlides/notesSlide2.xml><?xml version="1.0" encoding="utf-8"?>
+<p:notes xmlns:a="http://schemas.openxmlformats.org/drawingml/2006/main" xmlns:r="http://schemas.openxmlformats.org/officeDocument/2006/relationships" xmlns:p="http://schemas.openxmlformats.org/presentationml/2006/main">
+  <p:cSld>
+    <p:spTree>
+      <p:nvGrpSpPr>
+        <p:cNvPr id="1" name=""/>
+        <p:cNvGrpSpPr/>
+        <p:nvPr/>
+      </p:nvGrpSpPr>
+      <p:grpSpPr>
+        <a:xfrm>
+          <a:off x="0" y="0"/>
+          <a:ext cx="0" cy="0"/>
+          <a:chOff x="0" y="0"/>
+          <a:chExt cx="0" cy="0"/>
+        </a:xfrm>
+      </p:grpSpPr>
+      <p:sp>
+        <p:nvSpPr>
+          <p:cNvPr id="2" name="投影片影像版面配置區 1"/>
+          <p:cNvSpPr>
+            <a:spLocks noGrp="1" noRot="1" noChangeAspect="1"/>
+          </p:cNvSpPr>
+          <p:nvPr>
+            <p:ph type="sldImg"/>
+          </p:nvPr>
+        </p:nvSpPr>
+        <p:spPr/>
+      </p:sp>
+      <p:sp>
+        <p:nvSpPr>
+          <p:cNvPr id="3" name="備忘稿版面配置區 2"/>
+          <p:cNvSpPr>
+            <a:spLocks noGrp="1"/>
+          </p:cNvSpPr>
+          <p:nvPr>
+            <p:ph type="body" idx="1"/>
+          </p:nvPr>
+        </p:nvSpPr>
+        <p:spPr/>
+        <p:txBody>
+          <a:bodyPr/>
+          <a:lstStyle/>
+          <a:p>
+            <a:endParaRPr lang="zh-TW" altLang="en-US" dirty="0"/>
+          </a:p>
+        </p:txBody>
+      </p:sp>
+      <p:sp>
+        <p:nvSpPr>
+          <p:cNvPr id="4" name="投影片編號版面配置區 3"/>
+          <p:cNvSpPr>
+            <a:spLocks noGrp="1"/>
+          </p:cNvSpPr>
+          <p:nvPr>
+            <p:ph type="sldNum" sz="quarter" idx="5"/>
+          </p:nvPr>
+        </p:nvSpPr>
+        <p:spPr/>
+        <p:txBody>
+          <a:bodyPr/>
+          <a:lstStyle/>
+          <a:p>
+            <a:fld id="{F960D863-0840-4A60-98AE-D4C28C7ABD83}" type="slidenum">
+              <a:rPr lang="zh-TW" altLang="en-US" smtClean="0"/>
+              <a:t>8</a:t>
+            </a:fld>
+            <a:endParaRPr lang="zh-TW" altLang="en-US"/>
+          </a:p>
+        </p:txBody>
+      </p:sp>
+    </p:spTree>
+    <p:extLst>
+      <p:ext uri="{BB962C8B-B14F-4D97-AF65-F5344CB8AC3E}">
+        <p14:creationId xmlns:p14="http://schemas.microsoft.com/office/powerpoint/2010/main" val="3764663714"/>
+      </p:ext>
+    </p:extLst>
+  </p:cSld>
+  <p:clrMapOvr>
+    <a:masterClrMapping/>
+  </p:clrMapOvr>
+</p:notes>
+</file>
+
+<file path=ppt/notesSlides/notesSlide3.xml><?xml version="1.0" encoding="utf-8"?>
+<p:notes xmlns:a="http://schemas.openxmlformats.org/drawingml/2006/main" xmlns:r="http://schemas.openxmlformats.org/officeDocument/2006/relationships" xmlns:p="http://schemas.openxmlformats.org/presentationml/2006/main">
+  <p:cSld>
+    <p:spTree>
+      <p:nvGrpSpPr>
+        <p:cNvPr id="1" name=""/>
+        <p:cNvGrpSpPr/>
+        <p:nvPr/>
+      </p:nvGrpSpPr>
+      <p:grpSpPr>
+        <a:xfrm>
+          <a:off x="0" y="0"/>
+          <a:ext cx="0" cy="0"/>
+          <a:chOff x="0" y="0"/>
+          <a:chExt cx="0" cy="0"/>
+        </a:xfrm>
+      </p:grpSpPr>
+      <p:sp>
+        <p:nvSpPr>
+          <p:cNvPr id="2" name="投影片影像版面配置區 1"/>
+          <p:cNvSpPr>
+            <a:spLocks noGrp="1" noRot="1" noChangeAspect="1"/>
+          </p:cNvSpPr>
+          <p:nvPr>
+            <p:ph type="sldImg"/>
+          </p:nvPr>
+        </p:nvSpPr>
+        <p:spPr/>
+      </p:sp>
+      <p:sp>
+        <p:nvSpPr>
+          <p:cNvPr id="3" name="備忘稿版面配置區 2"/>
+          <p:cNvSpPr>
+            <a:spLocks noGrp="1"/>
+          </p:cNvSpPr>
+          <p:nvPr>
+            <p:ph type="body" idx="1"/>
+          </p:nvPr>
+        </p:nvSpPr>
+        <p:spPr/>
+        <p:txBody>
+          <a:bodyPr/>
+          <a:lstStyle/>
+          <a:p>
+            <a:endParaRPr lang="zh-TW" altLang="en-US" dirty="0"/>
+          </a:p>
+        </p:txBody>
+      </p:sp>
+      <p:sp>
+        <p:nvSpPr>
+          <p:cNvPr id="4" name="投影片編號版面配置區 3"/>
+          <p:cNvSpPr>
+            <a:spLocks noGrp="1"/>
+          </p:cNvSpPr>
+          <p:nvPr>
+            <p:ph type="sldNum" sz="quarter" idx="5"/>
+          </p:nvPr>
+        </p:nvSpPr>
+        <p:spPr/>
+        <p:txBody>
+          <a:bodyPr/>
+          <a:lstStyle/>
+          <a:p>
+            <a:fld id="{F960D863-0840-4A60-98AE-D4C28C7ABD83}" type="slidenum">
+              <a:rPr lang="zh-TW" altLang="en-US" smtClean="0"/>
+              <a:t>9</a:t>
+            </a:fld>
+            <a:endParaRPr lang="zh-TW" altLang="en-US"/>
+          </a:p>
+        </p:txBody>
+      </p:sp>
+    </p:spTree>
+    <p:extLst>
+      <p:ext uri="{BB962C8B-B14F-4D97-AF65-F5344CB8AC3E}">
+        <p14:creationId xmlns:p14="http://schemas.microsoft.com/office/powerpoint/2010/main" val="3113029258"/>
+      </p:ext>
+    </p:extLst>
+  </p:cSld>
+  <p:clrMapOvr>
+    <a:masterClrMapping/>
+  </p:clrMapOvr>
+</p:notes>
+</file>
+
 <file path=ppt/slideLayouts/slideLayout1.xml><?xml version="1.0" encoding="utf-8"?>
 <p:sldLayout xmlns:a="http://schemas.openxmlformats.org/drawingml/2006/main" xmlns:r="http://schemas.openxmlformats.org/officeDocument/2006/relationships" xmlns:p="http://schemas.openxmlformats.org/presentationml/2006/main" type="title" preserve="1">
   <p:cSld name="標題投影片">
@@ -265,7 +872,7 @@
           <a:p>
             <a:fld id="{2C483583-726F-4CEF-B4B2-08AF0FF0A7A3}" type="datetimeFigureOut">
               <a:rPr lang="zh-TW" altLang="en-US" smtClean="0"/>
-              <a:t>2020/5/27</a:t>
+              <a:t>2020/6/3</a:t>
             </a:fld>
             <a:endParaRPr lang="zh-TW" altLang="en-US"/>
           </a:p>
@@ -463,7 +1070,7 @@
           <a:p>
             <a:fld id="{2C483583-726F-4CEF-B4B2-08AF0FF0A7A3}" type="datetimeFigureOut">
               <a:rPr lang="zh-TW" altLang="en-US" smtClean="0"/>
-              <a:t>2020/5/27</a:t>
+              <a:t>2020/6/3</a:t>
             </a:fld>
             <a:endParaRPr lang="zh-TW" altLang="en-US"/>
           </a:p>
@@ -671,7 +1278,7 @@
           <a:p>
             <a:fld id="{2C483583-726F-4CEF-B4B2-08AF0FF0A7A3}" type="datetimeFigureOut">
               <a:rPr lang="zh-TW" altLang="en-US" smtClean="0"/>
-              <a:t>2020/5/27</a:t>
+              <a:t>2020/6/3</a:t>
             </a:fld>
             <a:endParaRPr lang="zh-TW" altLang="en-US"/>
           </a:p>
@@ -869,7 +1476,7 @@
           <a:p>
             <a:fld id="{2C483583-726F-4CEF-B4B2-08AF0FF0A7A3}" type="datetimeFigureOut">
               <a:rPr lang="zh-TW" altLang="en-US" smtClean="0"/>
-              <a:t>2020/5/27</a:t>
+              <a:t>2020/6/3</a:t>
             </a:fld>
             <a:endParaRPr lang="zh-TW" altLang="en-US"/>
           </a:p>
@@ -1144,7 +1751,7 @@
           <a:p>
             <a:fld id="{2C483583-726F-4CEF-B4B2-08AF0FF0A7A3}" type="datetimeFigureOut">
               <a:rPr lang="zh-TW" altLang="en-US" smtClean="0"/>
-              <a:t>2020/5/27</a:t>
+              <a:t>2020/6/3</a:t>
             </a:fld>
             <a:endParaRPr lang="zh-TW" altLang="en-US"/>
           </a:p>
@@ -1409,7 +2016,7 @@
           <a:p>
             <a:fld id="{2C483583-726F-4CEF-B4B2-08AF0FF0A7A3}" type="datetimeFigureOut">
               <a:rPr lang="zh-TW" altLang="en-US" smtClean="0"/>
-              <a:t>2020/5/27</a:t>
+              <a:t>2020/6/3</a:t>
             </a:fld>
             <a:endParaRPr lang="zh-TW" altLang="en-US"/>
           </a:p>
@@ -1821,7 +2428,7 @@
           <a:p>
             <a:fld id="{2C483583-726F-4CEF-B4B2-08AF0FF0A7A3}" type="datetimeFigureOut">
               <a:rPr lang="zh-TW" altLang="en-US" smtClean="0"/>
-              <a:t>2020/5/27</a:t>
+              <a:t>2020/6/3</a:t>
             </a:fld>
             <a:endParaRPr lang="zh-TW" altLang="en-US"/>
           </a:p>
@@ -1962,7 +2569,7 @@
           <a:p>
             <a:fld id="{2C483583-726F-4CEF-B4B2-08AF0FF0A7A3}" type="datetimeFigureOut">
               <a:rPr lang="zh-TW" altLang="en-US" smtClean="0"/>
-              <a:t>2020/5/27</a:t>
+              <a:t>2020/6/3</a:t>
             </a:fld>
             <a:endParaRPr lang="zh-TW" altLang="en-US"/>
           </a:p>
@@ -2075,7 +2682,7 @@
           <a:p>
             <a:fld id="{2C483583-726F-4CEF-B4B2-08AF0FF0A7A3}" type="datetimeFigureOut">
               <a:rPr lang="zh-TW" altLang="en-US" smtClean="0"/>
-              <a:t>2020/5/27</a:t>
+              <a:t>2020/6/3</a:t>
             </a:fld>
             <a:endParaRPr lang="zh-TW" altLang="en-US"/>
           </a:p>
@@ -2386,7 +2993,7 @@
           <a:p>
             <a:fld id="{2C483583-726F-4CEF-B4B2-08AF0FF0A7A3}" type="datetimeFigureOut">
               <a:rPr lang="zh-TW" altLang="en-US" smtClean="0"/>
-              <a:t>2020/5/27</a:t>
+              <a:t>2020/6/3</a:t>
             </a:fld>
             <a:endParaRPr lang="zh-TW" altLang="en-US"/>
           </a:p>
@@ -2674,7 +3281,7 @@
           <a:p>
             <a:fld id="{2C483583-726F-4CEF-B4B2-08AF0FF0A7A3}" type="datetimeFigureOut">
               <a:rPr lang="zh-TW" altLang="en-US" smtClean="0"/>
-              <a:t>2020/5/27</a:t>
+              <a:t>2020/6/3</a:t>
             </a:fld>
             <a:endParaRPr lang="zh-TW" altLang="en-US"/>
           </a:p>
@@ -2915,7 +3522,7 @@
           <a:p>
             <a:fld id="{2C483583-726F-4CEF-B4B2-08AF0FF0A7A3}" type="datetimeFigureOut">
               <a:rPr lang="zh-TW" altLang="en-US" smtClean="0"/>
-              <a:t>2020/5/27</a:t>
+              <a:t>2020/6/3</a:t>
             </a:fld>
             <a:endParaRPr lang="zh-TW" altLang="en-US"/>
           </a:p>
@@ -3733,6 +4340,122 @@
 </p:sld>
 </file>
 
+<file path=ppt/slides/slide10.xml><?xml version="1.0" encoding="utf-8"?>
+<p:sld xmlns:a="http://schemas.openxmlformats.org/drawingml/2006/main" xmlns:r="http://schemas.openxmlformats.org/officeDocument/2006/relationships" xmlns:p="http://schemas.openxmlformats.org/presentationml/2006/main">
+  <p:cSld>
+    <p:spTree>
+      <p:nvGrpSpPr>
+        <p:cNvPr id="1" name=""/>
+        <p:cNvGrpSpPr/>
+        <p:nvPr/>
+      </p:nvGrpSpPr>
+      <p:grpSpPr>
+        <a:xfrm>
+          <a:off x="0" y="0"/>
+          <a:ext cx="0" cy="0"/>
+          <a:chOff x="0" y="0"/>
+          <a:chExt cx="0" cy="0"/>
+        </a:xfrm>
+      </p:grpSpPr>
+      <p:sp>
+        <p:nvSpPr>
+          <p:cNvPr id="2" name="標題 1">
+            <a:extLst>
+              <a:ext uri="{FF2B5EF4-FFF2-40B4-BE49-F238E27FC236}">
+                <a16:creationId xmlns:a16="http://schemas.microsoft.com/office/drawing/2014/main" id="{C7068F98-7045-420F-8AE6-48AB4353F71E}"/>
+              </a:ext>
+            </a:extLst>
+          </p:cNvPr>
+          <p:cNvSpPr>
+            <a:spLocks noGrp="1"/>
+          </p:cNvSpPr>
+          <p:nvPr>
+            <p:ph type="title"/>
+          </p:nvPr>
+        </p:nvSpPr>
+        <p:spPr/>
+        <p:txBody>
+          <a:bodyPr/>
+          <a:lstStyle/>
+          <a:p>
+            <a:r>
+              <a:rPr lang="zh-TW" altLang="en-US" dirty="0"/>
+              <a:t>參考資料</a:t>
+            </a:r>
+          </a:p>
+        </p:txBody>
+      </p:sp>
+      <p:sp>
+        <p:nvSpPr>
+          <p:cNvPr id="3" name="內容版面配置區 2">
+            <a:extLst>
+              <a:ext uri="{FF2B5EF4-FFF2-40B4-BE49-F238E27FC236}">
+                <a16:creationId xmlns:a16="http://schemas.microsoft.com/office/drawing/2014/main" id="{C7FC8B7F-EB15-4DFB-8889-C1152FB3BCB8}"/>
+              </a:ext>
+            </a:extLst>
+          </p:cNvPr>
+          <p:cNvSpPr>
+            <a:spLocks noGrp="1"/>
+          </p:cNvSpPr>
+          <p:nvPr>
+            <p:ph idx="1"/>
+          </p:nvPr>
+        </p:nvSpPr>
+        <p:spPr/>
+        <p:txBody>
+          <a:bodyPr/>
+          <a:lstStyle/>
+          <a:p>
+            <a:r>
+              <a:rPr lang="zh-TW" altLang="en-US" dirty="0"/>
+              <a:t>熱感設備</a:t>
+            </a:r>
+            <a:br>
+              <a:rPr lang="en-US" altLang="zh-TW" dirty="0"/>
+            </a:br>
+            <a:r>
+              <a:rPr lang="en-US" altLang="zh-TW" dirty="0">
+                <a:hlinkClick r:id="rId2"/>
+              </a:rPr>
+              <a:t>https://www.raspberrypi.com.tw/24304/14654-flir-radiometric-lepton-dev-kit/</a:t>
+            </a:r>
+            <a:endParaRPr lang="en-US" altLang="zh-TW" dirty="0"/>
+          </a:p>
+          <a:p>
+            <a:r>
+              <a:rPr lang="en-US" altLang="zh-TW" dirty="0"/>
+              <a:t>RCNN</a:t>
+            </a:r>
+            <a:r>
+              <a:rPr lang="zh-TW" altLang="en-US" dirty="0"/>
+              <a:t>介紹</a:t>
+            </a:r>
+            <a:br>
+              <a:rPr lang="en-US" altLang="zh-TW" dirty="0"/>
+            </a:br>
+            <a:r>
+              <a:rPr lang="en-US" altLang="zh-TW" dirty="0">
+                <a:hlinkClick r:id="rId3"/>
+              </a:rPr>
+              <a:t>https://medium.com/cubo-ai/%E7%89%A9%E9%AB%94%E5%81%B5%E6%B8%AC-object-detection-740096ec4540</a:t>
+            </a:r>
+            <a:endParaRPr lang="zh-TW" altLang="en-US" dirty="0"/>
+          </a:p>
+        </p:txBody>
+      </p:sp>
+    </p:spTree>
+    <p:extLst>
+      <p:ext uri="{BB962C8B-B14F-4D97-AF65-F5344CB8AC3E}">
+        <p14:creationId xmlns:p14="http://schemas.microsoft.com/office/powerpoint/2010/main" val="359186345"/>
+      </p:ext>
+    </p:extLst>
+  </p:cSld>
+  <p:clrMapOvr>
+    <a:masterClrMapping/>
+  </p:clrMapOvr>
+</p:sld>
+</file>
+
 <file path=ppt/slides/slide2.xml><?xml version="1.0" encoding="utf-8"?>
 <p:sld xmlns:a="http://schemas.openxmlformats.org/drawingml/2006/main" xmlns:r="http://schemas.openxmlformats.org/officeDocument/2006/relationships" xmlns:p="http://schemas.openxmlformats.org/presentationml/2006/main">
   <p:cSld>
@@ -8729,18 +9452,18 @@
             <p:cNvCxnSpPr>
               <a:cxnSpLocks/>
               <a:stCxn id="40" idx="0"/>
-              <a:endCxn id="6" idx="2"/>
+              <a:endCxn id="7" idx="2"/>
             </p:cNvCxnSpPr>
             <p:nvPr/>
           </p:nvCxnSpPr>
           <p:spPr>
             <a:xfrm rot="5400000" flipH="1" flipV="1">
-              <a:off x="4836185" y="1618856"/>
-              <a:ext cx="882385" cy="3766606"/>
+              <a:off x="6185562" y="269479"/>
+              <a:ext cx="882385" cy="6465360"/>
             </a:xfrm>
             <a:prstGeom prst="bentConnector3">
               <a:avLst>
-                <a:gd name="adj1" fmla="val 67271"/>
+                <a:gd name="adj1" fmla="val 64393"/>
               </a:avLst>
             </a:prstGeom>
             <a:ln>
@@ -9090,8 +9813,8 @@
           </p:nvSpPr>
           <p:spPr>
             <a:xfrm>
-              <a:off x="6837516" y="3332839"/>
-              <a:ext cx="646331" cy="369332"/>
+              <a:off x="6298977" y="3346443"/>
+              <a:ext cx="1710725" cy="369332"/>
             </a:xfrm>
             <a:prstGeom prst="rect">
               <a:avLst/>
@@ -9107,6 +9830,19 @@
                 <a:rPr lang="zh-TW" altLang="en-US" dirty="0"/>
                 <a:t>影像</a:t>
               </a:r>
+              <a:r>
+                <a:rPr lang="en-US" altLang="zh-TW" dirty="0"/>
+                <a:t>(</a:t>
+              </a:r>
+              <a:r>
+                <a:rPr lang="zh-TW" altLang="en-US" dirty="0"/>
+                <a:t>一般影像</a:t>
+              </a:r>
+              <a:r>
+                <a:rPr lang="en-US" altLang="zh-TW" dirty="0"/>
+                <a:t>)</a:t>
+              </a:r>
+              <a:endParaRPr lang="zh-TW" altLang="en-US" dirty="0"/>
             </a:p>
           </p:txBody>
         </p:sp>
@@ -9278,7 +10014,7 @@
           <p:cNvPr id="2" name="標題 1">
             <a:extLst>
               <a:ext uri="{FF2B5EF4-FFF2-40B4-BE49-F238E27FC236}">
-                <a16:creationId xmlns:a16="http://schemas.microsoft.com/office/drawing/2014/main" id="{C7068F98-7045-420F-8AE6-48AB4353F71E}"/>
+                <a16:creationId xmlns:a16="http://schemas.microsoft.com/office/drawing/2014/main" id="{9E140A55-E8F7-4DAC-9800-2C1DFE1A1DCB}"/>
               </a:ext>
             </a:extLst>
           </p:cNvPr>
@@ -9296,17 +10032,949 @@
           <a:p>
             <a:r>
               <a:rPr lang="zh-TW" altLang="en-US" dirty="0"/>
-              <a:t>參考資料</a:t>
+              <a:t>設計</a:t>
             </a:r>
           </a:p>
         </p:txBody>
       </p:sp>
+      <p:graphicFrame>
+        <p:nvGraphicFramePr>
+          <p:cNvPr id="16" name="表格 17">
+            <a:extLst>
+              <a:ext uri="{FF2B5EF4-FFF2-40B4-BE49-F238E27FC236}">
+                <a16:creationId xmlns:a16="http://schemas.microsoft.com/office/drawing/2014/main" id="{2A682C81-5B7C-4146-B45E-571FBAAC34B8}"/>
+              </a:ext>
+            </a:extLst>
+          </p:cNvPr>
+          <p:cNvGraphicFramePr>
+            <a:graphicFrameLocks noGrp="1"/>
+          </p:cNvGraphicFramePr>
+          <p:nvPr>
+            <p:extLst>
+              <p:ext uri="{D42A27DB-BD31-4B8C-83A1-F6EECF244321}">
+                <p14:modId xmlns:p14="http://schemas.microsoft.com/office/powerpoint/2010/main" val="1290600669"/>
+              </p:ext>
+            </p:extLst>
+          </p:nvPr>
+        </p:nvGraphicFramePr>
+        <p:xfrm>
+          <a:off x="5046373" y="1928284"/>
+          <a:ext cx="6900333" cy="4711468"/>
+        </p:xfrm>
+        <a:graphic>
+          <a:graphicData uri="http://schemas.openxmlformats.org/drawingml/2006/table">
+            <a:tbl>
+              <a:tblPr firstRow="1" bandRow="1">
+                <a:tableStyleId>{5C22544A-7EE6-4342-B048-85BDC9FD1C3A}</a:tableStyleId>
+              </a:tblPr>
+              <a:tblGrid>
+                <a:gridCol w="819232">
+                  <a:extLst>
+                    <a:ext uri="{9D8B030D-6E8A-4147-A177-3AD203B41FA5}">
+                      <a16:colId xmlns:a16="http://schemas.microsoft.com/office/drawing/2014/main" val="2688816060"/>
+                    </a:ext>
+                  </a:extLst>
+                </a:gridCol>
+                <a:gridCol w="3384801">
+                  <a:extLst>
+                    <a:ext uri="{9D8B030D-6E8A-4147-A177-3AD203B41FA5}">
+                      <a16:colId xmlns:a16="http://schemas.microsoft.com/office/drawing/2014/main" val="927380752"/>
+                    </a:ext>
+                  </a:extLst>
+                </a:gridCol>
+                <a:gridCol w="2696300">
+                  <a:extLst>
+                    <a:ext uri="{9D8B030D-6E8A-4147-A177-3AD203B41FA5}">
+                      <a16:colId xmlns:a16="http://schemas.microsoft.com/office/drawing/2014/main" val="3517168336"/>
+                    </a:ext>
+                  </a:extLst>
+                </a:gridCol>
+              </a:tblGrid>
+              <a:tr h="581964">
+                <a:tc>
+                  <a:txBody>
+                    <a:bodyPr/>
+                    <a:lstStyle/>
+                    <a:p>
+                      <a:r>
+                        <a:rPr lang="zh-TW" altLang="en-US" sz="1800" dirty="0"/>
+                        <a:t>模組</a:t>
+                      </a:r>
+                    </a:p>
+                  </a:txBody>
+                  <a:tcPr/>
+                </a:tc>
+                <a:tc>
+                  <a:txBody>
+                    <a:bodyPr/>
+                    <a:lstStyle/>
+                    <a:p>
+                      <a:r>
+                        <a:rPr lang="zh-TW" altLang="en-US" sz="1800" dirty="0"/>
+                        <a:t>溫度計算</a:t>
+                      </a:r>
+                    </a:p>
+                  </a:txBody>
+                  <a:tcPr/>
+                </a:tc>
+                <a:tc>
+                  <a:txBody>
+                    <a:bodyPr/>
+                    <a:lstStyle/>
+                    <a:p>
+                      <a:r>
+                        <a:rPr lang="zh-TW" altLang="en-US" sz="1800" dirty="0"/>
+                        <a:t>轉換熱感影像</a:t>
+                      </a:r>
+                    </a:p>
+                  </a:txBody>
+                  <a:tcPr/>
+                </a:tc>
+                <a:extLst>
+                  <a:ext uri="{0D108BD9-81ED-4DB2-BD59-A6C34878D82A}">
+                    <a16:rowId xmlns:a16="http://schemas.microsoft.com/office/drawing/2014/main" val="2382960480"/>
+                  </a:ext>
+                </a:extLst>
+              </a:tr>
+              <a:tr h="677912">
+                <a:tc>
+                  <a:txBody>
+                    <a:bodyPr/>
+                    <a:lstStyle/>
+                    <a:p>
+                      <a:r>
+                        <a:rPr lang="zh-TW" altLang="en-US" sz="1800" dirty="0"/>
+                        <a:t>輸入</a:t>
+                      </a:r>
+                    </a:p>
+                  </a:txBody>
+                  <a:tcPr/>
+                </a:tc>
+                <a:tc>
+                  <a:txBody>
+                    <a:bodyPr/>
+                    <a:lstStyle/>
+                    <a:p>
+                      <a:r>
+                        <a:rPr lang="zh-TW" altLang="en-US" sz="1000" dirty="0">
+                          <a:solidFill>
+                            <a:schemeClr val="tx1"/>
+                          </a:solidFill>
+                        </a:rPr>
+                        <a:t>熱感影像</a:t>
+                      </a:r>
+                      <a:r>
+                        <a:rPr lang="en-US" altLang="zh-TW" sz="1000" dirty="0">
+                          <a:solidFill>
+                            <a:schemeClr val="tx1"/>
+                          </a:solidFill>
+                        </a:rPr>
+                        <a:t>:</a:t>
+                      </a:r>
+                      <a:r>
+                        <a:rPr lang="it-IT" altLang="zh-TW" sz="1000" dirty="0">
+                          <a:solidFill>
+                            <a:schemeClr val="tx1"/>
+                          </a:solidFill>
+                        </a:rPr>
+                        <a:t>(160 x 120</a:t>
+                      </a:r>
+                      <a:r>
+                        <a:rPr lang="zh-TW" altLang="en-US" sz="1000" dirty="0">
+                          <a:solidFill>
+                            <a:schemeClr val="tx1"/>
+                          </a:solidFill>
+                        </a:rPr>
+                        <a:t>，</a:t>
+                      </a:r>
+                      <a:r>
+                        <a:rPr lang="en-US" altLang="zh-TW" sz="1000" dirty="0">
+                          <a:solidFill>
+                            <a:schemeClr val="tx1"/>
+                          </a:solidFill>
+                        </a:rPr>
+                        <a:t>1ch)</a:t>
+                      </a:r>
+                    </a:p>
+                    <a:p>
+                      <a:r>
+                        <a:rPr lang="zh-TW" altLang="en-US" sz="1000" dirty="0">
+                          <a:solidFill>
+                            <a:schemeClr val="tx1"/>
+                          </a:solidFill>
+                        </a:rPr>
+                        <a:t>每個</a:t>
+                      </a:r>
+                      <a:r>
+                        <a:rPr lang="en-US" altLang="zh-TW" sz="1000" dirty="0">
+                          <a:solidFill>
+                            <a:schemeClr val="tx1"/>
+                          </a:solidFill>
+                        </a:rPr>
+                        <a:t>pixel</a:t>
+                      </a:r>
+                      <a:r>
+                        <a:rPr lang="zh-TW" altLang="en-US" sz="1000" dirty="0">
+                          <a:solidFill>
+                            <a:schemeClr val="tx1"/>
+                          </a:solidFill>
+                        </a:rPr>
+                        <a:t>數值代表絕對溫度</a:t>
+                      </a:r>
+                      <a:r>
+                        <a:rPr lang="en-US" altLang="zh-TW" sz="1000" dirty="0">
+                          <a:solidFill>
+                            <a:schemeClr val="tx1"/>
+                          </a:solidFill>
+                        </a:rPr>
+                        <a:t>(k)</a:t>
+                      </a:r>
+                      <a:endParaRPr lang="zh-TW" altLang="en-US" sz="1000" dirty="0">
+                        <a:solidFill>
+                          <a:schemeClr val="tx1"/>
+                        </a:solidFill>
+                      </a:endParaRPr>
+                    </a:p>
+                  </a:txBody>
+                  <a:tcPr/>
+                </a:tc>
+                <a:tc>
+                  <a:txBody>
+                    <a:bodyPr/>
+                    <a:lstStyle/>
+                    <a:p>
+                      <a:r>
+                        <a:rPr lang="zh-TW" altLang="en-US" sz="1000" dirty="0">
+                          <a:solidFill>
+                            <a:schemeClr val="tx1"/>
+                          </a:solidFill>
+                        </a:rPr>
+                        <a:t>熱感影像</a:t>
+                      </a:r>
+                      <a:r>
+                        <a:rPr lang="en-US" altLang="zh-TW" sz="1000" dirty="0">
+                          <a:solidFill>
+                            <a:schemeClr val="tx1"/>
+                          </a:solidFill>
+                        </a:rPr>
+                        <a:t>:</a:t>
+                      </a:r>
+                      <a:r>
+                        <a:rPr lang="en-US" altLang="zh-TW" sz="1000" dirty="0"/>
+                        <a:t>(640*480,1ch)</a:t>
+                      </a:r>
+                      <a:br>
+                        <a:rPr lang="en-US" altLang="zh-TW" sz="1000" dirty="0"/>
+                      </a:br>
+                      <a:r>
+                        <a:rPr lang="zh-TW" altLang="en-US" sz="1000" dirty="0">
+                          <a:solidFill>
+                            <a:schemeClr val="tx1"/>
+                          </a:solidFill>
+                        </a:rPr>
+                        <a:t>每個</a:t>
+                      </a:r>
+                      <a:r>
+                        <a:rPr lang="en-US" altLang="zh-TW" sz="1000" dirty="0">
+                          <a:solidFill>
+                            <a:schemeClr val="tx1"/>
+                          </a:solidFill>
+                        </a:rPr>
+                        <a:t>pixel</a:t>
+                      </a:r>
+                      <a:r>
+                        <a:rPr lang="zh-TW" altLang="en-US" sz="1000" dirty="0">
+                          <a:solidFill>
+                            <a:schemeClr val="tx1"/>
+                          </a:solidFill>
+                        </a:rPr>
+                        <a:t>數值代表攝氏溫度</a:t>
+                      </a:r>
+                      <a:r>
+                        <a:rPr lang="en-US" altLang="zh-TW" sz="1000" dirty="0">
+                          <a:solidFill>
+                            <a:schemeClr val="tx1"/>
+                          </a:solidFill>
+                        </a:rPr>
+                        <a:t>(</a:t>
+                      </a:r>
+                      <a:r>
+                        <a:rPr lang="zh-TW" altLang="en-US" sz="1000" dirty="0"/>
+                        <a:t>℃</a:t>
+                      </a:r>
+                      <a:r>
+                        <a:rPr lang="en-US" altLang="zh-TW" sz="1000" dirty="0">
+                          <a:solidFill>
+                            <a:schemeClr val="tx1"/>
+                          </a:solidFill>
+                        </a:rPr>
+                        <a:t>)</a:t>
+                      </a:r>
+                      <a:endParaRPr lang="zh-TW" altLang="en-US" sz="1000" dirty="0">
+                        <a:solidFill>
+                          <a:schemeClr val="tx1"/>
+                        </a:solidFill>
+                      </a:endParaRPr>
+                    </a:p>
+                  </a:txBody>
+                  <a:tcPr/>
+                </a:tc>
+                <a:extLst>
+                  <a:ext uri="{0D108BD9-81ED-4DB2-BD59-A6C34878D82A}">
+                    <a16:rowId xmlns:a16="http://schemas.microsoft.com/office/drawing/2014/main" val="247561736"/>
+                  </a:ext>
+                </a:extLst>
+              </a:tr>
+              <a:tr h="677912">
+                <a:tc>
+                  <a:txBody>
+                    <a:bodyPr/>
+                    <a:lstStyle/>
+                    <a:p>
+                      <a:r>
+                        <a:rPr lang="zh-TW" altLang="en-US" sz="1800" dirty="0"/>
+                        <a:t>輸出</a:t>
+                      </a:r>
+                    </a:p>
+                  </a:txBody>
+                  <a:tcPr/>
+                </a:tc>
+                <a:tc>
+                  <a:txBody>
+                    <a:bodyPr/>
+                    <a:lstStyle/>
+                    <a:p>
+                      <a:pPr marL="0" marR="0" lvl="0" indent="0" algn="l" defTabSz="914400" rtl="0" eaLnBrk="1" fontAlgn="auto" latinLnBrk="0" hangingPunct="1">
+                        <a:lnSpc>
+                          <a:spcPct val="100000"/>
+                        </a:lnSpc>
+                        <a:spcBef>
+                          <a:spcPts val="0"/>
+                        </a:spcBef>
+                        <a:spcAft>
+                          <a:spcPts val="0"/>
+                        </a:spcAft>
+                        <a:buClrTx/>
+                        <a:buSzTx/>
+                        <a:buFontTx/>
+                        <a:buNone/>
+                        <a:tabLst/>
+                        <a:defRPr/>
+                      </a:pPr>
+                      <a:r>
+                        <a:rPr lang="zh-TW" altLang="en-US" sz="1000" dirty="0">
+                          <a:solidFill>
+                            <a:schemeClr val="tx1"/>
+                          </a:solidFill>
+                        </a:rPr>
+                        <a:t>熱感影像</a:t>
+                      </a:r>
+                      <a:r>
+                        <a:rPr lang="en-US" altLang="zh-TW" sz="1000" dirty="0">
+                          <a:solidFill>
+                            <a:schemeClr val="tx1"/>
+                          </a:solidFill>
+                        </a:rPr>
+                        <a:t>:</a:t>
+                      </a:r>
+                      <a:r>
+                        <a:rPr lang="it-IT" altLang="zh-TW" sz="1000" dirty="0">
+                          <a:solidFill>
+                            <a:schemeClr val="tx1"/>
+                          </a:solidFill>
+                        </a:rPr>
+                        <a:t>(</a:t>
+                      </a:r>
+                      <a:r>
+                        <a:rPr lang="en-US" altLang="zh-TW" sz="1000" dirty="0"/>
+                        <a:t>(640*480,1ch)</a:t>
+                      </a:r>
+                      <a:br>
+                        <a:rPr lang="en-US" altLang="zh-TW" sz="1000" dirty="0"/>
+                      </a:br>
+                      <a:r>
+                        <a:rPr lang="zh-TW" altLang="en-US" sz="1000" dirty="0">
+                          <a:solidFill>
+                            <a:schemeClr val="tx1"/>
+                          </a:solidFill>
+                        </a:rPr>
+                        <a:t>每個</a:t>
+                      </a:r>
+                      <a:r>
+                        <a:rPr lang="en-US" altLang="zh-TW" sz="1000" dirty="0">
+                          <a:solidFill>
+                            <a:schemeClr val="tx1"/>
+                          </a:solidFill>
+                        </a:rPr>
+                        <a:t>pixel</a:t>
+                      </a:r>
+                      <a:r>
+                        <a:rPr lang="zh-TW" altLang="en-US" sz="1000" dirty="0">
+                          <a:solidFill>
+                            <a:schemeClr val="tx1"/>
+                          </a:solidFill>
+                        </a:rPr>
+                        <a:t>數值代表攝氏溫度</a:t>
+                      </a:r>
+                      <a:r>
+                        <a:rPr lang="en-US" altLang="zh-TW" sz="1000" dirty="0">
+                          <a:solidFill>
+                            <a:schemeClr val="tx1"/>
+                          </a:solidFill>
+                        </a:rPr>
+                        <a:t>(</a:t>
+                      </a:r>
+                      <a:r>
+                        <a:rPr lang="zh-TW" altLang="en-US" sz="1000" dirty="0"/>
+                        <a:t>℃</a:t>
+                      </a:r>
+                      <a:r>
+                        <a:rPr lang="en-US" altLang="zh-TW" sz="1000" dirty="0">
+                          <a:solidFill>
+                            <a:schemeClr val="tx1"/>
+                          </a:solidFill>
+                        </a:rPr>
+                        <a:t>)</a:t>
+                      </a:r>
+                      <a:endParaRPr lang="zh-TW" altLang="en-US" sz="1000" dirty="0">
+                        <a:solidFill>
+                          <a:schemeClr val="tx1"/>
+                        </a:solidFill>
+                      </a:endParaRPr>
+                    </a:p>
+                  </a:txBody>
+                  <a:tcPr/>
+                </a:tc>
+                <a:tc>
+                  <a:txBody>
+                    <a:bodyPr/>
+                    <a:lstStyle/>
+                    <a:p>
+                      <a:pPr marL="0" marR="0" lvl="0" indent="0" algn="l" defTabSz="914400" rtl="0" eaLnBrk="1" fontAlgn="auto" latinLnBrk="0" hangingPunct="1">
+                        <a:lnSpc>
+                          <a:spcPct val="100000"/>
+                        </a:lnSpc>
+                        <a:spcBef>
+                          <a:spcPts val="0"/>
+                        </a:spcBef>
+                        <a:spcAft>
+                          <a:spcPts val="0"/>
+                        </a:spcAft>
+                        <a:buClrTx/>
+                        <a:buSzTx/>
+                        <a:buFontTx/>
+                        <a:buNone/>
+                        <a:tabLst/>
+                        <a:defRPr/>
+                      </a:pPr>
+                      <a:r>
+                        <a:rPr lang="zh-TW" altLang="en-US" sz="1000" dirty="0">
+                          <a:solidFill>
+                            <a:schemeClr val="tx1"/>
+                          </a:solidFill>
+                        </a:rPr>
+                        <a:t>熱感影像</a:t>
+                      </a:r>
+                      <a:r>
+                        <a:rPr lang="en-US" altLang="zh-TW" sz="1000" dirty="0">
+                          <a:solidFill>
+                            <a:schemeClr val="tx1"/>
+                          </a:solidFill>
+                        </a:rPr>
+                        <a:t>:</a:t>
+                      </a:r>
+                      <a:r>
+                        <a:rPr lang="en-US" altLang="zh-TW" sz="1000" dirty="0"/>
+                        <a:t>(640*480,1ch)</a:t>
+                      </a:r>
+                      <a:br>
+                        <a:rPr lang="en-US" altLang="zh-TW" sz="1000" dirty="0"/>
+                      </a:br>
+                      <a:r>
+                        <a:rPr lang="zh-TW" altLang="en-US" sz="1000" dirty="0">
+                          <a:solidFill>
+                            <a:schemeClr val="tx1"/>
+                          </a:solidFill>
+                        </a:rPr>
+                        <a:t>每個</a:t>
+                      </a:r>
+                      <a:r>
+                        <a:rPr lang="en-US" altLang="zh-TW" sz="1000" dirty="0">
+                          <a:solidFill>
+                            <a:schemeClr val="tx1"/>
+                          </a:solidFill>
+                        </a:rPr>
+                        <a:t>pixel</a:t>
+                      </a:r>
+                      <a:r>
+                        <a:rPr lang="zh-TW" altLang="en-US" sz="1000" dirty="0">
+                          <a:solidFill>
+                            <a:schemeClr val="tx1"/>
+                          </a:solidFill>
+                        </a:rPr>
+                        <a:t>數值代表攝氏溫度</a:t>
+                      </a:r>
+                      <a:r>
+                        <a:rPr lang="en-US" altLang="zh-TW" sz="1000" dirty="0">
+                          <a:solidFill>
+                            <a:schemeClr val="tx1"/>
+                          </a:solidFill>
+                        </a:rPr>
+                        <a:t>(</a:t>
+                      </a:r>
+                      <a:r>
+                        <a:rPr lang="zh-TW" altLang="en-US" sz="1000" dirty="0"/>
+                        <a:t>℃</a:t>
+                      </a:r>
+                      <a:r>
+                        <a:rPr lang="en-US" altLang="zh-TW" sz="1000" dirty="0">
+                          <a:solidFill>
+                            <a:schemeClr val="tx1"/>
+                          </a:solidFill>
+                        </a:rPr>
+                        <a:t>)</a:t>
+                      </a:r>
+                      <a:endParaRPr lang="zh-TW" altLang="en-US" sz="1000" dirty="0">
+                        <a:solidFill>
+                          <a:schemeClr val="tx1"/>
+                        </a:solidFill>
+                      </a:endParaRPr>
+                    </a:p>
+                  </a:txBody>
+                  <a:tcPr/>
+                </a:tc>
+                <a:extLst>
+                  <a:ext uri="{0D108BD9-81ED-4DB2-BD59-A6C34878D82A}">
+                    <a16:rowId xmlns:a16="http://schemas.microsoft.com/office/drawing/2014/main" val="3127279990"/>
+                  </a:ext>
+                </a:extLst>
+              </a:tr>
+              <a:tr h="946689">
+                <a:tc>
+                  <a:txBody>
+                    <a:bodyPr/>
+                    <a:lstStyle/>
+                    <a:p>
+                      <a:r>
+                        <a:rPr lang="zh-TW" altLang="en-US" sz="1800" dirty="0"/>
+                        <a:t>方法</a:t>
+                      </a:r>
+                    </a:p>
+                  </a:txBody>
+                  <a:tcPr/>
+                </a:tc>
+                <a:tc>
+                  <a:txBody>
+                    <a:bodyPr/>
+                    <a:lstStyle/>
+                    <a:p>
+                      <a:r>
+                        <a:rPr lang="zh-TW" altLang="en-US" sz="1000" dirty="0"/>
+                        <a:t>絕對溫度換算公式</a:t>
+                      </a:r>
+                      <a:r>
+                        <a:rPr lang="en-US" altLang="zh-TW" sz="1000" dirty="0"/>
+                        <a:t>()</a:t>
+                      </a:r>
+                      <a:br>
+                        <a:rPr lang="en-US" altLang="zh-TW" sz="1000" dirty="0"/>
+                      </a:br>
+                      <a:r>
+                        <a:rPr lang="zh-TW" altLang="en-US" sz="1000" dirty="0"/>
+                        <a:t>℃</a:t>
+                      </a:r>
+                      <a:r>
+                        <a:rPr lang="en-US" altLang="zh-TW" sz="1000" dirty="0"/>
+                        <a:t> = K-273.15</a:t>
+                      </a:r>
+                      <a:endParaRPr lang="zh-TW" altLang="en-US" sz="1000" dirty="0"/>
+                    </a:p>
+                  </a:txBody>
+                  <a:tcPr/>
+                </a:tc>
+                <a:tc>
+                  <a:txBody>
+                    <a:bodyPr/>
+                    <a:lstStyle/>
+                    <a:p>
+                      <a:r>
+                        <a:rPr lang="zh-TW" altLang="en-US" sz="1000" dirty="0"/>
+                        <a:t>視角轉換演算法</a:t>
+                      </a:r>
+                      <a:br>
+                        <a:rPr lang="en-US" altLang="zh-TW" sz="1000" dirty="0"/>
+                      </a:br>
+                      <a:r>
+                        <a:rPr lang="en-US" altLang="zh-TW" sz="1000" dirty="0"/>
+                        <a:t>1.</a:t>
+                      </a:r>
+                      <a:r>
+                        <a:rPr lang="zh-TW" altLang="en-US" sz="1000" dirty="0"/>
+                        <a:t>兩張圖各選</a:t>
+                      </a:r>
+                      <a:r>
+                        <a:rPr lang="en-US" altLang="zh-TW" sz="1000" dirty="0"/>
+                        <a:t>4</a:t>
+                      </a:r>
+                      <a:r>
+                        <a:rPr lang="zh-TW" altLang="en-US" sz="1000" dirty="0"/>
+                        <a:t>個對應的點，</a:t>
+                      </a:r>
+                      <a:br>
+                        <a:rPr lang="en-US" altLang="zh-TW" sz="1000" dirty="0"/>
+                      </a:br>
+                      <a:r>
+                        <a:rPr lang="en-US" altLang="zh-TW" sz="1000" dirty="0"/>
+                        <a:t>2.</a:t>
+                      </a:r>
+                      <a:r>
+                        <a:rPr lang="zh-TW" altLang="en-US" sz="1000" dirty="0"/>
+                        <a:t>可將第一張轉換視角到與第二張一致</a:t>
+                      </a:r>
+                      <a:br>
+                        <a:rPr lang="en-US" altLang="zh-TW" sz="1000" dirty="0"/>
+                      </a:br>
+                      <a:endParaRPr lang="en-US" altLang="zh-TW" sz="1000" dirty="0"/>
+                    </a:p>
+                    <a:p>
+                      <a:r>
+                        <a:rPr lang="en-US" altLang="zh-TW" sz="1000" dirty="0">
+                          <a:effectLst/>
+                        </a:rPr>
+                        <a:t>cv2.getPerspectiveTransform(pts1,pts2)</a:t>
+                      </a:r>
+                    </a:p>
+                    <a:p>
+                      <a:r>
+                        <a:rPr lang="en-US" altLang="zh-TW" sz="1000" dirty="0"/>
+                        <a:t>cv2.warpPerspective(</a:t>
+                      </a:r>
+                      <a:r>
+                        <a:rPr lang="en-US" altLang="zh-TW" sz="1000" dirty="0" err="1"/>
+                        <a:t>frame,M</a:t>
+                      </a:r>
+                      <a:r>
+                        <a:rPr lang="en-US" altLang="zh-TW" sz="1000" dirty="0"/>
+                        <a:t>,(640,480))</a:t>
+                      </a:r>
+                    </a:p>
+                  </a:txBody>
+                  <a:tcPr/>
+                </a:tc>
+                <a:extLst>
+                  <a:ext uri="{0D108BD9-81ED-4DB2-BD59-A6C34878D82A}">
+                    <a16:rowId xmlns:a16="http://schemas.microsoft.com/office/drawing/2014/main" val="1546736028"/>
+                  </a:ext>
+                </a:extLst>
+              </a:tr>
+              <a:tr h="946689">
+                <a:tc>
+                  <a:txBody>
+                    <a:bodyPr/>
+                    <a:lstStyle/>
+                    <a:p>
+                      <a:r>
+                        <a:rPr lang="zh-TW" altLang="en-US" sz="1800" dirty="0"/>
+                        <a:t>備註</a:t>
+                      </a:r>
+                      <a:r>
+                        <a:rPr lang="en-US" altLang="zh-TW" sz="1800" dirty="0"/>
+                        <a:t>/</a:t>
+                      </a:r>
+                      <a:r>
+                        <a:rPr lang="zh-TW" altLang="en-US" sz="1800" dirty="0"/>
+                        <a:t>參數</a:t>
+                      </a:r>
+                    </a:p>
+                  </a:txBody>
+                  <a:tcPr/>
+                </a:tc>
+                <a:tc>
+                  <a:txBody>
+                    <a:bodyPr/>
+                    <a:lstStyle/>
+                    <a:p>
+                      <a:r>
+                        <a:rPr lang="zh-TW" altLang="en-US" sz="1000" dirty="0"/>
+                        <a:t>根據</a:t>
+                      </a:r>
+                      <a:r>
+                        <a:rPr lang="en-US" altLang="zh-TW" sz="1000" dirty="0"/>
+                        <a:t>Datasheet</a:t>
+                      </a:r>
+                      <a:r>
+                        <a:rPr lang="zh-TW" altLang="en-US" sz="1000" dirty="0"/>
+                        <a:t>與</a:t>
+                      </a:r>
+                      <a:r>
+                        <a:rPr lang="en-US" altLang="zh-TW" sz="1000" dirty="0" err="1"/>
+                        <a:t>github</a:t>
+                      </a:r>
+                      <a:r>
+                        <a:rPr lang="zh-TW" altLang="en-US" sz="1000" dirty="0"/>
+                        <a:t>提供參考程式，輸入之絕對溫度解析度到小數點後兩位，故實際轉換公式為</a:t>
+                      </a:r>
+                      <a:br>
+                        <a:rPr lang="en-US" altLang="zh-TW" sz="1000" dirty="0"/>
+                      </a:br>
+                      <a:r>
+                        <a:rPr lang="zh-TW" altLang="en-US" sz="1000" dirty="0"/>
+                        <a:t>℃</a:t>
+                      </a:r>
+                      <a:r>
+                        <a:rPr lang="en-US" altLang="zh-TW" sz="1000" dirty="0"/>
+                        <a:t> = (InputValue-27315)/100</a:t>
+                      </a:r>
+                      <a:endParaRPr lang="zh-TW" altLang="en-US" sz="1000" dirty="0"/>
+                    </a:p>
+                  </a:txBody>
+                  <a:tcPr/>
+                </a:tc>
+                <a:tc>
+                  <a:txBody>
+                    <a:bodyPr/>
+                    <a:lstStyle/>
+                    <a:p>
+                      <a:r>
+                        <a:rPr lang="en-US" altLang="zh-TW" sz="1000" dirty="0"/>
+                        <a:t>1.</a:t>
+                      </a:r>
+                      <a:r>
+                        <a:rPr lang="zh-TW" altLang="en-US" sz="1000" dirty="0"/>
+                        <a:t>視角轉換的</a:t>
+                      </a:r>
+                      <a:r>
+                        <a:rPr lang="en-US" altLang="zh-TW" sz="1000" dirty="0"/>
+                        <a:t>4</a:t>
+                      </a:r>
+                      <a:r>
+                        <a:rPr lang="zh-TW" altLang="en-US" sz="1000" dirty="0"/>
+                        <a:t>個點</a:t>
+                      </a:r>
+                      <a:r>
+                        <a:rPr lang="en-US" altLang="zh-TW" sz="1000" dirty="0"/>
+                        <a:t>:</a:t>
+                      </a:r>
+                      <a:r>
+                        <a:rPr lang="zh-TW" altLang="en-US" sz="1000" dirty="0"/>
+                        <a:t>可以事先將兩個圖片重疊取得各</a:t>
+                      </a:r>
+                      <a:r>
+                        <a:rPr lang="en-US" altLang="zh-TW" sz="1000" dirty="0"/>
+                        <a:t>4</a:t>
+                      </a:r>
+                      <a:r>
+                        <a:rPr lang="zh-TW" altLang="en-US" sz="1000" dirty="0"/>
+                        <a:t>個對應的座標並記錄，後續可以改良為自動化協助取得</a:t>
+                      </a:r>
+                      <a:endParaRPr lang="en-US" altLang="zh-TW" sz="1000" dirty="0"/>
+                    </a:p>
+                    <a:p>
+                      <a:r>
+                        <a:rPr lang="en-US" altLang="zh-TW" sz="1000" dirty="0">
+                          <a:sym typeface="Wingdings" panose="05000000000000000000" pitchFamily="2" charset="2"/>
+                        </a:rPr>
+                        <a:t></a:t>
+                      </a:r>
+                      <a:r>
+                        <a:rPr lang="zh-TW" altLang="en-US" sz="1000" dirty="0">
+                          <a:sym typeface="Wingdings" panose="05000000000000000000" pitchFamily="2" charset="2"/>
+                        </a:rPr>
+                        <a:t>轉換對應坐標</a:t>
+                      </a:r>
+                      <a:endParaRPr lang="en-US" altLang="zh-TW" sz="1000" dirty="0"/>
+                    </a:p>
+                    <a:p>
+                      <a:endParaRPr lang="en-US" altLang="zh-TW" sz="1000" dirty="0"/>
+                    </a:p>
+                    <a:p>
+                      <a:r>
+                        <a:rPr lang="en-US" altLang="zh-TW" sz="1000" dirty="0"/>
+                        <a:t>2.</a:t>
+                      </a:r>
+                      <a:r>
+                        <a:rPr lang="zh-TW" altLang="en-US" sz="1000" dirty="0"/>
+                        <a:t>圖片轉換完後會有多餘部分補為</a:t>
+                      </a:r>
+                      <a:r>
+                        <a:rPr lang="en-US" altLang="zh-TW" sz="1000" dirty="0"/>
+                        <a:t>0</a:t>
+                      </a:r>
+                      <a:r>
+                        <a:rPr lang="zh-TW" altLang="en-US" sz="1000" dirty="0"/>
+                        <a:t>，為了後續判斷溫度圖需要將</a:t>
+                      </a:r>
+                      <a:r>
+                        <a:rPr lang="en-US" altLang="zh-TW" sz="1000" dirty="0"/>
+                        <a:t>0</a:t>
+                      </a:r>
+                      <a:r>
+                        <a:rPr lang="zh-TW" altLang="en-US" sz="1000" dirty="0"/>
+                        <a:t>的部分以原本整張圖的中間值溫度取代</a:t>
+                      </a:r>
+                      <a:br>
+                        <a:rPr lang="en-US" altLang="zh-TW" sz="1000" dirty="0"/>
+                      </a:br>
+                      <a:r>
+                        <a:rPr lang="en-US" altLang="zh-TW" sz="1000" dirty="0">
+                          <a:sym typeface="Wingdings" panose="05000000000000000000" pitchFamily="2" charset="2"/>
+                        </a:rPr>
+                        <a:t></a:t>
+                      </a:r>
+                      <a:r>
+                        <a:rPr lang="zh-TW" altLang="en-US" sz="1000" dirty="0">
+                          <a:sym typeface="Wingdings" panose="05000000000000000000" pitchFamily="2" charset="2"/>
+                        </a:rPr>
+                        <a:t>視角外的填充值</a:t>
+                      </a:r>
+                      <a:r>
+                        <a:rPr lang="en-US" altLang="zh-TW" sz="1000" dirty="0">
+                          <a:sym typeface="Wingdings" panose="05000000000000000000" pitchFamily="2" charset="2"/>
+                        </a:rPr>
+                        <a:t>=(</a:t>
+                      </a:r>
+                      <a:r>
+                        <a:rPr lang="en-US" altLang="zh-TW" sz="1000" dirty="0" err="1">
+                          <a:sym typeface="Wingdings" panose="05000000000000000000" pitchFamily="2" charset="2"/>
+                        </a:rPr>
+                        <a:t>Max+Min</a:t>
+                      </a:r>
+                      <a:r>
+                        <a:rPr lang="en-US" altLang="zh-TW" sz="1000" dirty="0">
+                          <a:sym typeface="Wingdings" panose="05000000000000000000" pitchFamily="2" charset="2"/>
+                        </a:rPr>
+                        <a:t>)/2</a:t>
+                      </a:r>
+                    </a:p>
+                    <a:p>
+                      <a:endParaRPr lang="en-US" altLang="zh-TW" sz="1000" dirty="0">
+                        <a:sym typeface="Wingdings" panose="05000000000000000000" pitchFamily="2" charset="2"/>
+                      </a:endParaRPr>
+                    </a:p>
+                    <a:p>
+                      <a:endParaRPr lang="en-US" altLang="zh-TW" sz="1000" dirty="0"/>
+                    </a:p>
+                  </a:txBody>
+                  <a:tcPr/>
+                </a:tc>
+                <a:extLst>
+                  <a:ext uri="{0D108BD9-81ED-4DB2-BD59-A6C34878D82A}">
+                    <a16:rowId xmlns:a16="http://schemas.microsoft.com/office/drawing/2014/main" val="2598516978"/>
+                  </a:ext>
+                </a:extLst>
+              </a:tr>
+            </a:tbl>
+          </a:graphicData>
+        </a:graphic>
+      </p:graphicFrame>
+      <p:pic>
+        <p:nvPicPr>
+          <p:cNvPr id="21" name="圖片 20">
+            <a:extLst>
+              <a:ext uri="{FF2B5EF4-FFF2-40B4-BE49-F238E27FC236}">
+                <a16:creationId xmlns:a16="http://schemas.microsoft.com/office/drawing/2014/main" id="{46D36000-367F-492E-810B-25CC4278F673}"/>
+              </a:ext>
+            </a:extLst>
+          </p:cNvPr>
+          <p:cNvPicPr>
+            <a:picLocks noChangeAspect="1"/>
+          </p:cNvPicPr>
+          <p:nvPr/>
+        </p:nvPicPr>
+        <p:blipFill>
+          <a:blip r:embed="rId3">
+            <a:extLst>
+              <a:ext uri="{28A0092B-C50C-407E-A947-70E740481C1C}">
+                <a14:useLocalDpi xmlns:a14="http://schemas.microsoft.com/office/drawing/2010/main" val="0"/>
+              </a:ext>
+            </a:extLst>
+          </a:blip>
+          <a:stretch>
+            <a:fillRect/>
+          </a:stretch>
+        </p:blipFill>
+        <p:spPr>
+          <a:xfrm>
+            <a:off x="0" y="1928284"/>
+            <a:ext cx="4911773" cy="1325563"/>
+          </a:xfrm>
+          <a:prstGeom prst="rect">
+            <a:avLst/>
+          </a:prstGeom>
+        </p:spPr>
+      </p:pic>
+      <p:pic>
+        <p:nvPicPr>
+          <p:cNvPr id="23" name="圖片 22">
+            <a:extLst>
+              <a:ext uri="{FF2B5EF4-FFF2-40B4-BE49-F238E27FC236}">
+                <a16:creationId xmlns:a16="http://schemas.microsoft.com/office/drawing/2014/main" id="{FB3992FA-541B-4E63-983B-36E9A0FAA3FC}"/>
+              </a:ext>
+            </a:extLst>
+          </p:cNvPr>
+          <p:cNvPicPr>
+            <a:picLocks noChangeAspect="1"/>
+          </p:cNvPicPr>
+          <p:nvPr/>
+        </p:nvPicPr>
+        <p:blipFill>
+          <a:blip r:embed="rId4">
+            <a:extLst>
+              <a:ext uri="{28A0092B-C50C-407E-A947-70E740481C1C}">
+                <a14:useLocalDpi xmlns:a14="http://schemas.microsoft.com/office/drawing/2010/main" val="0"/>
+              </a:ext>
+            </a:extLst>
+          </a:blip>
+          <a:stretch>
+            <a:fillRect/>
+          </a:stretch>
+        </p:blipFill>
+        <p:spPr>
+          <a:xfrm>
+            <a:off x="0" y="3635375"/>
+            <a:ext cx="4456163" cy="2124075"/>
+          </a:xfrm>
+          <a:prstGeom prst="rect">
+            <a:avLst/>
+          </a:prstGeom>
+        </p:spPr>
+      </p:pic>
+    </p:spTree>
+    <p:extLst>
+      <p:ext uri="{BB962C8B-B14F-4D97-AF65-F5344CB8AC3E}">
+        <p14:creationId xmlns:p14="http://schemas.microsoft.com/office/powerpoint/2010/main" val="556414445"/>
+      </p:ext>
+    </p:extLst>
+  </p:cSld>
+  <p:clrMapOvr>
+    <a:masterClrMapping/>
+  </p:clrMapOvr>
+</p:sld>
+</file>
+
+<file path=ppt/slides/slide8.xml><?xml version="1.0" encoding="utf-8"?>
+<p:sld xmlns:a="http://schemas.openxmlformats.org/drawingml/2006/main" xmlns:r="http://schemas.openxmlformats.org/officeDocument/2006/relationships" xmlns:p="http://schemas.openxmlformats.org/presentationml/2006/main">
+  <p:cSld>
+    <p:spTree>
+      <p:nvGrpSpPr>
+        <p:cNvPr id="1" name=""/>
+        <p:cNvGrpSpPr/>
+        <p:nvPr/>
+      </p:nvGrpSpPr>
+      <p:grpSpPr>
+        <a:xfrm>
+          <a:off x="0" y="0"/>
+          <a:ext cx="0" cy="0"/>
+          <a:chOff x="0" y="0"/>
+          <a:chExt cx="0" cy="0"/>
+        </a:xfrm>
+      </p:grpSpPr>
       <p:sp>
         <p:nvSpPr>
-          <p:cNvPr id="3" name="內容版面配置區 2">
+          <p:cNvPr id="2" name="標題 1">
             <a:extLst>
               <a:ext uri="{FF2B5EF4-FFF2-40B4-BE49-F238E27FC236}">
-                <a16:creationId xmlns:a16="http://schemas.microsoft.com/office/drawing/2014/main" id="{C7FC8B7F-EB15-4DFB-8889-C1152FB3BCB8}"/>
+                <a16:creationId xmlns:a16="http://schemas.microsoft.com/office/drawing/2014/main" id="{9E140A55-E8F7-4DAC-9800-2C1DFE1A1DCB}"/>
               </a:ext>
             </a:extLst>
           </p:cNvPr>
@@ -9314,7 +10982,7 @@
             <a:spLocks noGrp="1"/>
           </p:cNvSpPr>
           <p:nvPr>
-            <p:ph idx="1"/>
+            <p:ph type="title"/>
           </p:nvPr>
         </p:nvSpPr>
         <p:spPr/>
@@ -9324,45 +10992,1664 @@
           <a:p>
             <a:r>
               <a:rPr lang="zh-TW" altLang="en-US" dirty="0"/>
-              <a:t>熱感設備</a:t>
-            </a:r>
-            <a:br>
-              <a:rPr lang="en-US" altLang="zh-TW" dirty="0"/>
-            </a:br>
-            <a:r>
-              <a:rPr lang="en-US" altLang="zh-TW" dirty="0">
-                <a:hlinkClick r:id="rId2"/>
-              </a:rPr>
-              <a:t>https://www.raspberrypi.com.tw/24304/14654-flir-radiometric-lepton-dev-kit/</a:t>
-            </a:r>
-            <a:endParaRPr lang="en-US" altLang="zh-TW" dirty="0"/>
-          </a:p>
-          <a:p>
-            <a:r>
-              <a:rPr lang="en-US" altLang="zh-TW" dirty="0"/>
-              <a:t>RCNN</a:t>
-            </a:r>
-            <a:r>
-              <a:rPr lang="zh-TW" altLang="en-US" dirty="0"/>
-              <a:t>介紹</a:t>
-            </a:r>
-            <a:br>
-              <a:rPr lang="en-US" altLang="zh-TW" dirty="0"/>
-            </a:br>
-            <a:r>
-              <a:rPr lang="en-US" altLang="zh-TW" dirty="0">
-                <a:hlinkClick r:id="rId3"/>
-              </a:rPr>
-              <a:t>https://medium.com/cubo-ai/%E7%89%A9%E9%AB%94%E5%81%B5%E6%B8%AC-object-detection-740096ec4540</a:t>
-            </a:r>
-            <a:endParaRPr lang="zh-TW" altLang="en-US" dirty="0"/>
+              <a:t>設計</a:t>
+            </a:r>
           </a:p>
         </p:txBody>
       </p:sp>
+      <p:graphicFrame>
+        <p:nvGraphicFramePr>
+          <p:cNvPr id="16" name="表格 17">
+            <a:extLst>
+              <a:ext uri="{FF2B5EF4-FFF2-40B4-BE49-F238E27FC236}">
+                <a16:creationId xmlns:a16="http://schemas.microsoft.com/office/drawing/2014/main" id="{2A682C81-5B7C-4146-B45E-571FBAAC34B8}"/>
+              </a:ext>
+            </a:extLst>
+          </p:cNvPr>
+          <p:cNvGraphicFramePr>
+            <a:graphicFrameLocks noGrp="1"/>
+          </p:cNvGraphicFramePr>
+          <p:nvPr>
+            <p:extLst>
+              <p:ext uri="{D42A27DB-BD31-4B8C-83A1-F6EECF244321}">
+                <p14:modId xmlns:p14="http://schemas.microsoft.com/office/powerpoint/2010/main" val="898416915"/>
+              </p:ext>
+            </p:extLst>
+          </p:nvPr>
+        </p:nvGraphicFramePr>
+        <p:xfrm>
+          <a:off x="5046373" y="1928284"/>
+          <a:ext cx="6900333" cy="3831166"/>
+        </p:xfrm>
+        <a:graphic>
+          <a:graphicData uri="http://schemas.openxmlformats.org/drawingml/2006/table">
+            <a:tbl>
+              <a:tblPr firstRow="1" bandRow="1">
+                <a:tableStyleId>{5C22544A-7EE6-4342-B048-85BDC9FD1C3A}</a:tableStyleId>
+              </a:tblPr>
+              <a:tblGrid>
+                <a:gridCol w="819232">
+                  <a:extLst>
+                    <a:ext uri="{9D8B030D-6E8A-4147-A177-3AD203B41FA5}">
+                      <a16:colId xmlns:a16="http://schemas.microsoft.com/office/drawing/2014/main" val="2688816060"/>
+                    </a:ext>
+                  </a:extLst>
+                </a:gridCol>
+                <a:gridCol w="6081101">
+                  <a:extLst>
+                    <a:ext uri="{9D8B030D-6E8A-4147-A177-3AD203B41FA5}">
+                      <a16:colId xmlns:a16="http://schemas.microsoft.com/office/drawing/2014/main" val="927380752"/>
+                    </a:ext>
+                  </a:extLst>
+                </a:gridCol>
+              </a:tblGrid>
+              <a:tr h="581964">
+                <a:tc>
+                  <a:txBody>
+                    <a:bodyPr/>
+                    <a:lstStyle/>
+                    <a:p>
+                      <a:r>
+                        <a:rPr lang="zh-TW" altLang="en-US" sz="1800" dirty="0"/>
+                        <a:t>模組</a:t>
+                      </a:r>
+                    </a:p>
+                  </a:txBody>
+                  <a:tcPr/>
+                </a:tc>
+                <a:tc>
+                  <a:txBody>
+                    <a:bodyPr/>
+                    <a:lstStyle/>
+                    <a:p>
+                      <a:r>
+                        <a:rPr lang="en-US" altLang="zh-TW" sz="1800" dirty="0"/>
+                        <a:t>RCNN</a:t>
+                      </a:r>
+                      <a:endParaRPr lang="zh-TW" altLang="en-US" sz="1800" dirty="0"/>
+                    </a:p>
+                  </a:txBody>
+                  <a:tcPr/>
+                </a:tc>
+                <a:extLst>
+                  <a:ext uri="{0D108BD9-81ED-4DB2-BD59-A6C34878D82A}">
+                    <a16:rowId xmlns:a16="http://schemas.microsoft.com/office/drawing/2014/main" val="2382960480"/>
+                  </a:ext>
+                </a:extLst>
+              </a:tr>
+              <a:tr h="677912">
+                <a:tc>
+                  <a:txBody>
+                    <a:bodyPr/>
+                    <a:lstStyle/>
+                    <a:p>
+                      <a:r>
+                        <a:rPr lang="zh-TW" altLang="en-US" sz="1800" dirty="0"/>
+                        <a:t>輸入</a:t>
+                      </a:r>
+                    </a:p>
+                  </a:txBody>
+                  <a:tcPr/>
+                </a:tc>
+                <a:tc>
+                  <a:txBody>
+                    <a:bodyPr/>
+                    <a:lstStyle/>
+                    <a:p>
+                      <a:r>
+                        <a:rPr lang="zh-TW" altLang="en-US" sz="1200" dirty="0">
+                          <a:solidFill>
+                            <a:schemeClr val="tx1"/>
+                          </a:solidFill>
+                        </a:rPr>
+                        <a:t>室內影像</a:t>
+                      </a:r>
+                      <a:r>
+                        <a:rPr lang="en-US" altLang="zh-TW" sz="1200" dirty="0">
+                          <a:solidFill>
+                            <a:schemeClr val="tx1"/>
+                          </a:solidFill>
+                        </a:rPr>
+                        <a:t>:</a:t>
+                      </a:r>
+                      <a:r>
+                        <a:rPr lang="it-IT" altLang="zh-TW" sz="1200" dirty="0">
+                          <a:solidFill>
+                            <a:schemeClr val="tx1"/>
+                          </a:solidFill>
+                        </a:rPr>
+                        <a:t>(</a:t>
+                      </a:r>
+                      <a:r>
+                        <a:rPr lang="en-US" altLang="zh-TW" sz="1200" dirty="0">
+                          <a:solidFill>
+                            <a:schemeClr val="tx1"/>
+                          </a:solidFill>
+                        </a:rPr>
+                        <a:t>640</a:t>
+                      </a:r>
+                      <a:r>
+                        <a:rPr lang="it-IT" altLang="zh-TW" sz="1200" dirty="0">
+                          <a:solidFill>
+                            <a:schemeClr val="tx1"/>
+                          </a:solidFill>
+                        </a:rPr>
+                        <a:t> x </a:t>
+                      </a:r>
+                      <a:r>
+                        <a:rPr lang="en-US" altLang="zh-TW" sz="1200" dirty="0">
+                          <a:solidFill>
+                            <a:schemeClr val="tx1"/>
+                          </a:solidFill>
+                        </a:rPr>
+                        <a:t>48</a:t>
+                      </a:r>
+                      <a:r>
+                        <a:rPr lang="it-IT" altLang="zh-TW" sz="1200" dirty="0">
+                          <a:solidFill>
+                            <a:schemeClr val="tx1"/>
+                          </a:solidFill>
+                        </a:rPr>
+                        <a:t>0</a:t>
+                      </a:r>
+                      <a:r>
+                        <a:rPr lang="zh-TW" altLang="en-US" sz="1200" dirty="0">
+                          <a:solidFill>
+                            <a:schemeClr val="tx1"/>
+                          </a:solidFill>
+                        </a:rPr>
+                        <a:t>，</a:t>
+                      </a:r>
+                      <a:r>
+                        <a:rPr lang="en-US" altLang="zh-TW" sz="1200" dirty="0">
+                          <a:solidFill>
+                            <a:schemeClr val="tx1"/>
+                          </a:solidFill>
+                        </a:rPr>
+                        <a:t>3ch)</a:t>
+                      </a:r>
+                    </a:p>
+                  </a:txBody>
+                  <a:tcPr/>
+                </a:tc>
+                <a:extLst>
+                  <a:ext uri="{0D108BD9-81ED-4DB2-BD59-A6C34878D82A}">
+                    <a16:rowId xmlns:a16="http://schemas.microsoft.com/office/drawing/2014/main" val="247561736"/>
+                  </a:ext>
+                </a:extLst>
+              </a:tr>
+              <a:tr h="677912">
+                <a:tc>
+                  <a:txBody>
+                    <a:bodyPr/>
+                    <a:lstStyle/>
+                    <a:p>
+                      <a:r>
+                        <a:rPr lang="zh-TW" altLang="en-US" sz="1800" dirty="0"/>
+                        <a:t>輸出</a:t>
+                      </a:r>
+                    </a:p>
+                  </a:txBody>
+                  <a:tcPr/>
+                </a:tc>
+                <a:tc>
+                  <a:txBody>
+                    <a:bodyPr/>
+                    <a:lstStyle/>
+                    <a:p>
+                      <a:pPr marL="0" marR="0" lvl="0" indent="0" algn="l" defTabSz="914400" rtl="0" eaLnBrk="1" fontAlgn="auto" latinLnBrk="0" hangingPunct="1">
+                        <a:lnSpc>
+                          <a:spcPct val="100000"/>
+                        </a:lnSpc>
+                        <a:spcBef>
+                          <a:spcPts val="0"/>
+                        </a:spcBef>
+                        <a:spcAft>
+                          <a:spcPts val="0"/>
+                        </a:spcAft>
+                        <a:buClrTx/>
+                        <a:buSzTx/>
+                        <a:buFontTx/>
+                        <a:buNone/>
+                        <a:tabLst/>
+                        <a:defRPr/>
+                      </a:pPr>
+                      <a:r>
+                        <a:rPr lang="zh-TW" altLang="en-US" sz="1200" dirty="0">
+                          <a:solidFill>
+                            <a:schemeClr val="tx1"/>
+                          </a:solidFill>
+                        </a:rPr>
+                        <a:t>每個人的位置</a:t>
+                      </a:r>
+                      <a:r>
+                        <a:rPr lang="en-US" altLang="zh-TW" sz="1200" dirty="0">
+                          <a:solidFill>
+                            <a:schemeClr val="tx1"/>
+                          </a:solidFill>
+                        </a:rPr>
+                        <a:t>(2</a:t>
+                      </a:r>
+                      <a:r>
+                        <a:rPr lang="zh-TW" altLang="en-US" sz="1200" dirty="0">
+                          <a:solidFill>
+                            <a:schemeClr val="tx1"/>
+                          </a:solidFill>
+                        </a:rPr>
+                        <a:t>維陣列 </a:t>
+                      </a:r>
+                      <a:r>
+                        <a:rPr lang="en-US" altLang="zh-TW" sz="1200" dirty="0">
+                          <a:solidFill>
+                            <a:schemeClr val="tx1"/>
+                          </a:solidFill>
+                        </a:rPr>
+                        <a:t>[N</a:t>
+                      </a:r>
+                      <a:r>
+                        <a:rPr lang="zh-TW" altLang="en-US" sz="1200" dirty="0">
+                          <a:solidFill>
+                            <a:schemeClr val="tx1"/>
+                          </a:solidFill>
+                        </a:rPr>
+                        <a:t>*</a:t>
+                      </a:r>
+                      <a:r>
+                        <a:rPr lang="en-US" altLang="zh-TW" sz="1200" dirty="0">
+                          <a:solidFill>
+                            <a:schemeClr val="tx1"/>
+                          </a:solidFill>
+                        </a:rPr>
+                        <a:t>3]):</a:t>
+                      </a:r>
+                      <a:r>
+                        <a:rPr lang="zh-TW" altLang="en-US" sz="1200" dirty="0">
+                          <a:solidFill>
+                            <a:schemeClr val="tx1"/>
+                          </a:solidFill>
+                        </a:rPr>
+                        <a:t> </a:t>
+                      </a:r>
+                      <a:r>
+                        <a:rPr lang="en-US" altLang="zh-TW" sz="1200" dirty="0">
+                          <a:solidFill>
+                            <a:schemeClr val="tx1"/>
+                          </a:solidFill>
+                        </a:rPr>
+                        <a:t>N</a:t>
+                      </a:r>
+                      <a:r>
+                        <a:rPr lang="zh-TW" altLang="en-US" sz="1200" dirty="0">
+                          <a:solidFill>
+                            <a:schemeClr val="tx1"/>
+                          </a:solidFill>
+                        </a:rPr>
+                        <a:t>此次判斷人數，由左上與右下坐標框出人</a:t>
+                      </a:r>
+                      <a:r>
+                        <a:rPr lang="en-US" altLang="zh-TW" sz="1200" dirty="0">
+                          <a:solidFill>
+                            <a:schemeClr val="tx1"/>
+                          </a:solidFill>
+                        </a:rPr>
+                        <a:t>(</a:t>
+                      </a:r>
+                      <a:r>
+                        <a:rPr lang="zh-TW" altLang="en-US" sz="1200" dirty="0">
+                          <a:solidFill>
+                            <a:schemeClr val="tx1"/>
+                          </a:solidFill>
+                        </a:rPr>
+                        <a:t>長方形</a:t>
+                      </a:r>
+                      <a:r>
+                        <a:rPr lang="en-US" altLang="zh-TW" sz="1200" dirty="0">
+                          <a:solidFill>
+                            <a:schemeClr val="tx1"/>
+                          </a:solidFill>
+                        </a:rPr>
+                        <a:t>)</a:t>
+                      </a:r>
+                      <a:br>
+                        <a:rPr lang="en-US" altLang="zh-TW" sz="1200" dirty="0">
+                          <a:solidFill>
+                            <a:schemeClr val="tx1"/>
+                          </a:solidFill>
+                        </a:rPr>
+                      </a:br>
+                      <a:r>
+                        <a:rPr lang="en-US" altLang="zh-TW" sz="1200" dirty="0">
+                          <a:solidFill>
+                            <a:schemeClr val="tx1"/>
+                          </a:solidFill>
+                        </a:rPr>
+                        <a:t>[ [</a:t>
+                      </a:r>
+                      <a:r>
+                        <a:rPr lang="zh-TW" altLang="en-US" sz="1200" dirty="0">
+                          <a:solidFill>
+                            <a:schemeClr val="tx1"/>
+                          </a:solidFill>
+                        </a:rPr>
+                        <a:t>編號</a:t>
+                      </a:r>
+                      <a:r>
+                        <a:rPr lang="en-US" altLang="zh-TW" sz="1200" dirty="0">
+                          <a:solidFill>
+                            <a:schemeClr val="tx1"/>
+                          </a:solidFill>
+                        </a:rPr>
+                        <a:t>0, </a:t>
+                      </a:r>
+                      <a:r>
+                        <a:rPr lang="zh-TW" altLang="en-US" sz="1200" dirty="0">
+                          <a:solidFill>
+                            <a:schemeClr val="tx1"/>
+                          </a:solidFill>
+                        </a:rPr>
+                        <a:t>左上坐標</a:t>
+                      </a:r>
+                      <a:r>
+                        <a:rPr lang="en-US" altLang="zh-TW" sz="1200" dirty="0">
+                          <a:solidFill>
+                            <a:schemeClr val="tx1"/>
+                          </a:solidFill>
+                        </a:rPr>
+                        <a:t>, </a:t>
+                      </a:r>
+                      <a:r>
+                        <a:rPr lang="zh-TW" altLang="en-US" sz="1200" dirty="0">
+                          <a:solidFill>
+                            <a:schemeClr val="tx1"/>
+                          </a:solidFill>
+                        </a:rPr>
+                        <a:t>右下坐標</a:t>
+                      </a:r>
+                      <a:r>
+                        <a:rPr lang="en-US" altLang="zh-TW" sz="1200" dirty="0">
+                          <a:solidFill>
+                            <a:schemeClr val="tx1"/>
+                          </a:solidFill>
+                        </a:rPr>
+                        <a:t>], [</a:t>
+                      </a:r>
+                      <a:r>
+                        <a:rPr lang="zh-TW" altLang="en-US" sz="1200" dirty="0">
+                          <a:solidFill>
+                            <a:schemeClr val="tx1"/>
+                          </a:solidFill>
+                        </a:rPr>
+                        <a:t>編號</a:t>
+                      </a:r>
+                      <a:r>
+                        <a:rPr lang="en-US" altLang="zh-TW" sz="1200" dirty="0">
+                          <a:solidFill>
+                            <a:schemeClr val="tx1"/>
+                          </a:solidFill>
+                        </a:rPr>
+                        <a:t>1, </a:t>
+                      </a:r>
+                      <a:r>
+                        <a:rPr lang="zh-TW" altLang="en-US" sz="1200" dirty="0">
+                          <a:solidFill>
+                            <a:schemeClr val="tx1"/>
+                          </a:solidFill>
+                        </a:rPr>
+                        <a:t>左上坐標</a:t>
+                      </a:r>
+                      <a:r>
+                        <a:rPr lang="en-US" altLang="zh-TW" sz="1200" dirty="0">
+                          <a:solidFill>
+                            <a:schemeClr val="tx1"/>
+                          </a:solidFill>
+                        </a:rPr>
+                        <a:t>, </a:t>
+                      </a:r>
+                      <a:r>
+                        <a:rPr lang="zh-TW" altLang="en-US" sz="1200" dirty="0">
+                          <a:solidFill>
+                            <a:schemeClr val="tx1"/>
+                          </a:solidFill>
+                        </a:rPr>
+                        <a:t>右下坐標</a:t>
+                      </a:r>
+                      <a:r>
+                        <a:rPr lang="en-US" altLang="zh-TW" sz="1200" dirty="0">
+                          <a:solidFill>
+                            <a:schemeClr val="tx1"/>
+                          </a:solidFill>
+                        </a:rPr>
+                        <a:t>],….]</a:t>
+                      </a:r>
+                      <a:endParaRPr lang="zh-TW" altLang="en-US" sz="1200" dirty="0">
+                        <a:solidFill>
+                          <a:schemeClr val="tx1"/>
+                        </a:solidFill>
+                      </a:endParaRPr>
+                    </a:p>
+                  </a:txBody>
+                  <a:tcPr/>
+                </a:tc>
+                <a:extLst>
+                  <a:ext uri="{0D108BD9-81ED-4DB2-BD59-A6C34878D82A}">
+                    <a16:rowId xmlns:a16="http://schemas.microsoft.com/office/drawing/2014/main" val="3127279990"/>
+                  </a:ext>
+                </a:extLst>
+              </a:tr>
+              <a:tr h="946689">
+                <a:tc>
+                  <a:txBody>
+                    <a:bodyPr/>
+                    <a:lstStyle/>
+                    <a:p>
+                      <a:r>
+                        <a:rPr lang="zh-TW" altLang="en-US" sz="1800" dirty="0"/>
+                        <a:t>方法</a:t>
+                      </a:r>
+                    </a:p>
+                  </a:txBody>
+                  <a:tcPr/>
+                </a:tc>
+                <a:tc>
+                  <a:txBody>
+                    <a:bodyPr/>
+                    <a:lstStyle/>
+                    <a:p>
+                      <a:r>
+                        <a:rPr lang="en-US" altLang="zh-TW" sz="1200" dirty="0"/>
+                        <a:t>RCNN</a:t>
+                      </a:r>
+                      <a:r>
+                        <a:rPr lang="zh-TW" altLang="en-US" sz="1200" dirty="0"/>
+                        <a:t>演算法</a:t>
+                      </a:r>
+                      <a:r>
+                        <a:rPr lang="en-US" altLang="zh-TW" sz="1200" dirty="0"/>
+                        <a:t>:</a:t>
+                      </a:r>
+                      <a:r>
+                        <a:rPr lang="zh-TW" altLang="en-US" sz="1200" dirty="0"/>
+                        <a:t>由</a:t>
+                      </a:r>
+                      <a:r>
+                        <a:rPr lang="en-US" altLang="zh-TW" sz="1200" dirty="0" err="1"/>
+                        <a:t>github</a:t>
+                      </a:r>
+                      <a:r>
+                        <a:rPr lang="zh-TW" altLang="en-US" sz="1200" dirty="0"/>
+                        <a:t>範例修改</a:t>
+                      </a:r>
+                    </a:p>
+                  </a:txBody>
+                  <a:tcPr/>
+                </a:tc>
+                <a:extLst>
+                  <a:ext uri="{0D108BD9-81ED-4DB2-BD59-A6C34878D82A}">
+                    <a16:rowId xmlns:a16="http://schemas.microsoft.com/office/drawing/2014/main" val="1546736028"/>
+                  </a:ext>
+                </a:extLst>
+              </a:tr>
+              <a:tr h="946689">
+                <a:tc>
+                  <a:txBody>
+                    <a:bodyPr/>
+                    <a:lstStyle/>
+                    <a:p>
+                      <a:r>
+                        <a:rPr lang="zh-TW" altLang="en-US" sz="1800" dirty="0"/>
+                        <a:t>備註</a:t>
+                      </a:r>
+                      <a:r>
+                        <a:rPr lang="en-US" altLang="zh-TW" sz="1800" dirty="0"/>
+                        <a:t>/</a:t>
+                      </a:r>
+                      <a:r>
+                        <a:rPr lang="zh-TW" altLang="en-US" sz="1800" dirty="0"/>
+                        <a:t>參數</a:t>
+                      </a:r>
+                    </a:p>
+                  </a:txBody>
+                  <a:tcPr/>
+                </a:tc>
+                <a:tc>
+                  <a:txBody>
+                    <a:bodyPr/>
+                    <a:lstStyle/>
+                    <a:p>
+                      <a:endParaRPr lang="zh-TW" altLang="en-US" sz="1000" dirty="0"/>
+                    </a:p>
+                  </a:txBody>
+                  <a:tcPr/>
+                </a:tc>
+                <a:extLst>
+                  <a:ext uri="{0D108BD9-81ED-4DB2-BD59-A6C34878D82A}">
+                    <a16:rowId xmlns:a16="http://schemas.microsoft.com/office/drawing/2014/main" val="2598516978"/>
+                  </a:ext>
+                </a:extLst>
+              </a:tr>
+            </a:tbl>
+          </a:graphicData>
+        </a:graphic>
+      </p:graphicFrame>
+      <p:pic>
+        <p:nvPicPr>
+          <p:cNvPr id="21" name="圖片 20">
+            <a:extLst>
+              <a:ext uri="{FF2B5EF4-FFF2-40B4-BE49-F238E27FC236}">
+                <a16:creationId xmlns:a16="http://schemas.microsoft.com/office/drawing/2014/main" id="{46D36000-367F-492E-810B-25CC4278F673}"/>
+              </a:ext>
+            </a:extLst>
+          </p:cNvPr>
+          <p:cNvPicPr>
+            <a:picLocks noChangeAspect="1"/>
+          </p:cNvPicPr>
+          <p:nvPr/>
+        </p:nvPicPr>
+        <p:blipFill>
+          <a:blip r:embed="rId3">
+            <a:extLst>
+              <a:ext uri="{28A0092B-C50C-407E-A947-70E740481C1C}">
+                <a14:useLocalDpi xmlns:a14="http://schemas.microsoft.com/office/drawing/2010/main" val="0"/>
+              </a:ext>
+            </a:extLst>
+          </a:blip>
+          <a:srcRect/>
+          <a:stretch/>
+        </p:blipFill>
+        <p:spPr>
+          <a:xfrm>
+            <a:off x="0" y="1928284"/>
+            <a:ext cx="4911773" cy="1325562"/>
+          </a:xfrm>
+          <a:prstGeom prst="rect">
+            <a:avLst/>
+          </a:prstGeom>
+        </p:spPr>
+      </p:pic>
+      <p:pic>
+        <p:nvPicPr>
+          <p:cNvPr id="23" name="圖片 22">
+            <a:extLst>
+              <a:ext uri="{FF2B5EF4-FFF2-40B4-BE49-F238E27FC236}">
+                <a16:creationId xmlns:a16="http://schemas.microsoft.com/office/drawing/2014/main" id="{FB3992FA-541B-4E63-983B-36E9A0FAA3FC}"/>
+              </a:ext>
+            </a:extLst>
+          </p:cNvPr>
+          <p:cNvPicPr>
+            <a:picLocks noChangeAspect="1"/>
+          </p:cNvPicPr>
+          <p:nvPr/>
+        </p:nvPicPr>
+        <p:blipFill>
+          <a:blip r:embed="rId4">
+            <a:extLst>
+              <a:ext uri="{28A0092B-C50C-407E-A947-70E740481C1C}">
+                <a14:useLocalDpi xmlns:a14="http://schemas.microsoft.com/office/drawing/2010/main" val="0"/>
+              </a:ext>
+            </a:extLst>
+          </a:blip>
+          <a:srcRect/>
+          <a:stretch/>
+        </p:blipFill>
+        <p:spPr>
+          <a:xfrm>
+            <a:off x="0" y="3635375"/>
+            <a:ext cx="4456163" cy="2124074"/>
+          </a:xfrm>
+          <a:prstGeom prst="rect">
+            <a:avLst/>
+          </a:prstGeom>
+        </p:spPr>
+      </p:pic>
     </p:spTree>
     <p:extLst>
       <p:ext uri="{BB962C8B-B14F-4D97-AF65-F5344CB8AC3E}">
-        <p14:creationId xmlns:p14="http://schemas.microsoft.com/office/powerpoint/2010/main" val="359186345"/>
+        <p14:creationId xmlns:p14="http://schemas.microsoft.com/office/powerpoint/2010/main" val="3722726509"/>
+      </p:ext>
+    </p:extLst>
+  </p:cSld>
+  <p:clrMapOvr>
+    <a:masterClrMapping/>
+  </p:clrMapOvr>
+</p:sld>
+</file>
+
+<file path=ppt/slides/slide9.xml><?xml version="1.0" encoding="utf-8"?>
+<p:sld xmlns:a="http://schemas.openxmlformats.org/drawingml/2006/main" xmlns:r="http://schemas.openxmlformats.org/officeDocument/2006/relationships" xmlns:p="http://schemas.openxmlformats.org/presentationml/2006/main">
+  <p:cSld>
+    <p:spTree>
+      <p:nvGrpSpPr>
+        <p:cNvPr id="1" name=""/>
+        <p:cNvGrpSpPr/>
+        <p:nvPr/>
+      </p:nvGrpSpPr>
+      <p:grpSpPr>
+        <a:xfrm>
+          <a:off x="0" y="0"/>
+          <a:ext cx="0" cy="0"/>
+          <a:chOff x="0" y="0"/>
+          <a:chExt cx="0" cy="0"/>
+        </a:xfrm>
+      </p:grpSpPr>
+      <p:sp>
+        <p:nvSpPr>
+          <p:cNvPr id="2" name="標題 1">
+            <a:extLst>
+              <a:ext uri="{FF2B5EF4-FFF2-40B4-BE49-F238E27FC236}">
+                <a16:creationId xmlns:a16="http://schemas.microsoft.com/office/drawing/2014/main" id="{9E140A55-E8F7-4DAC-9800-2C1DFE1A1DCB}"/>
+              </a:ext>
+            </a:extLst>
+          </p:cNvPr>
+          <p:cNvSpPr>
+            <a:spLocks noGrp="1"/>
+          </p:cNvSpPr>
+          <p:nvPr>
+            <p:ph type="title"/>
+          </p:nvPr>
+        </p:nvSpPr>
+        <p:spPr/>
+        <p:txBody>
+          <a:bodyPr/>
+          <a:lstStyle/>
+          <a:p>
+            <a:r>
+              <a:rPr lang="zh-TW" altLang="en-US" dirty="0"/>
+              <a:t>設計</a:t>
+            </a:r>
+          </a:p>
+        </p:txBody>
+      </p:sp>
+      <p:pic>
+        <p:nvPicPr>
+          <p:cNvPr id="21" name="圖片 20">
+            <a:extLst>
+              <a:ext uri="{FF2B5EF4-FFF2-40B4-BE49-F238E27FC236}">
+                <a16:creationId xmlns:a16="http://schemas.microsoft.com/office/drawing/2014/main" id="{46D36000-367F-492E-810B-25CC4278F673}"/>
+              </a:ext>
+            </a:extLst>
+          </p:cNvPr>
+          <p:cNvPicPr>
+            <a:picLocks noChangeAspect="1"/>
+          </p:cNvPicPr>
+          <p:nvPr/>
+        </p:nvPicPr>
+        <p:blipFill>
+          <a:blip r:embed="rId3">
+            <a:extLst>
+              <a:ext uri="{28A0092B-C50C-407E-A947-70E740481C1C}">
+                <a14:useLocalDpi xmlns:a14="http://schemas.microsoft.com/office/drawing/2010/main" val="0"/>
+              </a:ext>
+            </a:extLst>
+          </a:blip>
+          <a:srcRect/>
+          <a:stretch/>
+        </p:blipFill>
+        <p:spPr>
+          <a:xfrm>
+            <a:off x="0" y="1928284"/>
+            <a:ext cx="4911773" cy="1325562"/>
+          </a:xfrm>
+          <a:prstGeom prst="rect">
+            <a:avLst/>
+          </a:prstGeom>
+        </p:spPr>
+      </p:pic>
+      <p:pic>
+        <p:nvPicPr>
+          <p:cNvPr id="23" name="圖片 22">
+            <a:extLst>
+              <a:ext uri="{FF2B5EF4-FFF2-40B4-BE49-F238E27FC236}">
+                <a16:creationId xmlns:a16="http://schemas.microsoft.com/office/drawing/2014/main" id="{FB3992FA-541B-4E63-983B-36E9A0FAA3FC}"/>
+              </a:ext>
+            </a:extLst>
+          </p:cNvPr>
+          <p:cNvPicPr>
+            <a:picLocks noChangeAspect="1"/>
+          </p:cNvPicPr>
+          <p:nvPr/>
+        </p:nvPicPr>
+        <p:blipFill>
+          <a:blip r:embed="rId4">
+            <a:extLst>
+              <a:ext uri="{28A0092B-C50C-407E-A947-70E740481C1C}">
+                <a14:useLocalDpi xmlns:a14="http://schemas.microsoft.com/office/drawing/2010/main" val="0"/>
+              </a:ext>
+            </a:extLst>
+          </a:blip>
+          <a:srcRect/>
+          <a:stretch/>
+        </p:blipFill>
+        <p:spPr>
+          <a:xfrm>
+            <a:off x="0" y="3635375"/>
+            <a:ext cx="4456163" cy="2124074"/>
+          </a:xfrm>
+          <a:prstGeom prst="rect">
+            <a:avLst/>
+          </a:prstGeom>
+        </p:spPr>
+      </p:pic>
+      <p:graphicFrame>
+        <p:nvGraphicFramePr>
+          <p:cNvPr id="7" name="表格 17">
+            <a:extLst>
+              <a:ext uri="{FF2B5EF4-FFF2-40B4-BE49-F238E27FC236}">
+                <a16:creationId xmlns:a16="http://schemas.microsoft.com/office/drawing/2014/main" id="{E031E5B7-7417-4F3E-9AA9-2776343CD15D}"/>
+              </a:ext>
+            </a:extLst>
+          </p:cNvPr>
+          <p:cNvGraphicFramePr>
+            <a:graphicFrameLocks noGrp="1"/>
+          </p:cNvGraphicFramePr>
+          <p:nvPr>
+            <p:extLst>
+              <p:ext uri="{D42A27DB-BD31-4B8C-83A1-F6EECF244321}">
+                <p14:modId xmlns:p14="http://schemas.microsoft.com/office/powerpoint/2010/main" val="3947786701"/>
+              </p:ext>
+            </p:extLst>
+          </p:nvPr>
+        </p:nvGraphicFramePr>
+        <p:xfrm>
+          <a:off x="5046373" y="1928284"/>
+          <a:ext cx="6900333" cy="4121262"/>
+        </p:xfrm>
+        <a:graphic>
+          <a:graphicData uri="http://schemas.openxmlformats.org/drawingml/2006/table">
+            <a:tbl>
+              <a:tblPr firstRow="1" bandRow="1">
+                <a:tableStyleId>{5C22544A-7EE6-4342-B048-85BDC9FD1C3A}</a:tableStyleId>
+              </a:tblPr>
+              <a:tblGrid>
+                <a:gridCol w="819232">
+                  <a:extLst>
+                    <a:ext uri="{9D8B030D-6E8A-4147-A177-3AD203B41FA5}">
+                      <a16:colId xmlns:a16="http://schemas.microsoft.com/office/drawing/2014/main" val="2688816060"/>
+                    </a:ext>
+                  </a:extLst>
+                </a:gridCol>
+                <a:gridCol w="6081101">
+                  <a:extLst>
+                    <a:ext uri="{9D8B030D-6E8A-4147-A177-3AD203B41FA5}">
+                      <a16:colId xmlns:a16="http://schemas.microsoft.com/office/drawing/2014/main" val="927380752"/>
+                    </a:ext>
+                  </a:extLst>
+                </a:gridCol>
+              </a:tblGrid>
+              <a:tr h="581964">
+                <a:tc>
+                  <a:txBody>
+                    <a:bodyPr/>
+                    <a:lstStyle/>
+                    <a:p>
+                      <a:r>
+                        <a:rPr lang="zh-TW" altLang="en-US" sz="1800" dirty="0"/>
+                        <a:t>模組</a:t>
+                      </a:r>
+                    </a:p>
+                  </a:txBody>
+                  <a:tcPr/>
+                </a:tc>
+                <a:tc>
+                  <a:txBody>
+                    <a:bodyPr/>
+                    <a:lstStyle/>
+                    <a:p>
+                      <a:r>
+                        <a:rPr lang="zh-TW" altLang="en-US" sz="1800" dirty="0"/>
+                        <a:t>判斷溫度</a:t>
+                      </a:r>
+                    </a:p>
+                  </a:txBody>
+                  <a:tcPr/>
+                </a:tc>
+                <a:extLst>
+                  <a:ext uri="{0D108BD9-81ED-4DB2-BD59-A6C34878D82A}">
+                    <a16:rowId xmlns:a16="http://schemas.microsoft.com/office/drawing/2014/main" val="2382960480"/>
+                  </a:ext>
+                </a:extLst>
+              </a:tr>
+              <a:tr h="677912">
+                <a:tc>
+                  <a:txBody>
+                    <a:bodyPr/>
+                    <a:lstStyle/>
+                    <a:p>
+                      <a:r>
+                        <a:rPr lang="zh-TW" altLang="en-US" sz="1800" dirty="0"/>
+                        <a:t>輸入</a:t>
+                      </a:r>
+                    </a:p>
+                  </a:txBody>
+                  <a:tcPr/>
+                </a:tc>
+                <a:tc>
+                  <a:txBody>
+                    <a:bodyPr/>
+                    <a:lstStyle/>
+                    <a:p>
+                      <a:r>
+                        <a:rPr lang="en-US" altLang="zh-TW" sz="1200" dirty="0">
+                          <a:solidFill>
+                            <a:schemeClr val="tx1"/>
+                          </a:solidFill>
+                        </a:rPr>
+                        <a:t>1.</a:t>
+                      </a:r>
+                      <a:r>
+                        <a:rPr lang="zh-TW" altLang="en-US" sz="1200" dirty="0">
+                          <a:solidFill>
+                            <a:schemeClr val="tx1"/>
+                          </a:solidFill>
+                        </a:rPr>
+                        <a:t>溫度</a:t>
+                      </a:r>
+                      <a:r>
+                        <a:rPr lang="en-US" altLang="zh-TW" sz="1200" dirty="0">
+                          <a:solidFill>
+                            <a:schemeClr val="tx1"/>
+                          </a:solidFill>
+                        </a:rPr>
+                        <a:t>(640</a:t>
+                      </a:r>
+                      <a:r>
+                        <a:rPr lang="zh-TW" altLang="en-US" sz="1200" dirty="0">
+                          <a:solidFill>
+                            <a:schemeClr val="tx1"/>
+                          </a:solidFill>
+                        </a:rPr>
+                        <a:t>*</a:t>
+                      </a:r>
+                      <a:r>
+                        <a:rPr lang="en-US" altLang="zh-TW" sz="1200" dirty="0">
+                          <a:solidFill>
+                            <a:schemeClr val="tx1"/>
+                          </a:solidFill>
+                        </a:rPr>
+                        <a:t>480,1ch)</a:t>
+                      </a:r>
+                    </a:p>
+                    <a:p>
+                      <a:r>
+                        <a:rPr lang="en-US" altLang="zh-TW" sz="1200" dirty="0">
+                          <a:solidFill>
+                            <a:schemeClr val="tx1"/>
+                          </a:solidFill>
+                        </a:rPr>
+                        <a:t>2.</a:t>
+                      </a:r>
+                      <a:r>
+                        <a:rPr lang="zh-TW" altLang="en-US" sz="1200" dirty="0">
+                          <a:solidFill>
+                            <a:schemeClr val="tx1"/>
+                          </a:solidFill>
+                        </a:rPr>
+                        <a:t>一般影像</a:t>
+                      </a:r>
+                      <a:r>
+                        <a:rPr lang="en-US" altLang="zh-TW" sz="1200" dirty="0">
+                          <a:solidFill>
+                            <a:schemeClr val="tx1"/>
+                          </a:solidFill>
+                        </a:rPr>
+                        <a:t>(640</a:t>
+                      </a:r>
+                      <a:r>
+                        <a:rPr lang="zh-TW" altLang="en-US" sz="1200" dirty="0">
+                          <a:solidFill>
+                            <a:schemeClr val="tx1"/>
+                          </a:solidFill>
+                        </a:rPr>
+                        <a:t>*</a:t>
+                      </a:r>
+                      <a:r>
+                        <a:rPr lang="en-US" altLang="zh-TW" sz="1200" dirty="0">
+                          <a:solidFill>
+                            <a:schemeClr val="tx1"/>
+                          </a:solidFill>
+                        </a:rPr>
+                        <a:t>480,3ch)</a:t>
+                      </a:r>
+                    </a:p>
+                    <a:p>
+                      <a:pPr marL="0" marR="0" lvl="0" indent="0" algn="l" defTabSz="914400" rtl="0" eaLnBrk="1" fontAlgn="auto" latinLnBrk="0" hangingPunct="1">
+                        <a:lnSpc>
+                          <a:spcPct val="100000"/>
+                        </a:lnSpc>
+                        <a:spcBef>
+                          <a:spcPts val="0"/>
+                        </a:spcBef>
+                        <a:spcAft>
+                          <a:spcPts val="0"/>
+                        </a:spcAft>
+                        <a:buClrTx/>
+                        <a:buSzTx/>
+                        <a:buFontTx/>
+                        <a:buNone/>
+                        <a:tabLst/>
+                        <a:defRPr/>
+                      </a:pPr>
+                      <a:r>
+                        <a:rPr lang="en-US" altLang="zh-TW" sz="1200" dirty="0">
+                          <a:solidFill>
+                            <a:schemeClr val="tx1"/>
+                          </a:solidFill>
+                        </a:rPr>
+                        <a:t>3.</a:t>
+                      </a:r>
+                      <a:r>
+                        <a:rPr lang="zh-TW" altLang="en-US" sz="1200" dirty="0">
+                          <a:solidFill>
+                            <a:schemeClr val="tx1"/>
+                          </a:solidFill>
+                        </a:rPr>
+                        <a:t>每個人的位置</a:t>
+                      </a:r>
+                      <a:r>
+                        <a:rPr lang="en-US" altLang="zh-TW" sz="1200" dirty="0">
+                          <a:solidFill>
+                            <a:schemeClr val="tx1"/>
+                          </a:solidFill>
+                        </a:rPr>
+                        <a:t>(2</a:t>
+                      </a:r>
+                      <a:r>
+                        <a:rPr lang="zh-TW" altLang="en-US" sz="1200" dirty="0">
+                          <a:solidFill>
+                            <a:schemeClr val="tx1"/>
+                          </a:solidFill>
+                        </a:rPr>
+                        <a:t>維陣列 </a:t>
+                      </a:r>
+                      <a:r>
+                        <a:rPr lang="en-US" altLang="zh-TW" sz="1200" dirty="0">
+                          <a:solidFill>
+                            <a:schemeClr val="tx1"/>
+                          </a:solidFill>
+                        </a:rPr>
+                        <a:t>[N</a:t>
+                      </a:r>
+                      <a:r>
+                        <a:rPr lang="zh-TW" altLang="en-US" sz="1200" dirty="0">
+                          <a:solidFill>
+                            <a:schemeClr val="tx1"/>
+                          </a:solidFill>
+                        </a:rPr>
+                        <a:t>*</a:t>
+                      </a:r>
+                      <a:r>
+                        <a:rPr lang="en-US" altLang="zh-TW" sz="1200" dirty="0">
+                          <a:solidFill>
+                            <a:schemeClr val="tx1"/>
+                          </a:solidFill>
+                        </a:rPr>
+                        <a:t>3]):</a:t>
+                      </a:r>
+                      <a:r>
+                        <a:rPr lang="zh-TW" altLang="en-US" sz="1200" dirty="0">
+                          <a:solidFill>
+                            <a:schemeClr val="tx1"/>
+                          </a:solidFill>
+                        </a:rPr>
+                        <a:t> </a:t>
+                      </a:r>
+                      <a:r>
+                        <a:rPr lang="en-US" altLang="zh-TW" sz="1200" dirty="0">
+                          <a:solidFill>
+                            <a:schemeClr val="tx1"/>
+                          </a:solidFill>
+                        </a:rPr>
+                        <a:t>N</a:t>
+                      </a:r>
+                      <a:r>
+                        <a:rPr lang="zh-TW" altLang="en-US" sz="1200" dirty="0">
+                          <a:solidFill>
+                            <a:schemeClr val="tx1"/>
+                          </a:solidFill>
+                        </a:rPr>
+                        <a:t>此次判斷人數，由左上與右下坐標框出人</a:t>
+                      </a:r>
+                      <a:r>
+                        <a:rPr lang="en-US" altLang="zh-TW" sz="1200" dirty="0">
+                          <a:solidFill>
+                            <a:schemeClr val="tx1"/>
+                          </a:solidFill>
+                        </a:rPr>
+                        <a:t>(</a:t>
+                      </a:r>
+                      <a:r>
+                        <a:rPr lang="zh-TW" altLang="en-US" sz="1200" dirty="0">
+                          <a:solidFill>
+                            <a:schemeClr val="tx1"/>
+                          </a:solidFill>
+                        </a:rPr>
+                        <a:t>長方形</a:t>
+                      </a:r>
+                      <a:r>
+                        <a:rPr lang="en-US" altLang="zh-TW" sz="1200" dirty="0">
+                          <a:solidFill>
+                            <a:schemeClr val="tx1"/>
+                          </a:solidFill>
+                        </a:rPr>
+                        <a:t>)</a:t>
+                      </a:r>
+                      <a:br>
+                        <a:rPr lang="en-US" altLang="zh-TW" sz="1200" dirty="0">
+                          <a:solidFill>
+                            <a:schemeClr val="tx1"/>
+                          </a:solidFill>
+                        </a:rPr>
+                      </a:br>
+                      <a:r>
+                        <a:rPr lang="en-US" altLang="zh-TW" sz="1200" dirty="0">
+                          <a:solidFill>
+                            <a:schemeClr val="tx1"/>
+                          </a:solidFill>
+                        </a:rPr>
+                        <a:t>[ [</a:t>
+                      </a:r>
+                      <a:r>
+                        <a:rPr lang="zh-TW" altLang="en-US" sz="1200" dirty="0">
+                          <a:solidFill>
+                            <a:schemeClr val="tx1"/>
+                          </a:solidFill>
+                        </a:rPr>
+                        <a:t>編號</a:t>
+                      </a:r>
+                      <a:r>
+                        <a:rPr lang="en-US" altLang="zh-TW" sz="1200" dirty="0">
+                          <a:solidFill>
+                            <a:schemeClr val="tx1"/>
+                          </a:solidFill>
+                        </a:rPr>
+                        <a:t>0, </a:t>
+                      </a:r>
+                      <a:r>
+                        <a:rPr lang="zh-TW" altLang="en-US" sz="1200" dirty="0">
+                          <a:solidFill>
+                            <a:schemeClr val="tx1"/>
+                          </a:solidFill>
+                        </a:rPr>
+                        <a:t>左上坐標</a:t>
+                      </a:r>
+                      <a:r>
+                        <a:rPr lang="en-US" altLang="zh-TW" sz="1200" dirty="0">
+                          <a:solidFill>
+                            <a:schemeClr val="tx1"/>
+                          </a:solidFill>
+                        </a:rPr>
+                        <a:t>, </a:t>
+                      </a:r>
+                      <a:r>
+                        <a:rPr lang="zh-TW" altLang="en-US" sz="1200" dirty="0">
+                          <a:solidFill>
+                            <a:schemeClr val="tx1"/>
+                          </a:solidFill>
+                        </a:rPr>
+                        <a:t>右下坐標</a:t>
+                      </a:r>
+                      <a:r>
+                        <a:rPr lang="en-US" altLang="zh-TW" sz="1200" dirty="0">
+                          <a:solidFill>
+                            <a:schemeClr val="tx1"/>
+                          </a:solidFill>
+                        </a:rPr>
+                        <a:t>], [</a:t>
+                      </a:r>
+                      <a:r>
+                        <a:rPr lang="zh-TW" altLang="en-US" sz="1200" dirty="0">
+                          <a:solidFill>
+                            <a:schemeClr val="tx1"/>
+                          </a:solidFill>
+                        </a:rPr>
+                        <a:t>編號</a:t>
+                      </a:r>
+                      <a:r>
+                        <a:rPr lang="en-US" altLang="zh-TW" sz="1200" dirty="0">
+                          <a:solidFill>
+                            <a:schemeClr val="tx1"/>
+                          </a:solidFill>
+                        </a:rPr>
+                        <a:t>1, </a:t>
+                      </a:r>
+                      <a:r>
+                        <a:rPr lang="zh-TW" altLang="en-US" sz="1200" dirty="0">
+                          <a:solidFill>
+                            <a:schemeClr val="tx1"/>
+                          </a:solidFill>
+                        </a:rPr>
+                        <a:t>左上坐標</a:t>
+                      </a:r>
+                      <a:r>
+                        <a:rPr lang="en-US" altLang="zh-TW" sz="1200" dirty="0">
+                          <a:solidFill>
+                            <a:schemeClr val="tx1"/>
+                          </a:solidFill>
+                        </a:rPr>
+                        <a:t>, </a:t>
+                      </a:r>
+                      <a:r>
+                        <a:rPr lang="zh-TW" altLang="en-US" sz="1200" dirty="0">
+                          <a:solidFill>
+                            <a:schemeClr val="tx1"/>
+                          </a:solidFill>
+                        </a:rPr>
+                        <a:t>右下坐標</a:t>
+                      </a:r>
+                      <a:r>
+                        <a:rPr lang="en-US" altLang="zh-TW" sz="1200" dirty="0">
+                          <a:solidFill>
+                            <a:schemeClr val="tx1"/>
+                          </a:solidFill>
+                        </a:rPr>
+                        <a:t>],….]</a:t>
+                      </a:r>
+                      <a:endParaRPr lang="zh-TW" altLang="en-US" sz="1200" dirty="0">
+                        <a:solidFill>
+                          <a:schemeClr val="tx1"/>
+                        </a:solidFill>
+                      </a:endParaRPr>
+                    </a:p>
+                  </a:txBody>
+                  <a:tcPr/>
+                </a:tc>
+                <a:extLst>
+                  <a:ext uri="{0D108BD9-81ED-4DB2-BD59-A6C34878D82A}">
+                    <a16:rowId xmlns:a16="http://schemas.microsoft.com/office/drawing/2014/main" val="247561736"/>
+                  </a:ext>
+                </a:extLst>
+              </a:tr>
+              <a:tr h="558035">
+                <a:tc>
+                  <a:txBody>
+                    <a:bodyPr/>
+                    <a:lstStyle/>
+                    <a:p>
+                      <a:r>
+                        <a:rPr lang="zh-TW" altLang="en-US" sz="1800" dirty="0"/>
+                        <a:t>輸出</a:t>
+                      </a:r>
+                    </a:p>
+                  </a:txBody>
+                  <a:tcPr/>
+                </a:tc>
+                <a:tc>
+                  <a:txBody>
+                    <a:bodyPr/>
+                    <a:lstStyle/>
+                    <a:p>
+                      <a:pPr marL="0" marR="0" lvl="0" indent="0" algn="l" defTabSz="914400" rtl="0" eaLnBrk="1" fontAlgn="auto" latinLnBrk="0" hangingPunct="1">
+                        <a:lnSpc>
+                          <a:spcPct val="100000"/>
+                        </a:lnSpc>
+                        <a:spcBef>
+                          <a:spcPts val="0"/>
+                        </a:spcBef>
+                        <a:spcAft>
+                          <a:spcPts val="0"/>
+                        </a:spcAft>
+                        <a:buClrTx/>
+                        <a:buSzTx/>
+                        <a:buFontTx/>
+                        <a:buNone/>
+                        <a:tabLst/>
+                        <a:defRPr/>
+                      </a:pPr>
+                      <a:r>
+                        <a:rPr lang="en-US" altLang="zh-TW" sz="1200" dirty="0">
+                          <a:solidFill>
+                            <a:schemeClr val="tx1"/>
+                          </a:solidFill>
+                        </a:rPr>
+                        <a:t>1.</a:t>
+                      </a:r>
+                      <a:r>
+                        <a:rPr lang="zh-TW" altLang="en-US" sz="1200" dirty="0">
+                          <a:solidFill>
+                            <a:schemeClr val="tx1"/>
+                          </a:solidFill>
+                        </a:rPr>
+                        <a:t>是否觸發</a:t>
+                      </a:r>
+                      <a:r>
+                        <a:rPr lang="en-US" altLang="zh-TW" sz="1200" dirty="0">
+                          <a:solidFill>
+                            <a:schemeClr val="tx1"/>
+                          </a:solidFill>
+                        </a:rPr>
+                        <a:t>(True/False)</a:t>
+                      </a:r>
+                    </a:p>
+                    <a:p>
+                      <a:pPr marL="0" marR="0" lvl="0" indent="0" algn="l" defTabSz="914400" rtl="0" eaLnBrk="1" fontAlgn="auto" latinLnBrk="0" hangingPunct="1">
+                        <a:lnSpc>
+                          <a:spcPct val="100000"/>
+                        </a:lnSpc>
+                        <a:spcBef>
+                          <a:spcPts val="0"/>
+                        </a:spcBef>
+                        <a:spcAft>
+                          <a:spcPts val="0"/>
+                        </a:spcAft>
+                        <a:buClrTx/>
+                        <a:buSzTx/>
+                        <a:buFontTx/>
+                        <a:buNone/>
+                        <a:tabLst/>
+                        <a:defRPr/>
+                      </a:pPr>
+                      <a:r>
+                        <a:rPr lang="en-US" altLang="zh-TW" sz="1200" dirty="0">
+                          <a:solidFill>
+                            <a:schemeClr val="tx1"/>
+                          </a:solidFill>
+                        </a:rPr>
+                        <a:t>2.</a:t>
+                      </a:r>
+                      <a:r>
+                        <a:rPr lang="zh-TW" altLang="en-US" sz="1200" dirty="0">
+                          <a:solidFill>
+                            <a:schemeClr val="tx1"/>
+                          </a:solidFill>
+                        </a:rPr>
+                        <a:t>觸發者的位置</a:t>
+                      </a:r>
+                      <a:r>
+                        <a:rPr lang="en-US" altLang="zh-TW" sz="1200" dirty="0">
+                          <a:solidFill>
+                            <a:schemeClr val="tx1"/>
+                          </a:solidFill>
+                        </a:rPr>
+                        <a:t>(2</a:t>
+                      </a:r>
+                      <a:r>
+                        <a:rPr lang="zh-TW" altLang="en-US" sz="1200" dirty="0">
+                          <a:solidFill>
+                            <a:schemeClr val="tx1"/>
+                          </a:solidFill>
+                        </a:rPr>
+                        <a:t>維陣列 </a:t>
+                      </a:r>
+                      <a:r>
+                        <a:rPr lang="en-US" altLang="zh-TW" sz="1200" dirty="0">
+                          <a:solidFill>
+                            <a:schemeClr val="tx1"/>
+                          </a:solidFill>
+                        </a:rPr>
+                        <a:t>[N</a:t>
+                      </a:r>
+                      <a:r>
+                        <a:rPr lang="zh-TW" altLang="en-US" sz="1200" dirty="0">
+                          <a:solidFill>
+                            <a:schemeClr val="tx1"/>
+                          </a:solidFill>
+                        </a:rPr>
+                        <a:t>*</a:t>
+                      </a:r>
+                      <a:r>
+                        <a:rPr lang="en-US" altLang="zh-TW" sz="1200" dirty="0">
+                          <a:solidFill>
+                            <a:schemeClr val="tx1"/>
+                          </a:solidFill>
+                        </a:rPr>
+                        <a:t>3]):</a:t>
+                      </a:r>
+                      <a:r>
+                        <a:rPr lang="zh-TW" altLang="en-US" sz="1200" dirty="0">
+                          <a:solidFill>
+                            <a:schemeClr val="tx1"/>
+                          </a:solidFill>
+                        </a:rPr>
+                        <a:t> </a:t>
+                      </a:r>
+                      <a:r>
+                        <a:rPr lang="en-US" altLang="zh-TW" sz="1200" dirty="0">
+                          <a:solidFill>
+                            <a:schemeClr val="tx1"/>
+                          </a:solidFill>
+                        </a:rPr>
+                        <a:t>N</a:t>
+                      </a:r>
+                      <a:r>
+                        <a:rPr lang="zh-TW" altLang="en-US" sz="1200" dirty="0">
+                          <a:solidFill>
+                            <a:schemeClr val="tx1"/>
+                          </a:solidFill>
+                        </a:rPr>
+                        <a:t>此次觸發人數，由左上與右下坐標框出人</a:t>
+                      </a:r>
+                      <a:r>
+                        <a:rPr lang="en-US" altLang="zh-TW" sz="1200" dirty="0">
+                          <a:solidFill>
+                            <a:schemeClr val="tx1"/>
+                          </a:solidFill>
+                        </a:rPr>
+                        <a:t>(</a:t>
+                      </a:r>
+                      <a:r>
+                        <a:rPr lang="zh-TW" altLang="en-US" sz="1200" dirty="0">
+                          <a:solidFill>
+                            <a:schemeClr val="tx1"/>
+                          </a:solidFill>
+                        </a:rPr>
+                        <a:t>長方形</a:t>
+                      </a:r>
+                      <a:r>
+                        <a:rPr lang="en-US" altLang="zh-TW" sz="1200" dirty="0">
+                          <a:solidFill>
+                            <a:schemeClr val="tx1"/>
+                          </a:solidFill>
+                        </a:rPr>
+                        <a:t>)</a:t>
+                      </a:r>
+                      <a:br>
+                        <a:rPr lang="en-US" altLang="zh-TW" sz="1200" dirty="0">
+                          <a:solidFill>
+                            <a:schemeClr val="tx1"/>
+                          </a:solidFill>
+                        </a:rPr>
+                      </a:br>
+                      <a:r>
+                        <a:rPr lang="en-US" altLang="zh-TW" sz="1200" dirty="0">
+                          <a:solidFill>
+                            <a:schemeClr val="tx1"/>
+                          </a:solidFill>
+                        </a:rPr>
+                        <a:t>[ [</a:t>
+                      </a:r>
+                      <a:r>
+                        <a:rPr lang="zh-TW" altLang="en-US" sz="1200" dirty="0">
+                          <a:solidFill>
+                            <a:schemeClr val="tx1"/>
+                          </a:solidFill>
+                        </a:rPr>
+                        <a:t>編號</a:t>
+                      </a:r>
+                      <a:r>
+                        <a:rPr lang="en-US" altLang="zh-TW" sz="1200" dirty="0">
+                          <a:solidFill>
+                            <a:schemeClr val="tx1"/>
+                          </a:solidFill>
+                        </a:rPr>
+                        <a:t>0, </a:t>
+                      </a:r>
+                      <a:r>
+                        <a:rPr lang="zh-TW" altLang="en-US" sz="1200" dirty="0">
+                          <a:solidFill>
+                            <a:schemeClr val="tx1"/>
+                          </a:solidFill>
+                        </a:rPr>
+                        <a:t>左上坐標</a:t>
+                      </a:r>
+                      <a:r>
+                        <a:rPr lang="en-US" altLang="zh-TW" sz="1200" dirty="0">
+                          <a:solidFill>
+                            <a:schemeClr val="tx1"/>
+                          </a:solidFill>
+                        </a:rPr>
+                        <a:t>, </a:t>
+                      </a:r>
+                      <a:r>
+                        <a:rPr lang="zh-TW" altLang="en-US" sz="1200" dirty="0">
+                          <a:solidFill>
+                            <a:schemeClr val="tx1"/>
+                          </a:solidFill>
+                        </a:rPr>
+                        <a:t>右下坐標</a:t>
+                      </a:r>
+                      <a:r>
+                        <a:rPr lang="en-US" altLang="zh-TW" sz="1200" dirty="0">
+                          <a:solidFill>
+                            <a:schemeClr val="tx1"/>
+                          </a:solidFill>
+                        </a:rPr>
+                        <a:t>], [</a:t>
+                      </a:r>
+                      <a:r>
+                        <a:rPr lang="zh-TW" altLang="en-US" sz="1200" dirty="0">
+                          <a:solidFill>
+                            <a:schemeClr val="tx1"/>
+                          </a:solidFill>
+                        </a:rPr>
+                        <a:t>編號</a:t>
+                      </a:r>
+                      <a:r>
+                        <a:rPr lang="en-US" altLang="zh-TW" sz="1200" dirty="0">
+                          <a:solidFill>
+                            <a:schemeClr val="tx1"/>
+                          </a:solidFill>
+                        </a:rPr>
+                        <a:t>1, </a:t>
+                      </a:r>
+                      <a:r>
+                        <a:rPr lang="zh-TW" altLang="en-US" sz="1200" dirty="0">
+                          <a:solidFill>
+                            <a:schemeClr val="tx1"/>
+                          </a:solidFill>
+                        </a:rPr>
+                        <a:t>左上坐標</a:t>
+                      </a:r>
+                      <a:r>
+                        <a:rPr lang="en-US" altLang="zh-TW" sz="1200" dirty="0">
+                          <a:solidFill>
+                            <a:schemeClr val="tx1"/>
+                          </a:solidFill>
+                        </a:rPr>
+                        <a:t>, </a:t>
+                      </a:r>
+                      <a:r>
+                        <a:rPr lang="zh-TW" altLang="en-US" sz="1200" dirty="0">
+                          <a:solidFill>
+                            <a:schemeClr val="tx1"/>
+                          </a:solidFill>
+                        </a:rPr>
+                        <a:t>右下坐標</a:t>
+                      </a:r>
+                      <a:r>
+                        <a:rPr lang="en-US" altLang="zh-TW" sz="1200" dirty="0">
+                          <a:solidFill>
+                            <a:schemeClr val="tx1"/>
+                          </a:solidFill>
+                        </a:rPr>
+                        <a:t>],….]</a:t>
+                      </a:r>
+                    </a:p>
+                    <a:p>
+                      <a:pPr marL="0" marR="0" lvl="0" indent="0" algn="l" defTabSz="914400" rtl="0" eaLnBrk="1" fontAlgn="auto" latinLnBrk="0" hangingPunct="1">
+                        <a:lnSpc>
+                          <a:spcPct val="100000"/>
+                        </a:lnSpc>
+                        <a:spcBef>
+                          <a:spcPts val="0"/>
+                        </a:spcBef>
+                        <a:spcAft>
+                          <a:spcPts val="0"/>
+                        </a:spcAft>
+                        <a:buClrTx/>
+                        <a:buSzTx/>
+                        <a:buFontTx/>
+                        <a:buNone/>
+                        <a:tabLst/>
+                        <a:defRPr/>
+                      </a:pPr>
+                      <a:r>
+                        <a:rPr lang="en-US" altLang="zh-TW" sz="1200" dirty="0">
+                          <a:solidFill>
+                            <a:schemeClr val="tx1"/>
+                          </a:solidFill>
+                        </a:rPr>
+                        <a:t>3.</a:t>
+                      </a:r>
+                      <a:r>
+                        <a:rPr lang="zh-TW" altLang="en-US" sz="1200" dirty="0">
+                          <a:solidFill>
+                            <a:schemeClr val="tx1"/>
+                          </a:solidFill>
+                        </a:rPr>
+                        <a:t>將觸發者框出來</a:t>
+                      </a:r>
+                      <a:r>
+                        <a:rPr lang="en-US" altLang="zh-TW" sz="1200" dirty="0">
+                          <a:solidFill>
+                            <a:schemeClr val="tx1"/>
+                          </a:solidFill>
+                        </a:rPr>
+                        <a:t>(</a:t>
+                      </a:r>
+                      <a:r>
+                        <a:rPr lang="zh-TW" altLang="en-US" sz="1200" dirty="0">
+                          <a:solidFill>
+                            <a:schemeClr val="tx1"/>
+                          </a:solidFill>
+                        </a:rPr>
+                        <a:t>長方形</a:t>
+                      </a:r>
+                      <a:r>
+                        <a:rPr lang="en-US" altLang="zh-TW" sz="1200" dirty="0">
+                          <a:solidFill>
+                            <a:schemeClr val="tx1"/>
+                          </a:solidFill>
+                        </a:rPr>
+                        <a:t>)</a:t>
+                      </a:r>
+                      <a:r>
+                        <a:rPr lang="zh-TW" altLang="en-US" sz="1200" dirty="0">
+                          <a:solidFill>
+                            <a:schemeClr val="tx1"/>
+                          </a:solidFill>
+                        </a:rPr>
+                        <a:t>的影像</a:t>
+                      </a:r>
+                    </a:p>
+                  </a:txBody>
+                  <a:tcPr/>
+                </a:tc>
+                <a:extLst>
+                  <a:ext uri="{0D108BD9-81ED-4DB2-BD59-A6C34878D82A}">
+                    <a16:rowId xmlns:a16="http://schemas.microsoft.com/office/drawing/2014/main" val="3127279990"/>
+                  </a:ext>
+                </a:extLst>
+              </a:tr>
+              <a:tr h="946689">
+                <a:tc>
+                  <a:txBody>
+                    <a:bodyPr/>
+                    <a:lstStyle/>
+                    <a:p>
+                      <a:r>
+                        <a:rPr lang="zh-TW" altLang="en-US" sz="1800" dirty="0"/>
+                        <a:t>方法</a:t>
+                      </a:r>
+                    </a:p>
+                  </a:txBody>
+                  <a:tcPr/>
+                </a:tc>
+                <a:tc>
+                  <a:txBody>
+                    <a:bodyPr/>
+                    <a:lstStyle/>
+                    <a:p>
+                      <a:r>
+                        <a:rPr lang="en-US" altLang="zh-TW" sz="1200" dirty="0"/>
+                        <a:t>1.</a:t>
+                      </a:r>
+                      <a:r>
+                        <a:rPr lang="zh-TW" altLang="en-US" sz="1200" dirty="0"/>
+                        <a:t>將每個人的位置對應的溫度做判斷</a:t>
+                      </a:r>
+                      <a:endParaRPr lang="en-US" altLang="zh-TW" sz="1200" dirty="0"/>
+                    </a:p>
+                    <a:p>
+                      <a:r>
+                        <a:rPr lang="en-US" altLang="zh-TW" sz="1200" dirty="0"/>
+                        <a:t>2.</a:t>
+                      </a:r>
+                      <a:r>
+                        <a:rPr lang="zh-TW" altLang="en-US" sz="1200" dirty="0"/>
+                        <a:t>判斷超過設定值輸出</a:t>
+                      </a:r>
+                      <a:r>
+                        <a:rPr lang="en-US" altLang="zh-TW" sz="1200" dirty="0"/>
+                        <a:t>True</a:t>
+                      </a:r>
+                      <a:r>
+                        <a:rPr lang="zh-TW" altLang="en-US" sz="1200" dirty="0"/>
+                        <a:t>與位置，否則輸出</a:t>
+                      </a:r>
+                      <a:r>
+                        <a:rPr lang="en-US" altLang="zh-TW" sz="1200" dirty="0"/>
+                        <a:t>False</a:t>
+                      </a:r>
+                      <a:r>
+                        <a:rPr lang="zh-TW" altLang="en-US" sz="1200" dirty="0"/>
+                        <a:t>與空陣列</a:t>
+                      </a:r>
+                    </a:p>
+                  </a:txBody>
+                  <a:tcPr/>
+                </a:tc>
+                <a:extLst>
+                  <a:ext uri="{0D108BD9-81ED-4DB2-BD59-A6C34878D82A}">
+                    <a16:rowId xmlns:a16="http://schemas.microsoft.com/office/drawing/2014/main" val="1546736028"/>
+                  </a:ext>
+                </a:extLst>
+              </a:tr>
+              <a:tr h="946689">
+                <a:tc>
+                  <a:txBody>
+                    <a:bodyPr/>
+                    <a:lstStyle/>
+                    <a:p>
+                      <a:r>
+                        <a:rPr lang="zh-TW" altLang="en-US" sz="1800" dirty="0"/>
+                        <a:t>備註</a:t>
+                      </a:r>
+                      <a:r>
+                        <a:rPr lang="en-US" altLang="zh-TW" sz="1800" dirty="0"/>
+                        <a:t>/</a:t>
+                      </a:r>
+                      <a:r>
+                        <a:rPr lang="zh-TW" altLang="en-US" sz="1800" dirty="0"/>
+                        <a:t>參數</a:t>
+                      </a:r>
+                    </a:p>
+                  </a:txBody>
+                  <a:tcPr/>
+                </a:tc>
+                <a:tc>
+                  <a:txBody>
+                    <a:bodyPr/>
+                    <a:lstStyle/>
+                    <a:p>
+                      <a:r>
+                        <a:rPr lang="zh-TW" altLang="en-US" sz="1000" dirty="0"/>
+                        <a:t>設定溫度</a:t>
+                      </a:r>
+                      <a:r>
+                        <a:rPr lang="en-US" altLang="zh-TW" sz="1000" dirty="0"/>
+                        <a:t>:</a:t>
+                      </a:r>
+                      <a:r>
+                        <a:rPr lang="zh-TW" altLang="en-US" sz="1000" dirty="0"/>
+                        <a:t>可先設定固定值，後續可透過統計方式取得此設定溫度</a:t>
+                      </a:r>
+                    </a:p>
+                  </a:txBody>
+                  <a:tcPr/>
+                </a:tc>
+                <a:extLst>
+                  <a:ext uri="{0D108BD9-81ED-4DB2-BD59-A6C34878D82A}">
+                    <a16:rowId xmlns:a16="http://schemas.microsoft.com/office/drawing/2014/main" val="2598516978"/>
+                  </a:ext>
+                </a:extLst>
+              </a:tr>
+            </a:tbl>
+          </a:graphicData>
+        </a:graphic>
+      </p:graphicFrame>
+    </p:spTree>
+    <p:extLst>
+      <p:ext uri="{BB962C8B-B14F-4D97-AF65-F5344CB8AC3E}">
+        <p14:creationId xmlns:p14="http://schemas.microsoft.com/office/powerpoint/2010/main" val="2193007813"/>
       </p:ext>
     </p:extLst>
   </p:cSld>
@@ -9665,4 +12952,299 @@
     </a:ext>
   </a:extLst>
 </a:theme>
+</file>
+
+<file path=ppt/theme/theme2.xml><?xml version="1.0" encoding="utf-8"?>
+<a:theme xmlns:a="http://schemas.openxmlformats.org/drawingml/2006/main" name="Office 佈景主題">
+  <a:themeElements>
+    <a:clrScheme name="Office">
+      <a:dk1>
+        <a:sysClr val="windowText" lastClr="000000"/>
+      </a:dk1>
+      <a:lt1>
+        <a:sysClr val="window" lastClr="FFFFFF"/>
+      </a:lt1>
+      <a:dk2>
+        <a:srgbClr val="44546A"/>
+      </a:dk2>
+      <a:lt2>
+        <a:srgbClr val="E7E6E6"/>
+      </a:lt2>
+      <a:accent1>
+        <a:srgbClr val="4472C4"/>
+      </a:accent1>
+      <a:accent2>
+        <a:srgbClr val="ED7D31"/>
+      </a:accent2>
+      <a:accent3>
+        <a:srgbClr val="A5A5A5"/>
+      </a:accent3>
+      <a:accent4>
+        <a:srgbClr val="FFC000"/>
+      </a:accent4>
+      <a:accent5>
+        <a:srgbClr val="5B9BD5"/>
+      </a:accent5>
+      <a:accent6>
+        <a:srgbClr val="70AD47"/>
+      </a:accent6>
+      <a:hlink>
+        <a:srgbClr val="0563C1"/>
+      </a:hlink>
+      <a:folHlink>
+        <a:srgbClr val="954F72"/>
+      </a:folHlink>
+    </a:clrScheme>
+    <a:fontScheme name="Office">
+      <a:majorFont>
+        <a:latin typeface="Calibri Light" panose="020F0302020204030204"/>
+        <a:ea typeface=""/>
+        <a:cs typeface=""/>
+        <a:font script="Jpan" typeface="游ゴシック Light"/>
+        <a:font script="Hang" typeface="맑은 고딕"/>
+        <a:font script="Hans" typeface="等线 Light"/>
+        <a:font script="Hant" typeface="新細明體"/>
+        <a:font script="Arab" typeface="Times New Roman"/>
+        <a:font script="Hebr" typeface="Times New Roman"/>
+        <a:font script="Thai" typeface="Angsana New"/>
+        <a:font script="Ethi" typeface="Nyala"/>
+        <a:font script="Beng" typeface="Vrinda"/>
+        <a:font script="Gujr" typeface="Shruti"/>
+        <a:font script="Khmr" typeface="MoolBoran"/>
+        <a:font script="Knda" typeface="Tunga"/>
+        <a:font script="Guru" typeface="Raavi"/>
+        <a:font script="Cans" typeface="Euphemia"/>
+        <a:font script="Cher" typeface="Plantagenet Cherokee"/>
+        <a:font script="Yiii" typeface="Microsoft Yi Baiti"/>
+        <a:font script="Tibt" typeface="Microsoft Himalaya"/>
+        <a:font script="Thaa" typeface="MV Boli"/>
+        <a:font script="Deva" typeface="Mangal"/>
+        <a:font script="Telu" typeface="Gautami"/>
+        <a:font script="Taml" typeface="Latha"/>
+        <a:font script="Syrc" typeface="Estrangelo Edessa"/>
+        <a:font script="Orya" typeface="Kalinga"/>
+        <a:font script="Mlym" typeface="Kartika"/>
+        <a:font script="Laoo" typeface="DokChampa"/>
+        <a:font script="Sinh" typeface="Iskoola Pota"/>
+        <a:font script="Mong" typeface="Mongolian Baiti"/>
+        <a:font script="Viet" typeface="Times New Roman"/>
+        <a:font script="Uigh" typeface="Microsoft Uighur"/>
+        <a:font script="Geor" typeface="Sylfaen"/>
+        <a:font script="Armn" typeface="Arial"/>
+        <a:font script="Bugi" typeface="Leelawadee UI"/>
+        <a:font script="Bopo" typeface="Microsoft JhengHei"/>
+        <a:font script="Java" typeface="Javanese Text"/>
+        <a:font script="Lisu" typeface="Segoe UI"/>
+        <a:font script="Mymr" typeface="Myanmar Text"/>
+        <a:font script="Nkoo" typeface="Ebrima"/>
+        <a:font script="Olck" typeface="Nirmala UI"/>
+        <a:font script="Osma" typeface="Ebrima"/>
+        <a:font script="Phag" typeface="Phagspa"/>
+        <a:font script="Syrn" typeface="Estrangelo Edessa"/>
+        <a:font script="Syrj" typeface="Estrangelo Edessa"/>
+        <a:font script="Syre" typeface="Estrangelo Edessa"/>
+        <a:font script="Sora" typeface="Nirmala UI"/>
+        <a:font script="Tale" typeface="Microsoft Tai Le"/>
+        <a:font script="Talu" typeface="Microsoft New Tai Lue"/>
+        <a:font script="Tfng" typeface="Ebrima"/>
+      </a:majorFont>
+      <a:minorFont>
+        <a:latin typeface="Calibri" panose="020F0502020204030204"/>
+        <a:ea typeface=""/>
+        <a:cs typeface=""/>
+        <a:font script="Jpan" typeface="游ゴシック"/>
+        <a:font script="Hang" typeface="맑은 고딕"/>
+        <a:font script="Hans" typeface="等线"/>
+        <a:font script="Hant" typeface="新細明體"/>
+        <a:font script="Arab" typeface="Arial"/>
+        <a:font script="Hebr" typeface="Arial"/>
+        <a:font script="Thai" typeface="Cordia New"/>
+        <a:font script="Ethi" typeface="Nyala"/>
+        <a:font script="Beng" typeface="Vrinda"/>
+        <a:font script="Gujr" typeface="Shruti"/>
+        <a:font script="Khmr" typeface="DaunPenh"/>
+        <a:font script="Knda" typeface="Tunga"/>
+        <a:font script="Guru" typeface="Raavi"/>
+        <a:font script="Cans" typeface="Euphemia"/>
+        <a:font script="Cher" typeface="Plantagenet Cherokee"/>
+        <a:font script="Yiii" typeface="Microsoft Yi Baiti"/>
+        <a:font script="Tibt" typeface="Microsoft Himalaya"/>
+        <a:font script="Thaa" typeface="MV Boli"/>
+        <a:font script="Deva" typeface="Mangal"/>
+        <a:font script="Telu" typeface="Gautami"/>
+        <a:font script="Taml" typeface="Latha"/>
+        <a:font script="Syrc" typeface="Estrangelo Edessa"/>
+        <a:font script="Orya" typeface="Kalinga"/>
+        <a:font script="Mlym" typeface="Kartika"/>
+        <a:font script="Laoo" typeface="DokChampa"/>
+        <a:font script="Sinh" typeface="Iskoola Pota"/>
+        <a:font script="Mong" typeface="Mongolian Baiti"/>
+        <a:font script="Viet" typeface="Arial"/>
+        <a:font script="Uigh" typeface="Microsoft Uighur"/>
+        <a:font script="Geor" typeface="Sylfaen"/>
+        <a:font script="Armn" typeface="Arial"/>
+        <a:font script="Bugi" typeface="Leelawadee UI"/>
+        <a:font script="Bopo" typeface="Microsoft JhengHei"/>
+        <a:font script="Java" typeface="Javanese Text"/>
+        <a:font script="Lisu" typeface="Segoe UI"/>
+        <a:font script="Mymr" typeface="Myanmar Text"/>
+        <a:font script="Nkoo" typeface="Ebrima"/>
+        <a:font script="Olck" typeface="Nirmala UI"/>
+        <a:font script="Osma" typeface="Ebrima"/>
+        <a:font script="Phag" typeface="Phagspa"/>
+        <a:font script="Syrn" typeface="Estrangelo Edessa"/>
+        <a:font script="Syrj" typeface="Estrangelo Edessa"/>
+        <a:font script="Syre" typeface="Estrangelo Edessa"/>
+        <a:font script="Sora" typeface="Nirmala UI"/>
+        <a:font script="Tale" typeface="Microsoft Tai Le"/>
+        <a:font script="Talu" typeface="Microsoft New Tai Lue"/>
+        <a:font script="Tfng" typeface="Ebrima"/>
+      </a:minorFont>
+    </a:fontScheme>
+    <a:fmtScheme name="Office">
+      <a:fillStyleLst>
+        <a:solidFill>
+          <a:schemeClr val="phClr"/>
+        </a:solidFill>
+        <a:gradFill rotWithShape="1">
+          <a:gsLst>
+            <a:gs pos="0">
+              <a:schemeClr val="phClr">
+                <a:lumMod val="110000"/>
+                <a:satMod val="105000"/>
+                <a:tint val="67000"/>
+              </a:schemeClr>
+            </a:gs>
+            <a:gs pos="50000">
+              <a:schemeClr val="phClr">
+                <a:lumMod val="105000"/>
+                <a:satMod val="103000"/>
+                <a:tint val="73000"/>
+              </a:schemeClr>
+            </a:gs>
+            <a:gs pos="100000">
+              <a:schemeClr val="phClr">
+                <a:lumMod val="105000"/>
+                <a:satMod val="109000"/>
+                <a:tint val="81000"/>
+              </a:schemeClr>
+            </a:gs>
+          </a:gsLst>
+          <a:lin ang="5400000" scaled="0"/>
+        </a:gradFill>
+        <a:gradFill rotWithShape="1">
+          <a:gsLst>
+            <a:gs pos="0">
+              <a:schemeClr val="phClr">
+                <a:satMod val="103000"/>
+                <a:lumMod val="102000"/>
+                <a:tint val="94000"/>
+              </a:schemeClr>
+            </a:gs>
+            <a:gs pos="50000">
+              <a:schemeClr val="phClr">
+                <a:satMod val="110000"/>
+                <a:lumMod val="100000"/>
+                <a:shade val="100000"/>
+              </a:schemeClr>
+            </a:gs>
+            <a:gs pos="100000">
+              <a:schemeClr val="phClr">
+                <a:lumMod val="99000"/>
+                <a:satMod val="120000"/>
+                <a:shade val="78000"/>
+              </a:schemeClr>
+            </a:gs>
+          </a:gsLst>
+          <a:lin ang="5400000" scaled="0"/>
+        </a:gradFill>
+      </a:fillStyleLst>
+      <a:lnStyleLst>
+        <a:ln w="6350" cap="flat" cmpd="sng" algn="ctr">
+          <a:solidFill>
+            <a:schemeClr val="phClr"/>
+          </a:solidFill>
+          <a:prstDash val="solid"/>
+          <a:miter lim="800000"/>
+        </a:ln>
+        <a:ln w="12700" cap="flat" cmpd="sng" algn="ctr">
+          <a:solidFill>
+            <a:schemeClr val="phClr"/>
+          </a:solidFill>
+          <a:prstDash val="solid"/>
+          <a:miter lim="800000"/>
+        </a:ln>
+        <a:ln w="19050" cap="flat" cmpd="sng" algn="ctr">
+          <a:solidFill>
+            <a:schemeClr val="phClr"/>
+          </a:solidFill>
+          <a:prstDash val="solid"/>
+          <a:miter lim="800000"/>
+        </a:ln>
+      </a:lnStyleLst>
+      <a:effectStyleLst>
+        <a:effectStyle>
+          <a:effectLst/>
+        </a:effectStyle>
+        <a:effectStyle>
+          <a:effectLst/>
+        </a:effectStyle>
+        <a:effectStyle>
+          <a:effectLst>
+            <a:outerShdw blurRad="57150" dist="19050" dir="5400000" algn="ctr" rotWithShape="0">
+              <a:srgbClr val="000000">
+                <a:alpha val="63000"/>
+              </a:srgbClr>
+            </a:outerShdw>
+          </a:effectLst>
+        </a:effectStyle>
+      </a:effectStyleLst>
+      <a:bgFillStyleLst>
+        <a:solidFill>
+          <a:schemeClr val="phClr"/>
+        </a:solidFill>
+        <a:solidFill>
+          <a:schemeClr val="phClr">
+            <a:tint val="95000"/>
+            <a:satMod val="170000"/>
+          </a:schemeClr>
+        </a:solidFill>
+        <a:gradFill rotWithShape="1">
+          <a:gsLst>
+            <a:gs pos="0">
+              <a:schemeClr val="phClr">
+                <a:tint val="93000"/>
+                <a:satMod val="150000"/>
+                <a:shade val="98000"/>
+                <a:lumMod val="102000"/>
+              </a:schemeClr>
+            </a:gs>
+            <a:gs pos="50000">
+              <a:schemeClr val="phClr">
+                <a:tint val="98000"/>
+                <a:satMod val="130000"/>
+                <a:shade val="90000"/>
+                <a:lumMod val="103000"/>
+              </a:schemeClr>
+            </a:gs>
+            <a:gs pos="100000">
+              <a:schemeClr val="phClr">
+                <a:shade val="63000"/>
+                <a:satMod val="120000"/>
+              </a:schemeClr>
+            </a:gs>
+          </a:gsLst>
+          <a:lin ang="5400000" scaled="0"/>
+        </a:gradFill>
+      </a:bgFillStyleLst>
+    </a:fmtScheme>
+  </a:themeElements>
+  <a:objectDefaults/>
+  <a:extraClrSchemeLst/>
+  <a:extLst>
+    <a:ext uri="{05A4C25C-085E-4340-85A3-A5531E510DB2}">
+      <thm15:themeFamily xmlns:thm15="http://schemas.microsoft.com/office/thememl/2012/main" name="Office Theme" id="{62F939B6-93AF-4DB8-9C6B-D6C7DFDC589F}" vid="{4A3C46E8-61CC-4603-A589-7422A47A8E4A}"/>
+    </a:ext>
+  </a:extLst>
+</a:theme>
 </file>
--- a/000.作業紀錄/人體溫度判斷.pptx
+++ b/000.作業紀錄/人體溫度判斷.pptx
@@ -10052,7 +10052,7 @@
           <p:nvPr>
             <p:extLst>
               <p:ext uri="{D42A27DB-BD31-4B8C-83A1-F6EECF244321}">
-                <p14:modId xmlns:p14="http://schemas.microsoft.com/office/powerpoint/2010/main" val="1290600669"/>
+                <p14:modId xmlns:p14="http://schemas.microsoft.com/office/powerpoint/2010/main" val="2781585436"/>
               </p:ext>
             </p:extLst>
           </p:nvPr>
@@ -10481,7 +10481,23 @@
                             <a:schemeClr val="tx1"/>
                           </a:solidFill>
                         </a:rPr>
-                        <a:t>:</a:t>
+                        <a:t>(</a:t>
+                      </a:r>
+                      <a:r>
+                        <a:rPr lang="zh-TW" altLang="en-US" sz="1000" dirty="0">
+                          <a:solidFill>
+                            <a:schemeClr val="tx1"/>
+                          </a:solidFill>
+                        </a:rPr>
+                        <a:t>與一般攝影機同視角</a:t>
+                      </a:r>
+                      <a:r>
+                        <a:rPr lang="en-US" altLang="zh-TW" sz="1000" dirty="0">
+                          <a:solidFill>
+                            <a:schemeClr val="tx1"/>
+                          </a:solidFill>
+                        </a:rPr>
+                        <a:t>):</a:t>
                       </a:r>
                       <a:r>
                         <a:rPr lang="en-US" altLang="zh-TW" sz="1000" dirty="0"/>
@@ -10831,19 +10847,31 @@
                         <a:rPr lang="en-US" altLang="zh-TW" sz="1000" dirty="0">
                           <a:sym typeface="Wingdings" panose="05000000000000000000" pitchFamily="2" charset="2"/>
                         </a:rPr>
-                        <a:t>=(</a:t>
-                      </a:r>
-                      <a:r>
-                        <a:rPr lang="en-US" altLang="zh-TW" sz="1000" dirty="0" err="1">
+                        <a:t>=(Max</a:t>
+                      </a:r>
+                      <a:r>
+                        <a:rPr lang="zh-TW" altLang="en-US" sz="1000" dirty="0">
                           <a:sym typeface="Wingdings" panose="05000000000000000000" pitchFamily="2" charset="2"/>
                         </a:rPr>
-                        <a:t>Max+Min</a:t>
+                        <a:t> </a:t>
                       </a:r>
                       <a:r>
                         <a:rPr lang="en-US" altLang="zh-TW" sz="1000" dirty="0">
                           <a:sym typeface="Wingdings" panose="05000000000000000000" pitchFamily="2" charset="2"/>
                         </a:rPr>
-                        <a:t>)/2</a:t>
+                        <a:t>+</a:t>
+                      </a:r>
+                      <a:r>
+                        <a:rPr lang="zh-TW" altLang="en-US" sz="1000" dirty="0">
+                          <a:sym typeface="Wingdings" panose="05000000000000000000" pitchFamily="2" charset="2"/>
+                        </a:rPr>
+                        <a:t> </a:t>
+                      </a:r>
+                      <a:r>
+                        <a:rPr lang="en-US" altLang="zh-TW" sz="1000" dirty="0">
+                          <a:sym typeface="Wingdings" panose="05000000000000000000" pitchFamily="2" charset="2"/>
+                        </a:rPr>
+                        <a:t>Min)/2</a:t>
                       </a:r>
                     </a:p>
                     <a:p>
@@ -11744,7 +11772,7 @@
           <p:nvPr>
             <p:extLst>
               <p:ext uri="{D42A27DB-BD31-4B8C-83A1-F6EECF244321}">
-                <p14:modId xmlns:p14="http://schemas.microsoft.com/office/powerpoint/2010/main" val="3947786701"/>
+                <p14:modId xmlns:p14="http://schemas.microsoft.com/office/powerpoint/2010/main" val="1201966357"/>
               </p:ext>
             </p:extLst>
           </p:nvPr>
@@ -11849,7 +11877,23 @@
                             <a:schemeClr val="tx1"/>
                           </a:solidFill>
                         </a:rPr>
-                        <a:t>(640</a:t>
+                        <a:t>(</a:t>
+                      </a:r>
+                      <a:r>
+                        <a:rPr lang="zh-TW" altLang="en-US" sz="1200" dirty="0">
+                          <a:solidFill>
+                            <a:schemeClr val="tx1"/>
+                          </a:solidFill>
+                        </a:rPr>
+                        <a:t>與一般攝影機同視角</a:t>
+                      </a:r>
+                      <a:r>
+                        <a:rPr lang="en-US" altLang="zh-TW" sz="1200" dirty="0">
+                          <a:solidFill>
+                            <a:schemeClr val="tx1"/>
+                          </a:solidFill>
+                        </a:rPr>
+                        <a:t>) (640</a:t>
                       </a:r>
                       <a:r>
                         <a:rPr lang="zh-TW" altLang="en-US" sz="1200" dirty="0">
@@ -12632,6 +12676,10 @@
                         <a:rPr lang="zh-TW" altLang="en-US" sz="1000" dirty="0"/>
                         <a:t>可先設定固定值，後續可透過統計方式取得此設定溫度</a:t>
                       </a:r>
+                      <a:endParaRPr lang="en-US" altLang="zh-TW" sz="1000" dirty="0"/>
+                    </a:p>
+                    <a:p>
+                      <a:endParaRPr lang="zh-TW" altLang="en-US" sz="1000" dirty="0"/>
                     </a:p>
                   </a:txBody>
                   <a:tcPr/>

--- a/000.作業紀錄/人體溫度判斷.pptx
+++ b/000.作業紀錄/人體溫度判斷.pptx
@@ -5,7 +5,7 @@
     <p:sldMasterId id="2147483648" r:id="rId1"/>
   </p:sldMasterIdLst>
   <p:notesMasterIdLst>
-    <p:notesMasterId r:id="rId12"/>
+    <p:notesMasterId r:id="rId16"/>
   </p:notesMasterIdLst>
   <p:sldIdLst>
     <p:sldId id="256" r:id="rId2"/>
@@ -17,7 +17,11 @@
     <p:sldId id="263" r:id="rId8"/>
     <p:sldId id="264" r:id="rId9"/>
     <p:sldId id="265" r:id="rId10"/>
-    <p:sldId id="261" r:id="rId11"/>
+    <p:sldId id="268" r:id="rId11"/>
+    <p:sldId id="267" r:id="rId12"/>
+    <p:sldId id="269" r:id="rId13"/>
+    <p:sldId id="266" r:id="rId14"/>
+    <p:sldId id="261" r:id="rId15"/>
   </p:sldIdLst>
   <p:sldSz cx="12192000" cy="6858000"/>
   <p:notesSz cx="6858000" cy="9144000"/>
@@ -206,7 +210,7 @@
           <a:p>
             <a:fld id="{895B490D-D212-4C9D-8544-2092496485FE}" type="datetimeFigureOut">
               <a:rPr lang="zh-TW" altLang="en-US" smtClean="0"/>
-              <a:t>2020/6/3</a:t>
+              <a:t>2020/6/17</a:t>
             </a:fld>
             <a:endParaRPr lang="zh-TW" altLang="en-US"/>
           </a:p>
@@ -725,6 +729,90 @@
 </p:notes>
 </file>
 
+<file path=ppt/notesSlides/notesSlide4.xml><?xml version="1.0" encoding="utf-8"?>
+<p:notes xmlns:a="http://schemas.openxmlformats.org/drawingml/2006/main" xmlns:r="http://schemas.openxmlformats.org/officeDocument/2006/relationships" xmlns:p="http://schemas.openxmlformats.org/presentationml/2006/main">
+  <p:cSld>
+    <p:spTree>
+      <p:nvGrpSpPr>
+        <p:cNvPr id="1" name=""/>
+        <p:cNvGrpSpPr/>
+        <p:nvPr/>
+      </p:nvGrpSpPr>
+      <p:grpSpPr>
+        <a:xfrm>
+          <a:off x="0" y="0"/>
+          <a:ext cx="0" cy="0"/>
+          <a:chOff x="0" y="0"/>
+          <a:chExt cx="0" cy="0"/>
+        </a:xfrm>
+      </p:grpSpPr>
+      <p:sp>
+        <p:nvSpPr>
+          <p:cNvPr id="2" name="投影片影像版面配置區 1"/>
+          <p:cNvSpPr>
+            <a:spLocks noGrp="1" noRot="1" noChangeAspect="1"/>
+          </p:cNvSpPr>
+          <p:nvPr>
+            <p:ph type="sldImg"/>
+          </p:nvPr>
+        </p:nvSpPr>
+        <p:spPr/>
+      </p:sp>
+      <p:sp>
+        <p:nvSpPr>
+          <p:cNvPr id="3" name="備忘稿版面配置區 2"/>
+          <p:cNvSpPr>
+            <a:spLocks noGrp="1"/>
+          </p:cNvSpPr>
+          <p:nvPr>
+            <p:ph type="body" idx="1"/>
+          </p:nvPr>
+        </p:nvSpPr>
+        <p:spPr/>
+        <p:txBody>
+          <a:bodyPr/>
+          <a:lstStyle/>
+          <a:p>
+            <a:endParaRPr lang="zh-TW" altLang="en-US" dirty="0"/>
+          </a:p>
+        </p:txBody>
+      </p:sp>
+      <p:sp>
+        <p:nvSpPr>
+          <p:cNvPr id="4" name="投影片編號版面配置區 3"/>
+          <p:cNvSpPr>
+            <a:spLocks noGrp="1"/>
+          </p:cNvSpPr>
+          <p:nvPr>
+            <p:ph type="sldNum" sz="quarter" idx="5"/>
+          </p:nvPr>
+        </p:nvSpPr>
+        <p:spPr/>
+        <p:txBody>
+          <a:bodyPr/>
+          <a:lstStyle/>
+          <a:p>
+            <a:fld id="{F960D863-0840-4A60-98AE-D4C28C7ABD83}" type="slidenum">
+              <a:rPr lang="zh-TW" altLang="en-US" smtClean="0"/>
+              <a:t>10</a:t>
+            </a:fld>
+            <a:endParaRPr lang="zh-TW" altLang="en-US"/>
+          </a:p>
+        </p:txBody>
+      </p:sp>
+    </p:spTree>
+    <p:extLst>
+      <p:ext uri="{BB962C8B-B14F-4D97-AF65-F5344CB8AC3E}">
+        <p14:creationId xmlns:p14="http://schemas.microsoft.com/office/powerpoint/2010/main" val="1724469058"/>
+      </p:ext>
+    </p:extLst>
+  </p:cSld>
+  <p:clrMapOvr>
+    <a:masterClrMapping/>
+  </p:clrMapOvr>
+</p:notes>
+</file>
+
 <file path=ppt/slideLayouts/slideLayout1.xml><?xml version="1.0" encoding="utf-8"?>
 <p:sldLayout xmlns:a="http://schemas.openxmlformats.org/drawingml/2006/main" xmlns:r="http://schemas.openxmlformats.org/officeDocument/2006/relationships" xmlns:p="http://schemas.openxmlformats.org/presentationml/2006/main" type="title" preserve="1">
   <p:cSld name="標題投影片">
@@ -872,7 +960,7 @@
           <a:p>
             <a:fld id="{2C483583-726F-4CEF-B4B2-08AF0FF0A7A3}" type="datetimeFigureOut">
               <a:rPr lang="zh-TW" altLang="en-US" smtClean="0"/>
-              <a:t>2020/6/3</a:t>
+              <a:t>2020/6/17</a:t>
             </a:fld>
             <a:endParaRPr lang="zh-TW" altLang="en-US"/>
           </a:p>
@@ -1070,7 +1158,7 @@
           <a:p>
             <a:fld id="{2C483583-726F-4CEF-B4B2-08AF0FF0A7A3}" type="datetimeFigureOut">
               <a:rPr lang="zh-TW" altLang="en-US" smtClean="0"/>
-              <a:t>2020/6/3</a:t>
+              <a:t>2020/6/17</a:t>
             </a:fld>
             <a:endParaRPr lang="zh-TW" altLang="en-US"/>
           </a:p>
@@ -1278,7 +1366,7 @@
           <a:p>
             <a:fld id="{2C483583-726F-4CEF-B4B2-08AF0FF0A7A3}" type="datetimeFigureOut">
               <a:rPr lang="zh-TW" altLang="en-US" smtClean="0"/>
-              <a:t>2020/6/3</a:t>
+              <a:t>2020/6/17</a:t>
             </a:fld>
             <a:endParaRPr lang="zh-TW" altLang="en-US"/>
           </a:p>
@@ -1476,7 +1564,7 @@
           <a:p>
             <a:fld id="{2C483583-726F-4CEF-B4B2-08AF0FF0A7A3}" type="datetimeFigureOut">
               <a:rPr lang="zh-TW" altLang="en-US" smtClean="0"/>
-              <a:t>2020/6/3</a:t>
+              <a:t>2020/6/17</a:t>
             </a:fld>
             <a:endParaRPr lang="zh-TW" altLang="en-US"/>
           </a:p>
@@ -1751,7 +1839,7 @@
           <a:p>
             <a:fld id="{2C483583-726F-4CEF-B4B2-08AF0FF0A7A3}" type="datetimeFigureOut">
               <a:rPr lang="zh-TW" altLang="en-US" smtClean="0"/>
-              <a:t>2020/6/3</a:t>
+              <a:t>2020/6/17</a:t>
             </a:fld>
             <a:endParaRPr lang="zh-TW" altLang="en-US"/>
           </a:p>
@@ -2016,7 +2104,7 @@
           <a:p>
             <a:fld id="{2C483583-726F-4CEF-B4B2-08AF0FF0A7A3}" type="datetimeFigureOut">
               <a:rPr lang="zh-TW" altLang="en-US" smtClean="0"/>
-              <a:t>2020/6/3</a:t>
+              <a:t>2020/6/17</a:t>
             </a:fld>
             <a:endParaRPr lang="zh-TW" altLang="en-US"/>
           </a:p>
@@ -2428,7 +2516,7 @@
           <a:p>
             <a:fld id="{2C483583-726F-4CEF-B4B2-08AF0FF0A7A3}" type="datetimeFigureOut">
               <a:rPr lang="zh-TW" altLang="en-US" smtClean="0"/>
-              <a:t>2020/6/3</a:t>
+              <a:t>2020/6/17</a:t>
             </a:fld>
             <a:endParaRPr lang="zh-TW" altLang="en-US"/>
           </a:p>
@@ -2569,7 +2657,7 @@
           <a:p>
             <a:fld id="{2C483583-726F-4CEF-B4B2-08AF0FF0A7A3}" type="datetimeFigureOut">
               <a:rPr lang="zh-TW" altLang="en-US" smtClean="0"/>
-              <a:t>2020/6/3</a:t>
+              <a:t>2020/6/17</a:t>
             </a:fld>
             <a:endParaRPr lang="zh-TW" altLang="en-US"/>
           </a:p>
@@ -2682,7 +2770,7 @@
           <a:p>
             <a:fld id="{2C483583-726F-4CEF-B4B2-08AF0FF0A7A3}" type="datetimeFigureOut">
               <a:rPr lang="zh-TW" altLang="en-US" smtClean="0"/>
-              <a:t>2020/6/3</a:t>
+              <a:t>2020/6/17</a:t>
             </a:fld>
             <a:endParaRPr lang="zh-TW" altLang="en-US"/>
           </a:p>
@@ -2993,7 +3081,7 @@
           <a:p>
             <a:fld id="{2C483583-726F-4CEF-B4B2-08AF0FF0A7A3}" type="datetimeFigureOut">
               <a:rPr lang="zh-TW" altLang="en-US" smtClean="0"/>
-              <a:t>2020/6/3</a:t>
+              <a:t>2020/6/17</a:t>
             </a:fld>
             <a:endParaRPr lang="zh-TW" altLang="en-US"/>
           </a:p>
@@ -3281,7 +3369,7 @@
           <a:p>
             <a:fld id="{2C483583-726F-4CEF-B4B2-08AF0FF0A7A3}" type="datetimeFigureOut">
               <a:rPr lang="zh-TW" altLang="en-US" smtClean="0"/>
-              <a:t>2020/6/3</a:t>
+              <a:t>2020/6/17</a:t>
             </a:fld>
             <a:endParaRPr lang="zh-TW" altLang="en-US"/>
           </a:p>
@@ -3522,7 +3610,7 @@
           <a:p>
             <a:fld id="{2C483583-726F-4CEF-B4B2-08AF0FF0A7A3}" type="datetimeFigureOut">
               <a:rPr lang="zh-TW" altLang="en-US" smtClean="0"/>
-              <a:t>2020/6/3</a:t>
+              <a:t>2020/6/17</a:t>
             </a:fld>
             <a:endParaRPr lang="zh-TW" altLang="en-US"/>
           </a:p>
@@ -4357,6 +4445,1685 @@
           <a:chExt cx="0" cy="0"/>
         </a:xfrm>
       </p:grpSpPr>
+      <p:pic>
+        <p:nvPicPr>
+          <p:cNvPr id="7" name="圖片 6" descr="一張含有 標誌, 畫畫 的圖片&#10;&#10;自動產生的描述">
+            <a:extLst>
+              <a:ext uri="{FF2B5EF4-FFF2-40B4-BE49-F238E27FC236}">
+                <a16:creationId xmlns:a16="http://schemas.microsoft.com/office/drawing/2014/main" id="{84AC7FCD-D6BB-435A-934C-40A49D5151D7}"/>
+              </a:ext>
+            </a:extLst>
+          </p:cNvPr>
+          <p:cNvPicPr>
+            <a:picLocks noChangeAspect="1"/>
+          </p:cNvPicPr>
+          <p:nvPr/>
+        </p:nvPicPr>
+        <p:blipFill>
+          <a:blip r:embed="rId3">
+            <a:extLst>
+              <a:ext uri="{28A0092B-C50C-407E-A947-70E740481C1C}">
+                <a14:useLocalDpi xmlns:a14="http://schemas.microsoft.com/office/drawing/2010/main" val="0"/>
+              </a:ext>
+            </a:extLst>
+          </a:blip>
+          <a:stretch>
+            <a:fillRect/>
+          </a:stretch>
+        </p:blipFill>
+        <p:spPr>
+          <a:xfrm>
+            <a:off x="4659549" y="1603391"/>
+            <a:ext cx="7388548" cy="4156058"/>
+          </a:xfrm>
+          <a:prstGeom prst="rect">
+            <a:avLst/>
+          </a:prstGeom>
+        </p:spPr>
+      </p:pic>
+      <p:sp>
+        <p:nvSpPr>
+          <p:cNvPr id="2" name="標題 1">
+            <a:extLst>
+              <a:ext uri="{FF2B5EF4-FFF2-40B4-BE49-F238E27FC236}">
+                <a16:creationId xmlns:a16="http://schemas.microsoft.com/office/drawing/2014/main" id="{FB9C48E2-8073-4458-AC80-D986239BA622}"/>
+              </a:ext>
+            </a:extLst>
+          </p:cNvPr>
+          <p:cNvSpPr>
+            <a:spLocks noGrp="1"/>
+          </p:cNvSpPr>
+          <p:nvPr>
+            <p:ph type="title"/>
+          </p:nvPr>
+        </p:nvSpPr>
+        <p:spPr/>
+        <p:txBody>
+          <a:bodyPr/>
+          <a:lstStyle/>
+          <a:p>
+            <a:r>
+              <a:rPr lang="zh-TW" altLang="en-US" dirty="0">
+                <a:latin typeface="微軟正黑體" panose="020B0604030504040204" pitchFamily="34" charset="-120"/>
+                <a:ea typeface="微軟正黑體" panose="020B0604030504040204" pitchFamily="34" charset="-120"/>
+              </a:rPr>
+              <a:t>模組測試</a:t>
+            </a:r>
+            <a:r>
+              <a:rPr lang="en-US" altLang="zh-TW" dirty="0">
+                <a:latin typeface="微軟正黑體" panose="020B0604030504040204" pitchFamily="34" charset="-120"/>
+                <a:ea typeface="微軟正黑體" panose="020B0604030504040204" pitchFamily="34" charset="-120"/>
+              </a:rPr>
+              <a:t>-</a:t>
+            </a:r>
+            <a:r>
+              <a:rPr lang="zh-TW" altLang="en-US" dirty="0">
+                <a:latin typeface="微軟正黑體" panose="020B0604030504040204" pitchFamily="34" charset="-120"/>
+                <a:ea typeface="微軟正黑體" panose="020B0604030504040204" pitchFamily="34" charset="-120"/>
+              </a:rPr>
+              <a:t>熱感影像處理</a:t>
+            </a:r>
+          </a:p>
+        </p:txBody>
+      </p:sp>
+      <p:pic>
+        <p:nvPicPr>
+          <p:cNvPr id="5" name="圖片 4">
+            <a:extLst>
+              <a:ext uri="{FF2B5EF4-FFF2-40B4-BE49-F238E27FC236}">
+                <a16:creationId xmlns:a16="http://schemas.microsoft.com/office/drawing/2014/main" id="{CF18482E-268D-4FE4-8627-AA6BBFF3522A}"/>
+              </a:ext>
+            </a:extLst>
+          </p:cNvPr>
+          <p:cNvPicPr>
+            <a:picLocks noChangeAspect="1"/>
+          </p:cNvPicPr>
+          <p:nvPr/>
+        </p:nvPicPr>
+        <p:blipFill>
+          <a:blip r:embed="rId4">
+            <a:extLst>
+              <a:ext uri="{28A0092B-C50C-407E-A947-70E740481C1C}">
+                <a14:useLocalDpi xmlns:a14="http://schemas.microsoft.com/office/drawing/2010/main" val="0"/>
+              </a:ext>
+            </a:extLst>
+          </a:blip>
+          <a:stretch>
+            <a:fillRect/>
+          </a:stretch>
+        </p:blipFill>
+        <p:spPr>
+          <a:xfrm>
+            <a:off x="0" y="3635375"/>
+            <a:ext cx="4456163" cy="2124075"/>
+          </a:xfrm>
+          <a:prstGeom prst="rect">
+            <a:avLst/>
+          </a:prstGeom>
+        </p:spPr>
+      </p:pic>
+      <p:sp>
+        <p:nvSpPr>
+          <p:cNvPr id="9" name="文字方塊 8">
+            <a:extLst>
+              <a:ext uri="{FF2B5EF4-FFF2-40B4-BE49-F238E27FC236}">
+                <a16:creationId xmlns:a16="http://schemas.microsoft.com/office/drawing/2014/main" id="{49A226F6-7BDD-4898-9707-F86E704DA1C9}"/>
+              </a:ext>
+            </a:extLst>
+          </p:cNvPr>
+          <p:cNvSpPr txBox="1"/>
+          <p:nvPr/>
+        </p:nvSpPr>
+        <p:spPr>
+          <a:xfrm>
+            <a:off x="4659548" y="5759449"/>
+            <a:ext cx="7532451" cy="646331"/>
+          </a:xfrm>
+          <a:prstGeom prst="rect">
+            <a:avLst/>
+          </a:prstGeom>
+          <a:noFill/>
+        </p:spPr>
+        <p:txBody>
+          <a:bodyPr wrap="square" rtlCol="0">
+            <a:spAutoFit/>
+          </a:bodyPr>
+          <a:lstStyle/>
+          <a:p>
+            <a:r>
+              <a:rPr lang="zh-TW" altLang="en-US" dirty="0"/>
+              <a:t>將溫度資料接受後，調整兩個攝影機視角差異，目前需手動調整參數</a:t>
+            </a:r>
+            <a:r>
+              <a:rPr lang="en-US" altLang="zh-TW" dirty="0"/>
+              <a:t>(</a:t>
+            </a:r>
+            <a:r>
+              <a:rPr lang="zh-TW" altLang="en-US" dirty="0"/>
+              <a:t>且需要多次</a:t>
+            </a:r>
+            <a:r>
+              <a:rPr lang="en-US" altLang="zh-TW" dirty="0"/>
+              <a:t>)</a:t>
+            </a:r>
+            <a:r>
+              <a:rPr lang="zh-TW" altLang="en-US" dirty="0"/>
+              <a:t>，後續預計設計一個輔助程式協助取得參數</a:t>
+            </a:r>
+            <a:r>
+              <a:rPr lang="en-US" altLang="zh-TW" dirty="0"/>
+              <a:t>(</a:t>
+            </a:r>
+            <a:r>
+              <a:rPr lang="zh-TW" altLang="en-US" dirty="0"/>
+              <a:t>修正視角</a:t>
+            </a:r>
+            <a:r>
+              <a:rPr lang="en-US" altLang="zh-TW" dirty="0"/>
+              <a:t>)</a:t>
+            </a:r>
+            <a:endParaRPr lang="zh-TW" altLang="en-US" dirty="0"/>
+          </a:p>
+        </p:txBody>
+      </p:sp>
+      <p:sp>
+        <p:nvSpPr>
+          <p:cNvPr id="10" name="矩形 9">
+            <a:extLst>
+              <a:ext uri="{FF2B5EF4-FFF2-40B4-BE49-F238E27FC236}">
+                <a16:creationId xmlns:a16="http://schemas.microsoft.com/office/drawing/2014/main" id="{606B3D2D-E357-443B-9215-95B1C29E7B52}"/>
+              </a:ext>
+            </a:extLst>
+          </p:cNvPr>
+          <p:cNvSpPr/>
+          <p:nvPr/>
+        </p:nvSpPr>
+        <p:spPr>
+          <a:xfrm>
+            <a:off x="0" y="6266632"/>
+            <a:ext cx="1772239" cy="452486"/>
+          </a:xfrm>
+          <a:prstGeom prst="rect">
+            <a:avLst/>
+          </a:prstGeom>
+          <a:solidFill>
+            <a:schemeClr val="accent4">
+              <a:lumMod val="60000"/>
+              <a:lumOff val="40000"/>
+            </a:schemeClr>
+          </a:solidFill>
+        </p:spPr>
+        <p:style>
+          <a:lnRef idx="2">
+            <a:schemeClr val="accent1">
+              <a:shade val="50000"/>
+            </a:schemeClr>
+          </a:lnRef>
+          <a:fillRef idx="1">
+            <a:schemeClr val="accent1"/>
+          </a:fillRef>
+          <a:effectRef idx="0">
+            <a:schemeClr val="accent1"/>
+          </a:effectRef>
+          <a:fontRef idx="minor">
+            <a:schemeClr val="lt1"/>
+          </a:fontRef>
+        </p:style>
+        <p:txBody>
+          <a:bodyPr rtlCol="0" anchor="ctr"/>
+          <a:lstStyle/>
+          <a:p>
+            <a:pPr algn="ctr"/>
+            <a:r>
+              <a:rPr lang="zh-TW" altLang="en-US" sz="1400" dirty="0"/>
+              <a:t>輔助修正視角程式</a:t>
+            </a:r>
+          </a:p>
+        </p:txBody>
+      </p:sp>
+      <p:cxnSp>
+        <p:nvCxnSpPr>
+          <p:cNvPr id="13" name="接點: 肘形 12">
+            <a:extLst>
+              <a:ext uri="{FF2B5EF4-FFF2-40B4-BE49-F238E27FC236}">
+                <a16:creationId xmlns:a16="http://schemas.microsoft.com/office/drawing/2014/main" id="{EB13A3B4-E29C-4652-98FB-9A989D22C8DB}"/>
+              </a:ext>
+            </a:extLst>
+          </p:cNvPr>
+          <p:cNvCxnSpPr>
+            <a:cxnSpLocks/>
+            <a:stCxn id="10" idx="0"/>
+          </p:cNvCxnSpPr>
+          <p:nvPr/>
+        </p:nvCxnSpPr>
+        <p:spPr>
+          <a:xfrm rot="5400000" flipH="1" flipV="1">
+            <a:off x="858856" y="5730320"/>
+            <a:ext cx="563577" cy="509049"/>
+          </a:xfrm>
+          <a:prstGeom prst="bentConnector3">
+            <a:avLst>
+              <a:gd name="adj1" fmla="val 50000"/>
+            </a:avLst>
+          </a:prstGeom>
+          <a:ln>
+            <a:tailEnd type="triangle"/>
+          </a:ln>
+        </p:spPr>
+        <p:style>
+          <a:lnRef idx="1">
+            <a:schemeClr val="accent1"/>
+          </a:lnRef>
+          <a:fillRef idx="0">
+            <a:schemeClr val="accent1"/>
+          </a:fillRef>
+          <a:effectRef idx="0">
+            <a:schemeClr val="accent1"/>
+          </a:effectRef>
+          <a:fontRef idx="minor">
+            <a:schemeClr val="tx1"/>
+          </a:fontRef>
+        </p:style>
+      </p:cxnSp>
+      <p:pic>
+        <p:nvPicPr>
+          <p:cNvPr id="24" name="圖片 23">
+            <a:extLst>
+              <a:ext uri="{FF2B5EF4-FFF2-40B4-BE49-F238E27FC236}">
+                <a16:creationId xmlns:a16="http://schemas.microsoft.com/office/drawing/2014/main" id="{24322F05-A91D-4695-A6E0-9A3891B7E232}"/>
+              </a:ext>
+            </a:extLst>
+          </p:cNvPr>
+          <p:cNvPicPr>
+            <a:picLocks noChangeAspect="1"/>
+          </p:cNvPicPr>
+          <p:nvPr/>
+        </p:nvPicPr>
+        <p:blipFill>
+          <a:blip r:embed="rId5">
+            <a:extLst>
+              <a:ext uri="{28A0092B-C50C-407E-A947-70E740481C1C}">
+                <a14:useLocalDpi xmlns:a14="http://schemas.microsoft.com/office/drawing/2010/main" val="0"/>
+              </a:ext>
+            </a:extLst>
+          </a:blip>
+          <a:stretch>
+            <a:fillRect/>
+          </a:stretch>
+        </p:blipFill>
+        <p:spPr>
+          <a:xfrm>
+            <a:off x="0" y="1928284"/>
+            <a:ext cx="4911773" cy="1325563"/>
+          </a:xfrm>
+          <a:prstGeom prst="rect">
+            <a:avLst/>
+          </a:prstGeom>
+        </p:spPr>
+      </p:pic>
+    </p:spTree>
+    <p:extLst>
+      <p:ext uri="{BB962C8B-B14F-4D97-AF65-F5344CB8AC3E}">
+        <p14:creationId xmlns:p14="http://schemas.microsoft.com/office/powerpoint/2010/main" val="1882928613"/>
+      </p:ext>
+    </p:extLst>
+  </p:cSld>
+  <p:clrMapOvr>
+    <a:masterClrMapping/>
+  </p:clrMapOvr>
+</p:sld>
+</file>
+
+<file path=ppt/slides/slide11.xml><?xml version="1.0" encoding="utf-8"?>
+<p:sld xmlns:a="http://schemas.openxmlformats.org/drawingml/2006/main" xmlns:r="http://schemas.openxmlformats.org/officeDocument/2006/relationships" xmlns:p="http://schemas.openxmlformats.org/presentationml/2006/main">
+  <p:cSld>
+    <p:spTree>
+      <p:nvGrpSpPr>
+        <p:cNvPr id="1" name=""/>
+        <p:cNvGrpSpPr/>
+        <p:nvPr/>
+      </p:nvGrpSpPr>
+      <p:grpSpPr>
+        <a:xfrm>
+          <a:off x="0" y="0"/>
+          <a:ext cx="0" cy="0"/>
+          <a:chOff x="0" y="0"/>
+          <a:chExt cx="0" cy="0"/>
+        </a:xfrm>
+      </p:grpSpPr>
+      <p:sp>
+        <p:nvSpPr>
+          <p:cNvPr id="2" name="標題 1">
+            <a:extLst>
+              <a:ext uri="{FF2B5EF4-FFF2-40B4-BE49-F238E27FC236}">
+                <a16:creationId xmlns:a16="http://schemas.microsoft.com/office/drawing/2014/main" id="{FB9C48E2-8073-4458-AC80-D986239BA622}"/>
+              </a:ext>
+            </a:extLst>
+          </p:cNvPr>
+          <p:cNvSpPr>
+            <a:spLocks noGrp="1"/>
+          </p:cNvSpPr>
+          <p:nvPr>
+            <p:ph type="title"/>
+          </p:nvPr>
+        </p:nvSpPr>
+        <p:spPr/>
+        <p:txBody>
+          <a:bodyPr/>
+          <a:lstStyle/>
+          <a:p>
+            <a:r>
+              <a:rPr lang="zh-TW" altLang="en-US" dirty="0">
+                <a:latin typeface="微軟正黑體" panose="020B0604030504040204" pitchFamily="34" charset="-120"/>
+                <a:ea typeface="微軟正黑體" panose="020B0604030504040204" pitchFamily="34" charset="-120"/>
+              </a:rPr>
+              <a:t>模組測試</a:t>
+            </a:r>
+            <a:r>
+              <a:rPr lang="en-US" altLang="zh-TW" dirty="0">
+                <a:latin typeface="微軟正黑體" panose="020B0604030504040204" pitchFamily="34" charset="-120"/>
+                <a:ea typeface="微軟正黑體" panose="020B0604030504040204" pitchFamily="34" charset="-120"/>
+              </a:rPr>
+              <a:t>-RCNN</a:t>
+            </a:r>
+            <a:r>
+              <a:rPr lang="zh-TW" altLang="en-US" dirty="0">
+                <a:latin typeface="微軟正黑體" panose="020B0604030504040204" pitchFamily="34" charset="-120"/>
+                <a:ea typeface="微軟正黑體" panose="020B0604030504040204" pitchFamily="34" charset="-120"/>
+              </a:rPr>
+              <a:t>切割人群</a:t>
+            </a:r>
+          </a:p>
+        </p:txBody>
+      </p:sp>
+      <p:pic>
+        <p:nvPicPr>
+          <p:cNvPr id="4" name="圖片 3">
+            <a:extLst>
+              <a:ext uri="{FF2B5EF4-FFF2-40B4-BE49-F238E27FC236}">
+                <a16:creationId xmlns:a16="http://schemas.microsoft.com/office/drawing/2014/main" id="{D3DB1499-ECE9-4EBA-A996-CA1EFFA728A1}"/>
+              </a:ext>
+            </a:extLst>
+          </p:cNvPr>
+          <p:cNvPicPr>
+            <a:picLocks noChangeAspect="1"/>
+          </p:cNvPicPr>
+          <p:nvPr/>
+        </p:nvPicPr>
+        <p:blipFill>
+          <a:blip r:embed="rId2">
+            <a:extLst>
+              <a:ext uri="{28A0092B-C50C-407E-A947-70E740481C1C}">
+                <a14:useLocalDpi xmlns:a14="http://schemas.microsoft.com/office/drawing/2010/main" val="0"/>
+              </a:ext>
+            </a:extLst>
+          </a:blip>
+          <a:srcRect/>
+          <a:stretch/>
+        </p:blipFill>
+        <p:spPr>
+          <a:xfrm>
+            <a:off x="0" y="3635375"/>
+            <a:ext cx="4456163" cy="2124074"/>
+          </a:xfrm>
+          <a:prstGeom prst="rect">
+            <a:avLst/>
+          </a:prstGeom>
+        </p:spPr>
+      </p:pic>
+      <p:pic>
+        <p:nvPicPr>
+          <p:cNvPr id="6" name="圖片 5" descr="一張含有 室內, 天花板, 廚房, 房間 的圖片&#10;&#10;自動產生的描述">
+            <a:extLst>
+              <a:ext uri="{FF2B5EF4-FFF2-40B4-BE49-F238E27FC236}">
+                <a16:creationId xmlns:a16="http://schemas.microsoft.com/office/drawing/2014/main" id="{B72BBBB9-4E2B-45B5-950C-34C8CC8AA137}"/>
+              </a:ext>
+            </a:extLst>
+          </p:cNvPr>
+          <p:cNvPicPr>
+            <a:picLocks noChangeAspect="1"/>
+          </p:cNvPicPr>
+          <p:nvPr/>
+        </p:nvPicPr>
+        <p:blipFill>
+          <a:blip r:embed="rId3">
+            <a:extLst>
+              <a:ext uri="{28A0092B-C50C-407E-A947-70E740481C1C}">
+                <a14:useLocalDpi xmlns:a14="http://schemas.microsoft.com/office/drawing/2010/main" val="0"/>
+              </a:ext>
+            </a:extLst>
+          </a:blip>
+          <a:stretch>
+            <a:fillRect/>
+          </a:stretch>
+        </p:blipFill>
+        <p:spPr>
+          <a:xfrm>
+            <a:off x="4659549" y="1603391"/>
+            <a:ext cx="7388548" cy="4156058"/>
+          </a:xfrm>
+          <a:prstGeom prst="rect">
+            <a:avLst/>
+          </a:prstGeom>
+        </p:spPr>
+      </p:pic>
+      <p:sp>
+        <p:nvSpPr>
+          <p:cNvPr id="7" name="文字方塊 6">
+            <a:extLst>
+              <a:ext uri="{FF2B5EF4-FFF2-40B4-BE49-F238E27FC236}">
+                <a16:creationId xmlns:a16="http://schemas.microsoft.com/office/drawing/2014/main" id="{4CCA4F47-FF98-49D1-A8CA-55EECE062246}"/>
+              </a:ext>
+            </a:extLst>
+          </p:cNvPr>
+          <p:cNvSpPr txBox="1"/>
+          <p:nvPr/>
+        </p:nvSpPr>
+        <p:spPr>
+          <a:xfrm>
+            <a:off x="4659548" y="5759449"/>
+            <a:ext cx="7532451" cy="369332"/>
+          </a:xfrm>
+          <a:prstGeom prst="rect">
+            <a:avLst/>
+          </a:prstGeom>
+          <a:noFill/>
+        </p:spPr>
+        <p:txBody>
+          <a:bodyPr wrap="square" rtlCol="0">
+            <a:spAutoFit/>
+          </a:bodyPr>
+          <a:lstStyle/>
+          <a:p>
+            <a:r>
+              <a:rPr lang="zh-TW" altLang="en-US" dirty="0"/>
+              <a:t>判斷圖中人的位置</a:t>
+            </a:r>
+            <a:r>
+              <a:rPr lang="en-US" altLang="zh-TW" dirty="0">
+                <a:sym typeface="Wingdings" panose="05000000000000000000" pitchFamily="2" charset="2"/>
+              </a:rPr>
+              <a:t></a:t>
+            </a:r>
+            <a:r>
+              <a:rPr lang="zh-TW" altLang="en-US" dirty="0"/>
+              <a:t>方框</a:t>
+            </a:r>
+            <a:r>
+              <a:rPr lang="en-US" altLang="zh-TW" dirty="0"/>
+              <a:t>&amp;</a:t>
+            </a:r>
+            <a:r>
+              <a:rPr lang="zh-TW" altLang="en-US" dirty="0"/>
+              <a:t>輪廓</a:t>
+            </a:r>
+          </a:p>
+        </p:txBody>
+      </p:sp>
+      <p:pic>
+        <p:nvPicPr>
+          <p:cNvPr id="8" name="圖片 7">
+            <a:extLst>
+              <a:ext uri="{FF2B5EF4-FFF2-40B4-BE49-F238E27FC236}">
+                <a16:creationId xmlns:a16="http://schemas.microsoft.com/office/drawing/2014/main" id="{4BAB3F80-A582-4ADF-A4C9-B644769D27E6}"/>
+              </a:ext>
+            </a:extLst>
+          </p:cNvPr>
+          <p:cNvPicPr>
+            <a:picLocks noChangeAspect="1"/>
+          </p:cNvPicPr>
+          <p:nvPr/>
+        </p:nvPicPr>
+        <p:blipFill>
+          <a:blip r:embed="rId4">
+            <a:extLst>
+              <a:ext uri="{28A0092B-C50C-407E-A947-70E740481C1C}">
+                <a14:useLocalDpi xmlns:a14="http://schemas.microsoft.com/office/drawing/2010/main" val="0"/>
+              </a:ext>
+            </a:extLst>
+          </a:blip>
+          <a:srcRect/>
+          <a:stretch/>
+        </p:blipFill>
+        <p:spPr>
+          <a:xfrm>
+            <a:off x="0" y="1928284"/>
+            <a:ext cx="4911773" cy="1325562"/>
+          </a:xfrm>
+          <a:prstGeom prst="rect">
+            <a:avLst/>
+          </a:prstGeom>
+        </p:spPr>
+      </p:pic>
+    </p:spTree>
+    <p:extLst>
+      <p:ext uri="{BB962C8B-B14F-4D97-AF65-F5344CB8AC3E}">
+        <p14:creationId xmlns:p14="http://schemas.microsoft.com/office/powerpoint/2010/main" val="2942019148"/>
+      </p:ext>
+    </p:extLst>
+  </p:cSld>
+  <p:clrMapOvr>
+    <a:masterClrMapping/>
+  </p:clrMapOvr>
+</p:sld>
+</file>
+
+<file path=ppt/slides/slide12.xml><?xml version="1.0" encoding="utf-8"?>
+<p:sld xmlns:a="http://schemas.openxmlformats.org/drawingml/2006/main" xmlns:r="http://schemas.openxmlformats.org/officeDocument/2006/relationships" xmlns:p="http://schemas.openxmlformats.org/presentationml/2006/main">
+  <p:cSld>
+    <p:spTree>
+      <p:nvGrpSpPr>
+        <p:cNvPr id="1" name=""/>
+        <p:cNvGrpSpPr/>
+        <p:nvPr/>
+      </p:nvGrpSpPr>
+      <p:grpSpPr>
+        <a:xfrm>
+          <a:off x="0" y="0"/>
+          <a:ext cx="0" cy="0"/>
+          <a:chOff x="0" y="0"/>
+          <a:chExt cx="0" cy="0"/>
+        </a:xfrm>
+      </p:grpSpPr>
+      <p:pic>
+        <p:nvPicPr>
+          <p:cNvPr id="9" name="內容版面配置區 8" descr="一張含有 標誌, 畫畫 的圖片&#10;&#10;自動產生的描述">
+            <a:extLst>
+              <a:ext uri="{FF2B5EF4-FFF2-40B4-BE49-F238E27FC236}">
+                <a16:creationId xmlns:a16="http://schemas.microsoft.com/office/drawing/2014/main" id="{9D015637-872A-40CA-98C2-8D0A60C37726}"/>
+              </a:ext>
+            </a:extLst>
+          </p:cNvPr>
+          <p:cNvPicPr>
+            <a:picLocks noGrp="1" noChangeAspect="1"/>
+          </p:cNvPicPr>
+          <p:nvPr>
+            <p:ph idx="1"/>
+          </p:nvPr>
+        </p:nvPicPr>
+        <p:blipFill>
+          <a:blip r:embed="rId2">
+            <a:extLst>
+              <a:ext uri="{28A0092B-C50C-407E-A947-70E740481C1C}">
+                <a14:useLocalDpi xmlns:a14="http://schemas.microsoft.com/office/drawing/2010/main" val="0"/>
+              </a:ext>
+            </a:extLst>
+          </a:blip>
+          <a:stretch>
+            <a:fillRect/>
+          </a:stretch>
+        </p:blipFill>
+        <p:spPr>
+          <a:xfrm>
+            <a:off x="0" y="2420261"/>
+            <a:ext cx="6144876" cy="3456493"/>
+          </a:xfrm>
+          <a:prstGeom prst="rect">
+            <a:avLst/>
+          </a:prstGeom>
+        </p:spPr>
+      </p:pic>
+      <p:pic>
+        <p:nvPicPr>
+          <p:cNvPr id="11" name="圖片 10" descr="一張含有 室內, 天花板, 廚房, 房間 的圖片&#10;&#10;自動產生的描述">
+            <a:extLst>
+              <a:ext uri="{FF2B5EF4-FFF2-40B4-BE49-F238E27FC236}">
+                <a16:creationId xmlns:a16="http://schemas.microsoft.com/office/drawing/2014/main" id="{EC0E7BD5-7347-4648-AF59-A1E85316B59A}"/>
+              </a:ext>
+            </a:extLst>
+          </p:cNvPr>
+          <p:cNvPicPr>
+            <a:picLocks noChangeAspect="1"/>
+          </p:cNvPicPr>
+          <p:nvPr/>
+        </p:nvPicPr>
+        <p:blipFill>
+          <a:blip r:embed="rId3">
+            <a:extLst>
+              <a:ext uri="{28A0092B-C50C-407E-A947-70E740481C1C}">
+                <a14:useLocalDpi xmlns:a14="http://schemas.microsoft.com/office/drawing/2010/main" val="0"/>
+              </a:ext>
+            </a:extLst>
+          </a:blip>
+          <a:stretch>
+            <a:fillRect/>
+          </a:stretch>
+        </p:blipFill>
+        <p:spPr>
+          <a:xfrm>
+            <a:off x="6047123" y="2420260"/>
+            <a:ext cx="6144877" cy="3456493"/>
+          </a:xfrm>
+          <a:prstGeom prst="rect">
+            <a:avLst/>
+          </a:prstGeom>
+        </p:spPr>
+      </p:pic>
+      <p:sp>
+        <p:nvSpPr>
+          <p:cNvPr id="16" name="標題 1">
+            <a:extLst>
+              <a:ext uri="{FF2B5EF4-FFF2-40B4-BE49-F238E27FC236}">
+                <a16:creationId xmlns:a16="http://schemas.microsoft.com/office/drawing/2014/main" id="{480C106D-E88D-4D97-ADE2-569E031C0466}"/>
+              </a:ext>
+            </a:extLst>
+          </p:cNvPr>
+          <p:cNvSpPr>
+            <a:spLocks noGrp="1"/>
+          </p:cNvSpPr>
+          <p:nvPr>
+            <p:ph type="title"/>
+          </p:nvPr>
+        </p:nvSpPr>
+        <p:spPr>
+          <a:xfrm>
+            <a:off x="838200" y="365125"/>
+            <a:ext cx="10515600" cy="1325563"/>
+          </a:xfrm>
+        </p:spPr>
+        <p:txBody>
+          <a:bodyPr/>
+          <a:lstStyle/>
+          <a:p>
+            <a:r>
+              <a:rPr lang="zh-TW" altLang="en-US" dirty="0">
+                <a:latin typeface="微軟正黑體" panose="020B0604030504040204" pitchFamily="34" charset="-120"/>
+                <a:ea typeface="微軟正黑體" panose="020B0604030504040204" pitchFamily="34" charset="-120"/>
+              </a:rPr>
+              <a:t>模組測試</a:t>
+            </a:r>
+            <a:r>
+              <a:rPr lang="en-US" altLang="zh-TW" dirty="0">
+                <a:latin typeface="微軟正黑體" panose="020B0604030504040204" pitchFamily="34" charset="-120"/>
+                <a:ea typeface="微軟正黑體" panose="020B0604030504040204" pitchFamily="34" charset="-120"/>
+              </a:rPr>
+              <a:t>-</a:t>
+            </a:r>
+            <a:r>
+              <a:rPr lang="zh-TW" altLang="en-US" dirty="0">
+                <a:latin typeface="微軟正黑體" panose="020B0604030504040204" pitchFamily="34" charset="-120"/>
+                <a:ea typeface="微軟正黑體" panose="020B0604030504040204" pitchFamily="34" charset="-120"/>
+              </a:rPr>
+              <a:t>判斷溫度</a:t>
+            </a:r>
+          </a:p>
+        </p:txBody>
+      </p:sp>
+      <p:sp>
+        <p:nvSpPr>
+          <p:cNvPr id="17" name="箭號: 向右 16">
+            <a:extLst>
+              <a:ext uri="{FF2B5EF4-FFF2-40B4-BE49-F238E27FC236}">
+                <a16:creationId xmlns:a16="http://schemas.microsoft.com/office/drawing/2014/main" id="{39AFB758-0F51-4851-AF13-22B86AC4B3E2}"/>
+              </a:ext>
+            </a:extLst>
+          </p:cNvPr>
+          <p:cNvSpPr/>
+          <p:nvPr/>
+        </p:nvSpPr>
+        <p:spPr>
+          <a:xfrm>
+            <a:off x="5486400" y="3569972"/>
+            <a:ext cx="1423447" cy="1168924"/>
+          </a:xfrm>
+          <a:prstGeom prst="rightArrow">
+            <a:avLst/>
+          </a:prstGeom>
+        </p:spPr>
+        <p:style>
+          <a:lnRef idx="2">
+            <a:schemeClr val="accent1">
+              <a:shade val="50000"/>
+            </a:schemeClr>
+          </a:lnRef>
+          <a:fillRef idx="1">
+            <a:schemeClr val="accent1"/>
+          </a:fillRef>
+          <a:effectRef idx="0">
+            <a:schemeClr val="accent1"/>
+          </a:effectRef>
+          <a:fontRef idx="minor">
+            <a:schemeClr val="lt1"/>
+          </a:fontRef>
+        </p:style>
+        <p:txBody>
+          <a:bodyPr rtlCol="0" anchor="ctr"/>
+          <a:lstStyle/>
+          <a:p>
+            <a:pPr algn="ctr"/>
+            <a:endParaRPr lang="zh-TW" altLang="en-US" dirty="0"/>
+          </a:p>
+        </p:txBody>
+      </p:sp>
+    </p:spTree>
+    <p:extLst>
+      <p:ext uri="{BB962C8B-B14F-4D97-AF65-F5344CB8AC3E}">
+        <p14:creationId xmlns:p14="http://schemas.microsoft.com/office/powerpoint/2010/main" val="1374470840"/>
+      </p:ext>
+    </p:extLst>
+  </p:cSld>
+  <p:clrMapOvr>
+    <a:masterClrMapping/>
+  </p:clrMapOvr>
+</p:sld>
+</file>
+
+<file path=ppt/slides/slide13.xml><?xml version="1.0" encoding="utf-8"?>
+<p:sld xmlns:a="http://schemas.openxmlformats.org/drawingml/2006/main" xmlns:r="http://schemas.openxmlformats.org/officeDocument/2006/relationships" xmlns:p="http://schemas.openxmlformats.org/presentationml/2006/main">
+  <p:cSld>
+    <p:spTree>
+      <p:nvGrpSpPr>
+        <p:cNvPr id="1" name=""/>
+        <p:cNvGrpSpPr/>
+        <p:nvPr/>
+      </p:nvGrpSpPr>
+      <p:grpSpPr>
+        <a:xfrm>
+          <a:off x="0" y="0"/>
+          <a:ext cx="0" cy="0"/>
+          <a:chOff x="0" y="0"/>
+          <a:chExt cx="0" cy="0"/>
+        </a:xfrm>
+      </p:grpSpPr>
+      <p:sp>
+        <p:nvSpPr>
+          <p:cNvPr id="2" name="標題 1">
+            <a:extLst>
+              <a:ext uri="{FF2B5EF4-FFF2-40B4-BE49-F238E27FC236}">
+                <a16:creationId xmlns:a16="http://schemas.microsoft.com/office/drawing/2014/main" id="{59620F35-71A6-40A5-9F41-C6AF94108D54}"/>
+              </a:ext>
+            </a:extLst>
+          </p:cNvPr>
+          <p:cNvSpPr>
+            <a:spLocks noGrp="1"/>
+          </p:cNvSpPr>
+          <p:nvPr>
+            <p:ph type="title"/>
+          </p:nvPr>
+        </p:nvSpPr>
+        <p:spPr/>
+        <p:txBody>
+          <a:bodyPr/>
+          <a:lstStyle/>
+          <a:p>
+            <a:r>
+              <a:rPr lang="zh-TW" altLang="en-US" dirty="0"/>
+              <a:t>驗證</a:t>
+            </a:r>
+          </a:p>
+        </p:txBody>
+      </p:sp>
+      <p:sp>
+        <p:nvSpPr>
+          <p:cNvPr id="3" name="內容版面配置區 2">
+            <a:extLst>
+              <a:ext uri="{FF2B5EF4-FFF2-40B4-BE49-F238E27FC236}">
+                <a16:creationId xmlns:a16="http://schemas.microsoft.com/office/drawing/2014/main" id="{867F07CB-90DE-442F-8BAE-6527B35A6E4B}"/>
+              </a:ext>
+            </a:extLst>
+          </p:cNvPr>
+          <p:cNvSpPr>
+            <a:spLocks noGrp="1"/>
+          </p:cNvSpPr>
+          <p:nvPr>
+            <p:ph idx="1"/>
+          </p:nvPr>
+        </p:nvSpPr>
+        <p:spPr/>
+        <p:txBody>
+          <a:bodyPr/>
+          <a:lstStyle/>
+          <a:p>
+            <a:r>
+              <a:rPr lang="zh-TW" altLang="en-US" dirty="0"/>
+              <a:t>每一項需求是否達成</a:t>
+            </a:r>
+            <a:endParaRPr lang="en-US" altLang="zh-TW" dirty="0"/>
+          </a:p>
+          <a:p>
+            <a:r>
+              <a:rPr lang="en-US" altLang="zh-TW" dirty="0"/>
+              <a:t>EX:FPS=100 </a:t>
+            </a:r>
+            <a:r>
+              <a:rPr lang="zh-TW" altLang="en-US" dirty="0"/>
+              <a:t>效能需求規格，測量執行時間</a:t>
+            </a:r>
+            <a:endParaRPr lang="en-US" altLang="zh-TW" dirty="0"/>
+          </a:p>
+          <a:p>
+            <a:endParaRPr lang="en-US" altLang="zh-TW" dirty="0"/>
+          </a:p>
+          <a:p>
+            <a:r>
+              <a:rPr lang="zh-TW" altLang="en-US" dirty="0"/>
+              <a:t>測試計劃書</a:t>
+            </a:r>
+            <a:endParaRPr lang="en-US" altLang="zh-TW" dirty="0"/>
+          </a:p>
+          <a:p>
+            <a:pPr marL="457200" lvl="1" indent="0">
+              <a:buNone/>
+            </a:pPr>
+            <a:r>
+              <a:rPr lang="zh-TW" altLang="en-US" dirty="0"/>
+              <a:t>交叉矩陣</a:t>
+            </a:r>
+            <a:r>
+              <a:rPr lang="en-US" altLang="zh-TW" dirty="0">
+                <a:sym typeface="Wingdings" panose="05000000000000000000" pitchFamily="2" charset="2"/>
+              </a:rPr>
+              <a:t></a:t>
+            </a:r>
+            <a:r>
+              <a:rPr lang="zh-TW" altLang="en-US" dirty="0">
+                <a:sym typeface="Wingdings" panose="05000000000000000000" pitchFamily="2" charset="2"/>
+              </a:rPr>
+              <a:t>結果</a:t>
+            </a:r>
+            <a:r>
+              <a:rPr lang="en-US" altLang="zh-TW" dirty="0">
+                <a:sym typeface="Wingdings" panose="05000000000000000000" pitchFamily="2" charset="2"/>
+              </a:rPr>
+              <a:t>/</a:t>
+            </a:r>
+            <a:r>
+              <a:rPr lang="zh-TW" altLang="en-US" dirty="0">
+                <a:sym typeface="Wingdings" panose="05000000000000000000" pitchFamily="2" charset="2"/>
+              </a:rPr>
+              <a:t>相依性</a:t>
+            </a:r>
+            <a:r>
+              <a:rPr lang="en-US" altLang="zh-TW" dirty="0">
+                <a:sym typeface="Wingdings" panose="05000000000000000000" pitchFamily="2" charset="2"/>
+              </a:rPr>
+              <a:t>|</a:t>
+            </a:r>
+            <a:r>
+              <a:rPr lang="zh-TW" altLang="en-US" dirty="0">
+                <a:sym typeface="Wingdings" panose="05000000000000000000" pitchFamily="2" charset="2"/>
+              </a:rPr>
+              <a:t> 需求等級</a:t>
+            </a:r>
+            <a:r>
+              <a:rPr lang="en-US" altLang="zh-TW" dirty="0">
+                <a:sym typeface="Wingdings" panose="05000000000000000000" pitchFamily="2" charset="2"/>
+              </a:rPr>
+              <a:t>:</a:t>
+            </a:r>
+            <a:r>
+              <a:rPr lang="zh-TW" altLang="en-US" dirty="0">
+                <a:sym typeface="Wingdings" panose="05000000000000000000" pitchFamily="2" charset="2"/>
+              </a:rPr>
+              <a:t>必要</a:t>
+            </a:r>
+            <a:r>
+              <a:rPr lang="en-US" altLang="zh-TW" dirty="0">
+                <a:sym typeface="Wingdings" panose="05000000000000000000" pitchFamily="2" charset="2"/>
+              </a:rPr>
+              <a:t>?</a:t>
+            </a:r>
+            <a:r>
+              <a:rPr lang="zh-TW" altLang="en-US" dirty="0">
+                <a:sym typeface="Wingdings" panose="05000000000000000000" pitchFamily="2" charset="2"/>
+              </a:rPr>
+              <a:t>重要</a:t>
+            </a:r>
+            <a:r>
+              <a:rPr lang="en-US" altLang="zh-TW" dirty="0">
+                <a:sym typeface="Wingdings" panose="05000000000000000000" pitchFamily="2" charset="2"/>
+              </a:rPr>
+              <a:t>?</a:t>
+            </a:r>
+            <a:r>
+              <a:rPr lang="zh-TW" altLang="en-US" dirty="0">
+                <a:sym typeface="Wingdings" panose="05000000000000000000" pitchFamily="2" charset="2"/>
+              </a:rPr>
+              <a:t>最好有</a:t>
+            </a:r>
+            <a:r>
+              <a:rPr lang="en-US" altLang="zh-TW" dirty="0">
+                <a:sym typeface="Wingdings" panose="05000000000000000000" pitchFamily="2" charset="2"/>
+              </a:rPr>
+              <a:t>?</a:t>
+            </a:r>
+            <a:r>
+              <a:rPr lang="zh-TW" altLang="en-US" dirty="0">
+                <a:sym typeface="Wingdings" panose="05000000000000000000" pitchFamily="2" charset="2"/>
+              </a:rPr>
+              <a:t>可有可無</a:t>
+            </a:r>
+            <a:r>
+              <a:rPr lang="en-US" altLang="zh-TW" dirty="0">
+                <a:sym typeface="Wingdings" panose="05000000000000000000" pitchFamily="2" charset="2"/>
+              </a:rPr>
+              <a:t>|</a:t>
+            </a:r>
+          </a:p>
+          <a:p>
+            <a:pPr marL="457200" lvl="1" indent="0">
+              <a:buNone/>
+            </a:pPr>
+            <a:r>
+              <a:rPr lang="en-US" altLang="zh-TW" dirty="0">
+                <a:sym typeface="Wingdings" panose="05000000000000000000" pitchFamily="2" charset="2"/>
+              </a:rPr>
+              <a:t>Testing:</a:t>
+            </a:r>
+            <a:r>
+              <a:rPr lang="zh-TW" altLang="en-US" dirty="0">
+                <a:sym typeface="Wingdings" panose="05000000000000000000" pitchFamily="2" charset="2"/>
+              </a:rPr>
+              <a:t>可控制</a:t>
+            </a:r>
+            <a:r>
+              <a:rPr lang="en-US" altLang="zh-TW" dirty="0">
+                <a:sym typeface="Wingdings" panose="05000000000000000000" pitchFamily="2" charset="2"/>
+              </a:rPr>
+              <a:t>/</a:t>
+            </a:r>
+            <a:r>
+              <a:rPr lang="zh-TW" altLang="en-US" dirty="0">
+                <a:sym typeface="Wingdings" panose="05000000000000000000" pitchFamily="2" charset="2"/>
+              </a:rPr>
+              <a:t>不可控制</a:t>
+            </a:r>
+            <a:endParaRPr lang="zh-TW" altLang="en-US" dirty="0"/>
+          </a:p>
+        </p:txBody>
+      </p:sp>
+      <p:graphicFrame>
+        <p:nvGraphicFramePr>
+          <p:cNvPr id="4" name="表格 4">
+            <a:extLst>
+              <a:ext uri="{FF2B5EF4-FFF2-40B4-BE49-F238E27FC236}">
+                <a16:creationId xmlns:a16="http://schemas.microsoft.com/office/drawing/2014/main" id="{595B2354-AF5F-4100-85F7-105E28DD100A}"/>
+              </a:ext>
+            </a:extLst>
+          </p:cNvPr>
+          <p:cNvGraphicFramePr>
+            <a:graphicFrameLocks noGrp="1"/>
+          </p:cNvGraphicFramePr>
+          <p:nvPr>
+            <p:extLst>
+              <p:ext uri="{D42A27DB-BD31-4B8C-83A1-F6EECF244321}">
+                <p14:modId xmlns:p14="http://schemas.microsoft.com/office/powerpoint/2010/main" val="2128955405"/>
+              </p:ext>
+            </p:extLst>
+          </p:nvPr>
+        </p:nvGraphicFramePr>
+        <p:xfrm>
+          <a:off x="-1003300" y="4921871"/>
+          <a:ext cx="4876800" cy="1849120"/>
+        </p:xfrm>
+        <a:graphic>
+          <a:graphicData uri="http://schemas.openxmlformats.org/drawingml/2006/table">
+            <a:tbl>
+              <a:tblPr firstRow="1" bandRow="1">
+                <a:tableStyleId>{5C22544A-7EE6-4342-B048-85BDC9FD1C3A}</a:tableStyleId>
+              </a:tblPr>
+              <a:tblGrid>
+                <a:gridCol w="1625600">
+                  <a:extLst>
+                    <a:ext uri="{9D8B030D-6E8A-4147-A177-3AD203B41FA5}">
+                      <a16:colId xmlns:a16="http://schemas.microsoft.com/office/drawing/2014/main" val="1890705988"/>
+                    </a:ext>
+                  </a:extLst>
+                </a:gridCol>
+                <a:gridCol w="1625600">
+                  <a:extLst>
+                    <a:ext uri="{9D8B030D-6E8A-4147-A177-3AD203B41FA5}">
+                      <a16:colId xmlns:a16="http://schemas.microsoft.com/office/drawing/2014/main" val="547565736"/>
+                    </a:ext>
+                  </a:extLst>
+                </a:gridCol>
+                <a:gridCol w="1625600">
+                  <a:extLst>
+                    <a:ext uri="{9D8B030D-6E8A-4147-A177-3AD203B41FA5}">
+                      <a16:colId xmlns:a16="http://schemas.microsoft.com/office/drawing/2014/main" val="3481042293"/>
+                    </a:ext>
+                  </a:extLst>
+                </a:gridCol>
+              </a:tblGrid>
+              <a:tr h="370840">
+                <a:tc>
+                  <a:txBody>
+                    <a:bodyPr/>
+                    <a:lstStyle/>
+                    <a:p>
+                      <a:r>
+                        <a:rPr lang="zh-TW" altLang="en-US" dirty="0"/>
+                        <a:t>需求</a:t>
+                      </a:r>
+                    </a:p>
+                  </a:txBody>
+                  <a:tcPr/>
+                </a:tc>
+                <a:tc>
+                  <a:txBody>
+                    <a:bodyPr/>
+                    <a:lstStyle/>
+                    <a:p>
+                      <a:endParaRPr lang="zh-TW" altLang="en-US" dirty="0"/>
+                    </a:p>
+                  </a:txBody>
+                  <a:tcPr/>
+                </a:tc>
+                <a:tc>
+                  <a:txBody>
+                    <a:bodyPr/>
+                    <a:lstStyle/>
+                    <a:p>
+                      <a:endParaRPr lang="zh-TW" altLang="en-US"/>
+                    </a:p>
+                  </a:txBody>
+                  <a:tcPr/>
+                </a:tc>
+                <a:extLst>
+                  <a:ext uri="{0D108BD9-81ED-4DB2-BD59-A6C34878D82A}">
+                    <a16:rowId xmlns:a16="http://schemas.microsoft.com/office/drawing/2014/main" val="94500358"/>
+                  </a:ext>
+                </a:extLst>
+              </a:tr>
+              <a:tr h="370840">
+                <a:tc>
+                  <a:txBody>
+                    <a:bodyPr/>
+                    <a:lstStyle/>
+                    <a:p>
+                      <a:r>
+                        <a:rPr lang="zh-TW" altLang="en-US" dirty="0"/>
+                        <a:t>結果</a:t>
+                      </a:r>
+                    </a:p>
+                  </a:txBody>
+                  <a:tcPr/>
+                </a:tc>
+                <a:tc>
+                  <a:txBody>
+                    <a:bodyPr/>
+                    <a:lstStyle/>
+                    <a:p>
+                      <a:r>
+                        <a:rPr lang="en-US" altLang="zh-TW" dirty="0"/>
+                        <a:t>Pass</a:t>
+                      </a:r>
+                      <a:endParaRPr lang="zh-TW" altLang="en-US" dirty="0"/>
+                    </a:p>
+                  </a:txBody>
+                  <a:tcPr/>
+                </a:tc>
+                <a:tc>
+                  <a:txBody>
+                    <a:bodyPr/>
+                    <a:lstStyle/>
+                    <a:p>
+                      <a:r>
+                        <a:rPr lang="en-US" altLang="zh-TW" dirty="0"/>
+                        <a:t>Failed…</a:t>
+                      </a:r>
+                      <a:endParaRPr lang="zh-TW" altLang="en-US" dirty="0"/>
+                    </a:p>
+                  </a:txBody>
+                  <a:tcPr/>
+                </a:tc>
+                <a:extLst>
+                  <a:ext uri="{0D108BD9-81ED-4DB2-BD59-A6C34878D82A}">
+                    <a16:rowId xmlns:a16="http://schemas.microsoft.com/office/drawing/2014/main" val="3637113258"/>
+                  </a:ext>
+                </a:extLst>
+              </a:tr>
+              <a:tr h="370840">
+                <a:tc>
+                  <a:txBody>
+                    <a:bodyPr/>
+                    <a:lstStyle/>
+                    <a:p>
+                      <a:endParaRPr lang="zh-TW" altLang="en-US"/>
+                    </a:p>
+                  </a:txBody>
+                  <a:tcPr/>
+                </a:tc>
+                <a:tc>
+                  <a:txBody>
+                    <a:bodyPr/>
+                    <a:lstStyle/>
+                    <a:p>
+                      <a:endParaRPr lang="zh-TW" altLang="en-US" dirty="0"/>
+                    </a:p>
+                  </a:txBody>
+                  <a:tcPr/>
+                </a:tc>
+                <a:tc>
+                  <a:txBody>
+                    <a:bodyPr/>
+                    <a:lstStyle/>
+                    <a:p>
+                      <a:endParaRPr lang="zh-TW" altLang="en-US"/>
+                    </a:p>
+                  </a:txBody>
+                  <a:tcPr/>
+                </a:tc>
+                <a:extLst>
+                  <a:ext uri="{0D108BD9-81ED-4DB2-BD59-A6C34878D82A}">
+                    <a16:rowId xmlns:a16="http://schemas.microsoft.com/office/drawing/2014/main" val="3234176034"/>
+                  </a:ext>
+                </a:extLst>
+              </a:tr>
+              <a:tr h="370840">
+                <a:tc>
+                  <a:txBody>
+                    <a:bodyPr/>
+                    <a:lstStyle/>
+                    <a:p>
+                      <a:endParaRPr lang="zh-TW" altLang="en-US"/>
+                    </a:p>
+                  </a:txBody>
+                  <a:tcPr/>
+                </a:tc>
+                <a:tc>
+                  <a:txBody>
+                    <a:bodyPr/>
+                    <a:lstStyle/>
+                    <a:p>
+                      <a:endParaRPr lang="zh-TW" altLang="en-US"/>
+                    </a:p>
+                  </a:txBody>
+                  <a:tcPr/>
+                </a:tc>
+                <a:tc>
+                  <a:txBody>
+                    <a:bodyPr/>
+                    <a:lstStyle/>
+                    <a:p>
+                      <a:endParaRPr lang="zh-TW" altLang="en-US" dirty="0"/>
+                    </a:p>
+                  </a:txBody>
+                  <a:tcPr/>
+                </a:tc>
+                <a:extLst>
+                  <a:ext uri="{0D108BD9-81ED-4DB2-BD59-A6C34878D82A}">
+                    <a16:rowId xmlns:a16="http://schemas.microsoft.com/office/drawing/2014/main" val="378306888"/>
+                  </a:ext>
+                </a:extLst>
+              </a:tr>
+              <a:tr h="0">
+                <a:tc>
+                  <a:txBody>
+                    <a:bodyPr/>
+                    <a:lstStyle/>
+                    <a:p>
+                      <a:endParaRPr lang="zh-TW" altLang="en-US"/>
+                    </a:p>
+                  </a:txBody>
+                  <a:tcPr/>
+                </a:tc>
+                <a:tc>
+                  <a:txBody>
+                    <a:bodyPr/>
+                    <a:lstStyle/>
+                    <a:p>
+                      <a:endParaRPr lang="zh-TW" altLang="en-US"/>
+                    </a:p>
+                  </a:txBody>
+                  <a:tcPr/>
+                </a:tc>
+                <a:tc>
+                  <a:txBody>
+                    <a:bodyPr/>
+                    <a:lstStyle/>
+                    <a:p>
+                      <a:endParaRPr lang="zh-TW" altLang="en-US" dirty="0"/>
+                    </a:p>
+                  </a:txBody>
+                  <a:tcPr/>
+                </a:tc>
+                <a:extLst>
+                  <a:ext uri="{0D108BD9-81ED-4DB2-BD59-A6C34878D82A}">
+                    <a16:rowId xmlns:a16="http://schemas.microsoft.com/office/drawing/2014/main" val="4186434430"/>
+                  </a:ext>
+                </a:extLst>
+              </a:tr>
+            </a:tbl>
+          </a:graphicData>
+        </a:graphic>
+      </p:graphicFrame>
+      <p:graphicFrame>
+        <p:nvGraphicFramePr>
+          <p:cNvPr id="6" name="表格 4">
+            <a:extLst>
+              <a:ext uri="{FF2B5EF4-FFF2-40B4-BE49-F238E27FC236}">
+                <a16:creationId xmlns:a16="http://schemas.microsoft.com/office/drawing/2014/main" id="{64F51443-F32B-4E9C-8005-EEE3733EB57C}"/>
+              </a:ext>
+            </a:extLst>
+          </p:cNvPr>
+          <p:cNvGraphicFramePr>
+            <a:graphicFrameLocks noGrp="1"/>
+          </p:cNvGraphicFramePr>
+          <p:nvPr>
+            <p:extLst>
+              <p:ext uri="{D42A27DB-BD31-4B8C-83A1-F6EECF244321}">
+                <p14:modId xmlns:p14="http://schemas.microsoft.com/office/powerpoint/2010/main" val="2182736994"/>
+              </p:ext>
+            </p:extLst>
+          </p:nvPr>
+        </p:nvGraphicFramePr>
+        <p:xfrm>
+          <a:off x="4064000" y="4946167"/>
+          <a:ext cx="8128000" cy="1854200"/>
+        </p:xfrm>
+        <a:graphic>
+          <a:graphicData uri="http://schemas.openxmlformats.org/drawingml/2006/table">
+            <a:tbl>
+              <a:tblPr firstRow="1" bandRow="1">
+                <a:tableStyleId>{5C22544A-7EE6-4342-B048-85BDC9FD1C3A}</a:tableStyleId>
+              </a:tblPr>
+              <a:tblGrid>
+                <a:gridCol w="1625600">
+                  <a:extLst>
+                    <a:ext uri="{9D8B030D-6E8A-4147-A177-3AD203B41FA5}">
+                      <a16:colId xmlns:a16="http://schemas.microsoft.com/office/drawing/2014/main" val="1890705988"/>
+                    </a:ext>
+                  </a:extLst>
+                </a:gridCol>
+                <a:gridCol w="1625600">
+                  <a:extLst>
+                    <a:ext uri="{9D8B030D-6E8A-4147-A177-3AD203B41FA5}">
+                      <a16:colId xmlns:a16="http://schemas.microsoft.com/office/drawing/2014/main" val="547565736"/>
+                    </a:ext>
+                  </a:extLst>
+                </a:gridCol>
+                <a:gridCol w="1625600">
+                  <a:extLst>
+                    <a:ext uri="{9D8B030D-6E8A-4147-A177-3AD203B41FA5}">
+                      <a16:colId xmlns:a16="http://schemas.microsoft.com/office/drawing/2014/main" val="3481042293"/>
+                    </a:ext>
+                  </a:extLst>
+                </a:gridCol>
+                <a:gridCol w="1625600">
+                  <a:extLst>
+                    <a:ext uri="{9D8B030D-6E8A-4147-A177-3AD203B41FA5}">
+                      <a16:colId xmlns:a16="http://schemas.microsoft.com/office/drawing/2014/main" val="3668821097"/>
+                    </a:ext>
+                  </a:extLst>
+                </a:gridCol>
+                <a:gridCol w="1625600">
+                  <a:extLst>
+                    <a:ext uri="{9D8B030D-6E8A-4147-A177-3AD203B41FA5}">
+                      <a16:colId xmlns:a16="http://schemas.microsoft.com/office/drawing/2014/main" val="667044983"/>
+                    </a:ext>
+                  </a:extLst>
+                </a:gridCol>
+              </a:tblGrid>
+              <a:tr h="370840">
+                <a:tc>
+                  <a:txBody>
+                    <a:bodyPr/>
+                    <a:lstStyle/>
+                    <a:p>
+                      <a:r>
+                        <a:rPr lang="zh-TW" altLang="en-US" dirty="0"/>
+                        <a:t>需求</a:t>
+                      </a:r>
+                      <a:r>
+                        <a:rPr lang="en-US" altLang="zh-TW" dirty="0"/>
+                        <a:t>\</a:t>
+                      </a:r>
+                      <a:r>
+                        <a:rPr lang="zh-TW" altLang="en-US" dirty="0"/>
+                        <a:t>需求</a:t>
+                      </a:r>
+                    </a:p>
+                  </a:txBody>
+                  <a:tcPr/>
+                </a:tc>
+                <a:tc>
+                  <a:txBody>
+                    <a:bodyPr/>
+                    <a:lstStyle/>
+                    <a:p>
+                      <a:r>
+                        <a:rPr lang="en-US" altLang="zh-TW" dirty="0"/>
+                        <a:t>1</a:t>
+                      </a:r>
+                      <a:endParaRPr lang="zh-TW" altLang="en-US" dirty="0"/>
+                    </a:p>
+                  </a:txBody>
+                  <a:tcPr/>
+                </a:tc>
+                <a:tc>
+                  <a:txBody>
+                    <a:bodyPr/>
+                    <a:lstStyle/>
+                    <a:p>
+                      <a:r>
+                        <a:rPr lang="en-US" altLang="zh-TW" dirty="0"/>
+                        <a:t>2</a:t>
+                      </a:r>
+                      <a:endParaRPr lang="zh-TW" altLang="en-US" dirty="0"/>
+                    </a:p>
+                  </a:txBody>
+                  <a:tcPr/>
+                </a:tc>
+                <a:tc>
+                  <a:txBody>
+                    <a:bodyPr/>
+                    <a:lstStyle/>
+                    <a:p>
+                      <a:r>
+                        <a:rPr lang="en-US" altLang="zh-TW" dirty="0"/>
+                        <a:t>3</a:t>
+                      </a:r>
+                      <a:endParaRPr lang="zh-TW" altLang="en-US" dirty="0"/>
+                    </a:p>
+                  </a:txBody>
+                  <a:tcPr/>
+                </a:tc>
+                <a:tc>
+                  <a:txBody>
+                    <a:bodyPr/>
+                    <a:lstStyle/>
+                    <a:p>
+                      <a:r>
+                        <a:rPr lang="en-US" altLang="zh-TW" dirty="0"/>
+                        <a:t>4</a:t>
+                      </a:r>
+                      <a:endParaRPr lang="zh-TW" altLang="en-US" dirty="0"/>
+                    </a:p>
+                  </a:txBody>
+                  <a:tcPr/>
+                </a:tc>
+                <a:extLst>
+                  <a:ext uri="{0D108BD9-81ED-4DB2-BD59-A6C34878D82A}">
+                    <a16:rowId xmlns:a16="http://schemas.microsoft.com/office/drawing/2014/main" val="94500358"/>
+                  </a:ext>
+                </a:extLst>
+              </a:tr>
+              <a:tr h="370840">
+                <a:tc>
+                  <a:txBody>
+                    <a:bodyPr/>
+                    <a:lstStyle/>
+                    <a:p>
+                      <a:r>
+                        <a:rPr lang="en-US" altLang="zh-TW" dirty="0"/>
+                        <a:t>1</a:t>
+                      </a:r>
+                      <a:endParaRPr lang="zh-TW" altLang="en-US" dirty="0"/>
+                    </a:p>
+                  </a:txBody>
+                  <a:tcPr/>
+                </a:tc>
+                <a:tc>
+                  <a:txBody>
+                    <a:bodyPr/>
+                    <a:lstStyle/>
+                    <a:p>
+                      <a:r>
+                        <a:rPr lang="en-US" altLang="zh-TW" dirty="0"/>
+                        <a:t>X</a:t>
+                      </a:r>
+                      <a:endParaRPr lang="zh-TW" altLang="en-US" dirty="0"/>
+                    </a:p>
+                  </a:txBody>
+                  <a:tcPr/>
+                </a:tc>
+                <a:tc>
+                  <a:txBody>
+                    <a:bodyPr/>
+                    <a:lstStyle/>
+                    <a:p>
+                      <a:endParaRPr lang="zh-TW" altLang="en-US" dirty="0"/>
+                    </a:p>
+                  </a:txBody>
+                  <a:tcPr/>
+                </a:tc>
+                <a:tc>
+                  <a:txBody>
+                    <a:bodyPr/>
+                    <a:lstStyle/>
+                    <a:p>
+                      <a:endParaRPr lang="zh-TW" altLang="en-US" dirty="0"/>
+                    </a:p>
+                  </a:txBody>
+                  <a:tcPr/>
+                </a:tc>
+                <a:tc>
+                  <a:txBody>
+                    <a:bodyPr/>
+                    <a:lstStyle/>
+                    <a:p>
+                      <a:endParaRPr lang="zh-TW" altLang="en-US" dirty="0"/>
+                    </a:p>
+                  </a:txBody>
+                  <a:tcPr/>
+                </a:tc>
+                <a:extLst>
+                  <a:ext uri="{0D108BD9-81ED-4DB2-BD59-A6C34878D82A}">
+                    <a16:rowId xmlns:a16="http://schemas.microsoft.com/office/drawing/2014/main" val="3637113258"/>
+                  </a:ext>
+                </a:extLst>
+              </a:tr>
+              <a:tr h="370840">
+                <a:tc>
+                  <a:txBody>
+                    <a:bodyPr/>
+                    <a:lstStyle/>
+                    <a:p>
+                      <a:r>
+                        <a:rPr lang="en-US" altLang="zh-TW" dirty="0"/>
+                        <a:t>2</a:t>
+                      </a:r>
+                      <a:endParaRPr lang="zh-TW" altLang="en-US" dirty="0"/>
+                    </a:p>
+                  </a:txBody>
+                  <a:tcPr/>
+                </a:tc>
+                <a:tc>
+                  <a:txBody>
+                    <a:bodyPr/>
+                    <a:lstStyle/>
+                    <a:p>
+                      <a:r>
+                        <a:rPr lang="zh-TW" altLang="en-US" dirty="0"/>
+                        <a:t>相依姓</a:t>
+                      </a:r>
+                    </a:p>
+                  </a:txBody>
+                  <a:tcPr/>
+                </a:tc>
+                <a:tc>
+                  <a:txBody>
+                    <a:bodyPr/>
+                    <a:lstStyle/>
+                    <a:p>
+                      <a:endParaRPr lang="zh-TW" altLang="en-US"/>
+                    </a:p>
+                  </a:txBody>
+                  <a:tcPr/>
+                </a:tc>
+                <a:tc>
+                  <a:txBody>
+                    <a:bodyPr/>
+                    <a:lstStyle/>
+                    <a:p>
+                      <a:endParaRPr lang="zh-TW" altLang="en-US"/>
+                    </a:p>
+                  </a:txBody>
+                  <a:tcPr/>
+                </a:tc>
+                <a:tc>
+                  <a:txBody>
+                    <a:bodyPr/>
+                    <a:lstStyle/>
+                    <a:p>
+                      <a:endParaRPr lang="zh-TW" altLang="en-US"/>
+                    </a:p>
+                  </a:txBody>
+                  <a:tcPr/>
+                </a:tc>
+                <a:extLst>
+                  <a:ext uri="{0D108BD9-81ED-4DB2-BD59-A6C34878D82A}">
+                    <a16:rowId xmlns:a16="http://schemas.microsoft.com/office/drawing/2014/main" val="3234176034"/>
+                  </a:ext>
+                </a:extLst>
+              </a:tr>
+              <a:tr h="370840">
+                <a:tc>
+                  <a:txBody>
+                    <a:bodyPr/>
+                    <a:lstStyle/>
+                    <a:p>
+                      <a:r>
+                        <a:rPr lang="en-US" altLang="zh-TW" dirty="0"/>
+                        <a:t>3</a:t>
+                      </a:r>
+                      <a:endParaRPr lang="zh-TW" altLang="en-US" dirty="0"/>
+                    </a:p>
+                  </a:txBody>
+                  <a:tcPr/>
+                </a:tc>
+                <a:tc>
+                  <a:txBody>
+                    <a:bodyPr/>
+                    <a:lstStyle/>
+                    <a:p>
+                      <a:endParaRPr lang="zh-TW" altLang="en-US"/>
+                    </a:p>
+                  </a:txBody>
+                  <a:tcPr/>
+                </a:tc>
+                <a:tc>
+                  <a:txBody>
+                    <a:bodyPr/>
+                    <a:lstStyle/>
+                    <a:p>
+                      <a:endParaRPr lang="zh-TW" altLang="en-US"/>
+                    </a:p>
+                  </a:txBody>
+                  <a:tcPr/>
+                </a:tc>
+                <a:tc>
+                  <a:txBody>
+                    <a:bodyPr/>
+                    <a:lstStyle/>
+                    <a:p>
+                      <a:endParaRPr lang="zh-TW" altLang="en-US"/>
+                    </a:p>
+                  </a:txBody>
+                  <a:tcPr/>
+                </a:tc>
+                <a:tc>
+                  <a:txBody>
+                    <a:bodyPr/>
+                    <a:lstStyle/>
+                    <a:p>
+                      <a:endParaRPr lang="zh-TW" altLang="en-US"/>
+                    </a:p>
+                  </a:txBody>
+                  <a:tcPr/>
+                </a:tc>
+                <a:extLst>
+                  <a:ext uri="{0D108BD9-81ED-4DB2-BD59-A6C34878D82A}">
+                    <a16:rowId xmlns:a16="http://schemas.microsoft.com/office/drawing/2014/main" val="378306888"/>
+                  </a:ext>
+                </a:extLst>
+              </a:tr>
+              <a:tr h="370840">
+                <a:tc>
+                  <a:txBody>
+                    <a:bodyPr/>
+                    <a:lstStyle/>
+                    <a:p>
+                      <a:r>
+                        <a:rPr lang="en-US" altLang="zh-TW" dirty="0"/>
+                        <a:t>4</a:t>
+                      </a:r>
+                      <a:endParaRPr lang="zh-TW" altLang="en-US" dirty="0"/>
+                    </a:p>
+                  </a:txBody>
+                  <a:tcPr/>
+                </a:tc>
+                <a:tc>
+                  <a:txBody>
+                    <a:bodyPr/>
+                    <a:lstStyle/>
+                    <a:p>
+                      <a:endParaRPr lang="zh-TW" altLang="en-US"/>
+                    </a:p>
+                  </a:txBody>
+                  <a:tcPr/>
+                </a:tc>
+                <a:tc>
+                  <a:txBody>
+                    <a:bodyPr/>
+                    <a:lstStyle/>
+                    <a:p>
+                      <a:endParaRPr lang="zh-TW" altLang="en-US" dirty="0"/>
+                    </a:p>
+                  </a:txBody>
+                  <a:tcPr/>
+                </a:tc>
+                <a:tc>
+                  <a:txBody>
+                    <a:bodyPr/>
+                    <a:lstStyle/>
+                    <a:p>
+                      <a:endParaRPr lang="zh-TW" altLang="en-US"/>
+                    </a:p>
+                  </a:txBody>
+                  <a:tcPr/>
+                </a:tc>
+                <a:tc>
+                  <a:txBody>
+                    <a:bodyPr/>
+                    <a:lstStyle/>
+                    <a:p>
+                      <a:endParaRPr lang="zh-TW" altLang="en-US" dirty="0"/>
+                    </a:p>
+                  </a:txBody>
+                  <a:tcPr/>
+                </a:tc>
+                <a:extLst>
+                  <a:ext uri="{0D108BD9-81ED-4DB2-BD59-A6C34878D82A}">
+                    <a16:rowId xmlns:a16="http://schemas.microsoft.com/office/drawing/2014/main" val="4186434430"/>
+                  </a:ext>
+                </a:extLst>
+              </a:tr>
+            </a:tbl>
+          </a:graphicData>
+        </a:graphic>
+      </p:graphicFrame>
+    </p:spTree>
+    <p:extLst>
+      <p:ext uri="{BB962C8B-B14F-4D97-AF65-F5344CB8AC3E}">
+        <p14:creationId xmlns:p14="http://schemas.microsoft.com/office/powerpoint/2010/main" val="3061615160"/>
+      </p:ext>
+    </p:extLst>
+  </p:cSld>
+  <p:clrMapOvr>
+    <a:masterClrMapping/>
+  </p:clrMapOvr>
+</p:sld>
+</file>
+
+<file path=ppt/slides/slide14.xml><?xml version="1.0" encoding="utf-8"?>
+<p:sld xmlns:a="http://schemas.openxmlformats.org/drawingml/2006/main" xmlns:r="http://schemas.openxmlformats.org/officeDocument/2006/relationships" xmlns:p="http://schemas.openxmlformats.org/presentationml/2006/main">
+  <p:cSld>
+    <p:spTree>
+      <p:nvGrpSpPr>
+        <p:cNvPr id="1" name=""/>
+        <p:cNvGrpSpPr/>
+        <p:nvPr/>
+      </p:nvGrpSpPr>
+      <p:grpSpPr>
+        <a:xfrm>
+          <a:off x="0" y="0"/>
+          <a:ext cx="0" cy="0"/>
+          <a:chOff x="0" y="0"/>
+          <a:chExt cx="0" cy="0"/>
+        </a:xfrm>
+      </p:grpSpPr>
       <p:sp>
         <p:nvSpPr>
           <p:cNvPr id="2" name="標題 1">
@@ -5470,11 +7237,16 @@
         </p:nvSpPr>
         <p:spPr/>
         <p:txBody>
-          <a:bodyPr/>
+          <a:bodyPr>
+            <a:normAutofit/>
+          </a:bodyPr>
           <a:lstStyle/>
           <a:p>
             <a:r>
-              <a:rPr lang="zh-TW" altLang="en-US" dirty="0"/>
+              <a:rPr lang="zh-TW" altLang="en-US" dirty="0">
+                <a:latin typeface="微軟正黑體" panose="020B0604030504040204" pitchFamily="34" charset="-120"/>
+                <a:ea typeface="微軟正黑體" panose="020B0604030504040204" pitchFamily="34" charset="-120"/>
+              </a:rPr>
               <a:t>分析</a:t>
             </a:r>
           </a:p>
@@ -5812,14 +7584,13 @@
             </a:extLst>
           </p:cNvPr>
           <p:cNvCxnSpPr>
-            <a:stCxn id="4" idx="2"/>
-            <a:endCxn id="5" idx="0"/>
+            <a:cxnSpLocks/>
           </p:cNvCxnSpPr>
           <p:nvPr/>
         </p:nvCxnSpPr>
         <p:spPr>
           <a:xfrm flipH="1">
-            <a:off x="6007099" y="2605088"/>
+            <a:off x="5830636" y="2630514"/>
             <a:ext cx="1" cy="516467"/>
           </a:xfrm>
           <a:prstGeom prst="straightConnector1">
@@ -6736,14 +8507,18 @@
         </p:nvSpPr>
         <p:spPr/>
         <p:txBody>
-          <a:bodyPr/>
+          <a:bodyPr>
+            <a:normAutofit/>
+          </a:bodyPr>
           <a:lstStyle/>
           <a:p>
             <a:r>
-              <a:rPr lang="zh-TW" altLang="en-US"/>
+              <a:rPr lang="zh-TW" altLang="en-US" dirty="0">
+                <a:latin typeface="微軟正黑體" panose="020B0604030504040204" pitchFamily="34" charset="-120"/>
+                <a:ea typeface="微軟正黑體" panose="020B0604030504040204" pitchFamily="34" charset="-120"/>
+              </a:rPr>
               <a:t>分析</a:t>
             </a:r>
-            <a:endParaRPr lang="zh-TW" altLang="en-US" dirty="0"/>
           </a:p>
         </p:txBody>
       </p:sp>
@@ -8611,11 +10386,16 @@
         </p:nvSpPr>
         <p:spPr/>
         <p:txBody>
-          <a:bodyPr/>
+          <a:bodyPr>
+            <a:normAutofit/>
+          </a:bodyPr>
           <a:lstStyle/>
           <a:p>
             <a:r>
-              <a:rPr lang="zh-TW" altLang="en-US" dirty="0"/>
+              <a:rPr lang="zh-TW" altLang="en-US" dirty="0">
+                <a:latin typeface="微軟正黑體" panose="020B0604030504040204" pitchFamily="34" charset="-120"/>
+                <a:ea typeface="微軟正黑體" panose="020B0604030504040204" pitchFamily="34" charset="-120"/>
+              </a:rPr>
               <a:t>設計</a:t>
             </a:r>
           </a:p>
@@ -10027,11 +11807,16 @@
         </p:nvSpPr>
         <p:spPr/>
         <p:txBody>
-          <a:bodyPr/>
+          <a:bodyPr>
+            <a:normAutofit/>
+          </a:bodyPr>
           <a:lstStyle/>
           <a:p>
             <a:r>
-              <a:rPr lang="zh-TW" altLang="en-US" dirty="0"/>
+              <a:rPr lang="zh-TW" altLang="en-US" dirty="0">
+                <a:latin typeface="微軟正黑體" panose="020B0604030504040204" pitchFamily="34" charset="-120"/>
+                <a:ea typeface="微軟正黑體" panose="020B0604030504040204" pitchFamily="34" charset="-120"/>
+              </a:rPr>
               <a:t>設計</a:t>
             </a:r>
           </a:p>
@@ -11015,11 +12800,16 @@
         </p:nvSpPr>
         <p:spPr/>
         <p:txBody>
-          <a:bodyPr/>
+          <a:bodyPr>
+            <a:normAutofit/>
+          </a:bodyPr>
           <a:lstStyle/>
           <a:p>
             <a:r>
-              <a:rPr lang="zh-TW" altLang="en-US" dirty="0"/>
+              <a:rPr lang="zh-TW" altLang="en-US" dirty="0">
+                <a:latin typeface="微軟正黑體" panose="020B0604030504040204" pitchFamily="34" charset="-120"/>
+                <a:ea typeface="微軟正黑體" panose="020B0604030504040204" pitchFamily="34" charset="-120"/>
+              </a:rPr>
               <a:t>設計</a:t>
             </a:r>
           </a:p>
@@ -11677,11 +13467,16 @@
         </p:nvSpPr>
         <p:spPr/>
         <p:txBody>
-          <a:bodyPr/>
+          <a:bodyPr>
+            <a:normAutofit/>
+          </a:bodyPr>
           <a:lstStyle/>
           <a:p>
             <a:r>
-              <a:rPr lang="zh-TW" altLang="en-US" dirty="0"/>
+              <a:rPr lang="zh-TW" altLang="en-US" dirty="0">
+                <a:latin typeface="微軟正黑體" panose="020B0604030504040204" pitchFamily="34" charset="-120"/>
+                <a:ea typeface="微軟正黑體" panose="020B0604030504040204" pitchFamily="34" charset="-120"/>
+              </a:rPr>
               <a:t>設計</a:t>
             </a:r>
           </a:p>
